--- a/tutorial-06-migratability.pptx
+++ b/tutorial-06-migratability.pptx
@@ -2,7 +2,7 @@
 <file path=ppt/presentation.xml><?xml version="1.0" encoding="utf-8"?>
 <p:presentation xmlns:a="http://schemas.openxmlformats.org/drawingml/2006/main" xmlns:r="http://schemas.openxmlformats.org/officeDocument/2006/relationships" xmlns:p="http://schemas.openxmlformats.org/presentationml/2006/main" showSpecialPlsOnTitleSld="0" saveSubsetFonts="1">
   <p:sldMasterIdLst>
-    <p:sldMasterId id="2147483960" r:id="rId1"/>
+    <p:sldMasterId id="2147483974" r:id="rId1"/>
   </p:sldMasterIdLst>
   <p:notesMasterIdLst>
     <p:notesMasterId r:id="rId11"/>
@@ -209,7 +209,7 @@
           <a:p>
             <a:fld id="{775CE290-E0F5-444C-B849-A8F17CD4104C}" type="datetimeFigureOut">
               <a:rPr lang="en-US" smtClean="0"/>
-              <a:t>9/8/14</a:t>
+              <a:t>9/9/14</a:t>
             </a:fld>
             <a:endParaRPr lang="en-US"/>
           </a:p>
@@ -375,7 +375,7 @@
           <a:p>
             <a:fld id="{AD53A24C-4135-094C-957B-35852E7EDFA4}" type="datetimeFigureOut">
               <a:rPr lang="en-US" smtClean="0"/>
-              <a:t>9/8/14</a:t>
+              <a:t>9/9/14</a:t>
             </a:fld>
             <a:endParaRPr lang="en-US"/>
           </a:p>
@@ -645,7 +645,7 @@
 </file>
 
 <file path=ppt/slideLayouts/slideLayout1.xml><?xml version="1.0" encoding="utf-8"?>
-<p:sldLayout xmlns:a="http://schemas.openxmlformats.org/drawingml/2006/main" xmlns:r="http://schemas.openxmlformats.org/officeDocument/2006/relationships" xmlns:p="http://schemas.openxmlformats.org/presentationml/2006/main" preserve="1" userDrawn="1">
+<p:sldLayout xmlns:a="http://schemas.openxmlformats.org/drawingml/2006/main" xmlns:r="http://schemas.openxmlformats.org/officeDocument/2006/relationships" xmlns:p="http://schemas.openxmlformats.org/presentationml/2006/main" preserve="1">
   <p:cSld name="Title Slide">
     <p:spTree>
       <p:nvGrpSpPr>
@@ -692,7 +692,7 @@
           </a:lstStyle>
           <a:p>
             <a:r>
-              <a:rPr lang="en-US" dirty="0" smtClean="0"/>
+              <a:rPr lang="en-US" smtClean="0"/>
               <a:t>Click to edit Master title style</a:t>
             </a:r>
             <a:endParaRPr lang="en-US" dirty="0"/>
@@ -812,7 +812,7 @@
           </a:lstStyle>
           <a:p>
             <a:r>
-              <a:rPr lang="en-US" dirty="0" smtClean="0"/>
+              <a:rPr lang="en-US" smtClean="0"/>
               <a:t>Click to edit Master subtitle style</a:t>
             </a:r>
             <a:endParaRPr lang="en-US" dirty="0"/>
@@ -836,7 +836,7 @@
           <a:p>
             <a:fld id="{B594EA25-E4F4-3746-A0BA-A11E27330E0F}" type="datetime2">
               <a:rPr lang="en-US" smtClean="0"/>
-              <a:t>Monday, September 8, 14</a:t>
+              <a:t>Tuesday, September 9, 14</a:t>
             </a:fld>
             <a:endParaRPr lang="en-US"/>
           </a:p>
@@ -931,7 +931,7 @@
           <p:cNvSpPr txBox="1">
             <a:spLocks/>
           </p:cNvSpPr>
-          <p:nvPr userDrawn="1"/>
+          <p:nvPr/>
         </p:nvSpPr>
         <p:spPr>
           <a:xfrm>
@@ -1139,7 +1139,7 @@
                 <a:latin typeface="Times New Roman"/>
                 <a:cs typeface="Times New Roman"/>
               </a:rPr>
-              <a:t>September 8, 2014</a:t>
+              <a:t>September 9, 2014</a:t>
             </a:fld>
             <a:endParaRPr lang="en-US" dirty="0">
               <a:latin typeface="Times New Roman"/>
@@ -1193,10 +1193,232 @@
           <a:p>
             <a:pPr lvl="0"/>
             <a:r>
-              <a:rPr lang="en-US" dirty="0" smtClean="0"/>
+              <a:rPr lang="en-US" smtClean="0"/>
               <a:t>Click to edit Master text styles</a:t>
             </a:r>
-            <a:endParaRPr lang="en-US" dirty="0"/>
+          </a:p>
+        </p:txBody>
+      </p:sp>
+      <p:sp>
+        <p:nvSpPr>
+          <p:cNvPr id="11" name="Subtitle 2"/>
+          <p:cNvSpPr txBox="1">
+            <a:spLocks/>
+          </p:cNvSpPr>
+          <p:nvPr userDrawn="1"/>
+        </p:nvSpPr>
+        <p:spPr>
+          <a:xfrm>
+            <a:off x="1404926" y="4774277"/>
+            <a:ext cx="6400800" cy="700402"/>
+          </a:xfrm>
+          <a:prstGeom prst="rect">
+            <a:avLst/>
+          </a:prstGeom>
+        </p:spPr>
+        <p:txBody>
+          <a:bodyPr vert="horz" lIns="91440" tIns="45720" rIns="91440" bIns="45720" rtlCol="0">
+            <a:normAutofit/>
+          </a:bodyPr>
+          <a:lstStyle>
+            <a:lvl1pPr marL="0" indent="0" algn="ctr" defTabSz="914400" rtl="0" eaLnBrk="1" latinLnBrk="0" hangingPunct="1">
+              <a:spcBef>
+                <a:spcPct val="20000"/>
+              </a:spcBef>
+              <a:buClr>
+                <a:schemeClr val="accent1"/>
+              </a:buClr>
+              <a:buSzPct val="85000"/>
+              <a:buFont typeface="Arial" pitchFamily="34" charset="0"/>
+              <a:buNone/>
+              <a:defRPr sz="2400" kern="1200">
+                <a:solidFill>
+                  <a:schemeClr val="tx1">
+                    <a:lumMod val="75000"/>
+                    <a:lumOff val="25000"/>
+                  </a:schemeClr>
+                </a:solidFill>
+                <a:latin typeface="+mn-lt"/>
+                <a:ea typeface="+mn-ea"/>
+                <a:cs typeface="+mn-cs"/>
+              </a:defRPr>
+            </a:lvl1pPr>
+            <a:lvl2pPr marL="457200" indent="0" algn="ctr" defTabSz="914400" rtl="0" eaLnBrk="1" latinLnBrk="0" hangingPunct="1">
+              <a:spcBef>
+                <a:spcPct val="20000"/>
+              </a:spcBef>
+              <a:buClr>
+                <a:schemeClr val="accent1"/>
+              </a:buClr>
+              <a:buSzPct val="85000"/>
+              <a:buFont typeface="Arial" pitchFamily="34" charset="0"/>
+              <a:buNone/>
+              <a:defRPr sz="2000" kern="1200">
+                <a:solidFill>
+                  <a:schemeClr val="tx1">
+                    <a:tint val="75000"/>
+                  </a:schemeClr>
+                </a:solidFill>
+                <a:latin typeface="+mn-lt"/>
+                <a:ea typeface="+mn-ea"/>
+                <a:cs typeface="+mn-cs"/>
+              </a:defRPr>
+            </a:lvl2pPr>
+            <a:lvl3pPr marL="914400" indent="0" algn="ctr" defTabSz="914400" rtl="0" eaLnBrk="1" latinLnBrk="0" hangingPunct="1">
+              <a:spcBef>
+                <a:spcPct val="20000"/>
+              </a:spcBef>
+              <a:buClr>
+                <a:schemeClr val="accent1"/>
+              </a:buClr>
+              <a:buSzPct val="90000"/>
+              <a:buFont typeface="Arial" pitchFamily="34" charset="0"/>
+              <a:buNone/>
+              <a:defRPr sz="1800" kern="1200">
+                <a:solidFill>
+                  <a:schemeClr val="tx1">
+                    <a:tint val="75000"/>
+                  </a:schemeClr>
+                </a:solidFill>
+                <a:latin typeface="+mn-lt"/>
+                <a:ea typeface="+mn-ea"/>
+                <a:cs typeface="+mn-cs"/>
+              </a:defRPr>
+            </a:lvl3pPr>
+            <a:lvl4pPr marL="1371600" indent="0" algn="ctr" defTabSz="914400" rtl="0" eaLnBrk="1" latinLnBrk="0" hangingPunct="1">
+              <a:spcBef>
+                <a:spcPct val="20000"/>
+              </a:spcBef>
+              <a:buClr>
+                <a:schemeClr val="accent1"/>
+              </a:buClr>
+              <a:buFont typeface="Arial" pitchFamily="34" charset="0"/>
+              <a:buNone/>
+              <a:defRPr sz="1600" kern="1200">
+                <a:solidFill>
+                  <a:schemeClr val="tx1">
+                    <a:tint val="75000"/>
+                  </a:schemeClr>
+                </a:solidFill>
+                <a:latin typeface="+mn-lt"/>
+                <a:ea typeface="+mn-ea"/>
+                <a:cs typeface="+mn-cs"/>
+              </a:defRPr>
+            </a:lvl4pPr>
+            <a:lvl5pPr marL="1828800" indent="0" algn="ctr" defTabSz="914400" rtl="0" eaLnBrk="1" latinLnBrk="0" hangingPunct="1">
+              <a:spcBef>
+                <a:spcPct val="20000"/>
+              </a:spcBef>
+              <a:buClr>
+                <a:schemeClr val="accent1"/>
+              </a:buClr>
+              <a:buSzPct val="100000"/>
+              <a:buFont typeface="Arial" pitchFamily="34" charset="0"/>
+              <a:buNone/>
+              <a:defRPr sz="1400" kern="1200" baseline="0">
+                <a:solidFill>
+                  <a:schemeClr val="tx1">
+                    <a:tint val="75000"/>
+                  </a:schemeClr>
+                </a:solidFill>
+                <a:latin typeface="+mn-lt"/>
+                <a:ea typeface="+mn-ea"/>
+                <a:cs typeface="+mn-cs"/>
+              </a:defRPr>
+            </a:lvl5pPr>
+            <a:lvl6pPr marL="2286000" indent="0" algn="ctr" defTabSz="914400" rtl="0" eaLnBrk="1" latinLnBrk="0" hangingPunct="1">
+              <a:spcBef>
+                <a:spcPct val="20000"/>
+              </a:spcBef>
+              <a:buClr>
+                <a:schemeClr val="accent1"/>
+              </a:buClr>
+              <a:buFont typeface="Arial" pitchFamily="34" charset="0"/>
+              <a:buNone/>
+              <a:defRPr sz="1300" kern="1200">
+                <a:solidFill>
+                  <a:schemeClr val="tx1">
+                    <a:tint val="75000"/>
+                  </a:schemeClr>
+                </a:solidFill>
+                <a:latin typeface="+mn-lt"/>
+                <a:ea typeface="+mn-ea"/>
+                <a:cs typeface="+mn-cs"/>
+              </a:defRPr>
+            </a:lvl6pPr>
+            <a:lvl7pPr marL="2743200" indent="0" algn="ctr" defTabSz="914400" rtl="0" eaLnBrk="1" latinLnBrk="0" hangingPunct="1">
+              <a:spcBef>
+                <a:spcPct val="20000"/>
+              </a:spcBef>
+              <a:buClr>
+                <a:schemeClr val="accent1"/>
+              </a:buClr>
+              <a:buFont typeface="Arial" pitchFamily="34" charset="0"/>
+              <a:buNone/>
+              <a:defRPr sz="1300" kern="1200">
+                <a:solidFill>
+                  <a:schemeClr val="tx1">
+                    <a:tint val="75000"/>
+                  </a:schemeClr>
+                </a:solidFill>
+                <a:latin typeface="+mn-lt"/>
+                <a:ea typeface="+mn-ea"/>
+                <a:cs typeface="+mn-cs"/>
+              </a:defRPr>
+            </a:lvl7pPr>
+            <a:lvl8pPr marL="3200400" indent="0" algn="ctr" defTabSz="914400" rtl="0" eaLnBrk="1" latinLnBrk="0" hangingPunct="1">
+              <a:spcBef>
+                <a:spcPct val="20000"/>
+              </a:spcBef>
+              <a:buClr>
+                <a:schemeClr val="accent1"/>
+              </a:buClr>
+              <a:buFont typeface="Arial" pitchFamily="34" charset="0"/>
+              <a:buNone/>
+              <a:defRPr sz="1300" kern="1200">
+                <a:solidFill>
+                  <a:schemeClr val="tx1">
+                    <a:tint val="75000"/>
+                  </a:schemeClr>
+                </a:solidFill>
+                <a:latin typeface="+mn-lt"/>
+                <a:ea typeface="+mn-ea"/>
+                <a:cs typeface="+mn-cs"/>
+              </a:defRPr>
+            </a:lvl8pPr>
+            <a:lvl9pPr marL="3657600" indent="0" algn="ctr" defTabSz="914400" rtl="0" eaLnBrk="1" latinLnBrk="0" hangingPunct="1">
+              <a:spcBef>
+                <a:spcPct val="20000"/>
+              </a:spcBef>
+              <a:buClr>
+                <a:schemeClr val="accent1"/>
+              </a:buClr>
+              <a:buFont typeface="Arial" pitchFamily="34" charset="0"/>
+              <a:buNone/>
+              <a:defRPr sz="1300" kern="1200">
+                <a:solidFill>
+                  <a:schemeClr val="tx1">
+                    <a:tint val="75000"/>
+                  </a:schemeClr>
+                </a:solidFill>
+                <a:latin typeface="+mn-lt"/>
+                <a:ea typeface="+mn-ea"/>
+                <a:cs typeface="+mn-cs"/>
+              </a:defRPr>
+            </a:lvl9pPr>
+          </a:lstStyle>
+          <a:p>
+            <a:fld id="{B07CD00D-ECE2-B341-910C-3E5E7B4740E6}" type="datetime4">
+              <a:rPr lang="en-US" smtClean="0">
+                <a:latin typeface="Times New Roman"/>
+                <a:cs typeface="Times New Roman"/>
+              </a:rPr>
+              <a:t>September 9, 2014</a:t>
+            </a:fld>
+            <a:endParaRPr lang="en-US" dirty="0">
+              <a:latin typeface="Times New Roman"/>
+              <a:cs typeface="Times New Roman"/>
+            </a:endParaRPr>
           </a:p>
         </p:txBody>
       </p:sp>
@@ -1237,8 +1459,8 @@
         </p:nvSpPr>
         <p:spPr>
           <a:xfrm>
-            <a:off x="457200" y="792080"/>
-            <a:ext cx="2139696" cy="1261872"/>
+            <a:off x="261865" y="161144"/>
+            <a:ext cx="2335031" cy="1261872"/>
           </a:xfrm>
         </p:spPr>
         <p:txBody>
@@ -1271,8 +1493,8 @@
         </p:nvSpPr>
         <p:spPr>
           <a:xfrm>
-            <a:off x="2971800" y="792080"/>
-            <a:ext cx="5715000" cy="5577840"/>
+            <a:off x="2971799" y="161144"/>
+            <a:ext cx="5905425" cy="6208776"/>
           </a:xfrm>
         </p:spPr>
         <p:txBody>
@@ -1356,8 +1578,8 @@
         </p:nvSpPr>
         <p:spPr>
           <a:xfrm>
-            <a:off x="457201" y="2130552"/>
-            <a:ext cx="2139696" cy="4243615"/>
+            <a:off x="261865" y="1625600"/>
+            <a:ext cx="2335032" cy="4748567"/>
           </a:xfrm>
         </p:spPr>
         <p:txBody>
@@ -1426,7 +1648,7 @@
           <a:p>
             <a:fld id="{EA699BF9-66CB-F244-8E74-7B1BE1C77046}" type="datetime2">
               <a:rPr lang="en-US" smtClean="0"/>
-              <a:t>Monday, September 8, 14</a:t>
+              <a:t>Tuesday, September 9, 14</a:t>
             </a:fld>
             <a:endParaRPr lang="en-US"/>
           </a:p>
@@ -1487,9 +1709,9 @@
           <p:nvPr/>
         </p:nvCxnSpPr>
         <p:spPr>
-          <a:xfrm rot="5400000">
-            <a:off x="-13116" y="3580206"/>
-            <a:ext cx="5577840" cy="1588"/>
+          <a:xfrm>
+            <a:off x="2775010" y="161144"/>
+            <a:ext cx="0" cy="6208776"/>
           </a:xfrm>
           <a:prstGeom prst="line">
             <a:avLst/>
@@ -1552,8 +1774,8 @@
         </p:nvSpPr>
         <p:spPr>
           <a:xfrm>
-            <a:off x="457200" y="792480"/>
-            <a:ext cx="2142680" cy="1264920"/>
+            <a:off x="258881" y="160020"/>
+            <a:ext cx="2338015" cy="1264920"/>
           </a:xfrm>
         </p:spPr>
         <p:txBody>
@@ -1586,8 +1808,8 @@
         </p:nvSpPr>
         <p:spPr>
           <a:xfrm>
-            <a:off x="2858610" y="838201"/>
-            <a:ext cx="5904390" cy="5500456"/>
+            <a:off x="2858609" y="160020"/>
+            <a:ext cx="6018615" cy="6178637"/>
           </a:xfrm>
           <a:solidFill>
             <a:schemeClr val="bg2"/>
@@ -1667,8 +1889,8 @@
         </p:nvSpPr>
         <p:spPr>
           <a:xfrm>
-            <a:off x="457200" y="2133600"/>
-            <a:ext cx="2139696" cy="4242816"/>
+            <a:off x="261865" y="1663700"/>
+            <a:ext cx="2335031" cy="4712716"/>
           </a:xfrm>
         </p:spPr>
         <p:txBody>
@@ -1737,7 +1959,7 @@
           <a:p>
             <a:fld id="{D300BE84-9843-8B4F-B3C8-647B06AC46C9}" type="datetime2">
               <a:rPr lang="en-US" smtClean="0"/>
-              <a:t>Monday, September 8, 14</a:t>
+              <a:t>Tuesday, September 9, 14</a:t>
             </a:fld>
             <a:endParaRPr lang="en-US"/>
           </a:p>
@@ -1908,7 +2130,7 @@
           <a:p>
             <a:fld id="{C460AE39-2092-A945-8296-F25085B9A0F1}" type="datetime2">
               <a:rPr lang="en-US" smtClean="0"/>
-              <a:t>Monday, September 8, 14</a:t>
+              <a:t>Tuesday, September 9, 14</a:t>
             </a:fld>
             <a:endParaRPr lang="en-US"/>
           </a:p>
@@ -1999,7 +2221,7 @@
         </p:nvSpPr>
         <p:spPr>
           <a:xfrm>
-            <a:off x="6629400" y="609600"/>
+            <a:off x="6819825" y="508000"/>
             <a:ext cx="2057400" cy="5867400"/>
           </a:xfrm>
         </p:spPr>
@@ -2027,8 +2249,8 @@
         </p:nvSpPr>
         <p:spPr>
           <a:xfrm>
-            <a:off x="457200" y="609600"/>
-            <a:ext cx="6019800" cy="5867400"/>
+            <a:off x="261865" y="508000"/>
+            <a:ext cx="6405635" cy="5867400"/>
           </a:xfrm>
         </p:spPr>
         <p:txBody>
@@ -2089,7 +2311,7 @@
           <a:p>
             <a:fld id="{63BC7E9D-3218-5E49-A867-E087AB2F4618}" type="datetime2">
               <a:rPr lang="en-US" smtClean="0"/>
-              <a:t>Monday, September 8, 14</a:t>
+              <a:t>Tuesday, September 9, 14</a:t>
             </a:fld>
             <a:endParaRPr lang="en-US"/>
           </a:p>
@@ -2144,6 +2366,1343 @@
         </p:txBody>
       </p:sp>
     </p:spTree>
+  </p:cSld>
+  <p:clrMapOvr>
+    <a:masterClrMapping/>
+  </p:clrMapOvr>
+</p:sldLayout>
+</file>
+
+<file path=ppt/slideLayouts/slideLayout14.xml><?xml version="1.0" encoding="utf-8"?>
+<p:sldLayout xmlns:a="http://schemas.openxmlformats.org/drawingml/2006/main" xmlns:r="http://schemas.openxmlformats.org/officeDocument/2006/relationships" xmlns:p="http://schemas.openxmlformats.org/presentationml/2006/main" preserve="1" userDrawn="1">
+  <p:cSld name="1_Title Slide">
+    <p:spTree>
+      <p:nvGrpSpPr>
+        <p:cNvPr id="1" name=""/>
+        <p:cNvGrpSpPr/>
+        <p:nvPr/>
+      </p:nvGrpSpPr>
+      <p:grpSpPr>
+        <a:xfrm>
+          <a:off x="0" y="0"/>
+          <a:ext cx="0" cy="0"/>
+          <a:chOff x="0" y="0"/>
+          <a:chExt cx="0" cy="0"/>
+        </a:xfrm>
+      </p:grpSpPr>
+      <p:sp>
+        <p:nvSpPr>
+          <p:cNvPr id="2" name="Title 1"/>
+          <p:cNvSpPr>
+            <a:spLocks noGrp="1"/>
+          </p:cNvSpPr>
+          <p:nvPr>
+            <p:ph type="ctrTitle"/>
+          </p:nvPr>
+        </p:nvSpPr>
+        <p:spPr>
+          <a:xfrm>
+            <a:off x="107103" y="1734127"/>
+            <a:ext cx="8904929" cy="698493"/>
+          </a:xfrm>
+        </p:spPr>
+        <p:txBody>
+          <a:bodyPr anchor="b">
+            <a:normAutofit/>
+          </a:bodyPr>
+          <a:lstStyle>
+            <a:lvl1pPr algn="ctr">
+              <a:defRPr sz="4400" cap="small" baseline="0">
+                <a:solidFill>
+                  <a:schemeClr val="tx2"/>
+                </a:solidFill>
+              </a:defRPr>
+            </a:lvl1pPr>
+          </a:lstStyle>
+          <a:p>
+            <a:r>
+              <a:rPr lang="en-US" dirty="0" smtClean="0"/>
+              <a:t>Click to edit Master title style</a:t>
+            </a:r>
+            <a:endParaRPr lang="en-US" dirty="0"/>
+          </a:p>
+        </p:txBody>
+      </p:sp>
+      <p:sp>
+        <p:nvSpPr>
+          <p:cNvPr id="3" name="Subtitle 2"/>
+          <p:cNvSpPr>
+            <a:spLocks noGrp="1"/>
+          </p:cNvSpPr>
+          <p:nvPr>
+            <p:ph type="subTitle" idx="1"/>
+          </p:nvPr>
+        </p:nvSpPr>
+        <p:spPr>
+          <a:xfrm>
+            <a:off x="1404926" y="2849782"/>
+            <a:ext cx="6400800" cy="700402"/>
+          </a:xfrm>
+        </p:spPr>
+        <p:txBody>
+          <a:bodyPr/>
+          <a:lstStyle>
+            <a:lvl1pPr marL="0" indent="0" algn="ctr">
+              <a:buNone/>
+              <a:defRPr>
+                <a:solidFill>
+                  <a:schemeClr val="tx1">
+                    <a:lumMod val="75000"/>
+                    <a:lumOff val="25000"/>
+                  </a:schemeClr>
+                </a:solidFill>
+              </a:defRPr>
+            </a:lvl1pPr>
+            <a:lvl2pPr marL="457200" indent="0" algn="ctr">
+              <a:buNone/>
+              <a:defRPr>
+                <a:solidFill>
+                  <a:schemeClr val="tx1">
+                    <a:tint val="75000"/>
+                  </a:schemeClr>
+                </a:solidFill>
+              </a:defRPr>
+            </a:lvl2pPr>
+            <a:lvl3pPr marL="914400" indent="0" algn="ctr">
+              <a:buNone/>
+              <a:defRPr>
+                <a:solidFill>
+                  <a:schemeClr val="tx1">
+                    <a:tint val="75000"/>
+                  </a:schemeClr>
+                </a:solidFill>
+              </a:defRPr>
+            </a:lvl3pPr>
+            <a:lvl4pPr marL="1371600" indent="0" algn="ctr">
+              <a:buNone/>
+              <a:defRPr>
+                <a:solidFill>
+                  <a:schemeClr val="tx1">
+                    <a:tint val="75000"/>
+                  </a:schemeClr>
+                </a:solidFill>
+              </a:defRPr>
+            </a:lvl4pPr>
+            <a:lvl5pPr marL="1828800" indent="0" algn="ctr">
+              <a:buNone/>
+              <a:defRPr>
+                <a:solidFill>
+                  <a:schemeClr val="tx1">
+                    <a:tint val="75000"/>
+                  </a:schemeClr>
+                </a:solidFill>
+              </a:defRPr>
+            </a:lvl5pPr>
+            <a:lvl6pPr marL="2286000" indent="0" algn="ctr">
+              <a:buNone/>
+              <a:defRPr>
+                <a:solidFill>
+                  <a:schemeClr val="tx1">
+                    <a:tint val="75000"/>
+                  </a:schemeClr>
+                </a:solidFill>
+              </a:defRPr>
+            </a:lvl6pPr>
+            <a:lvl7pPr marL="2743200" indent="0" algn="ctr">
+              <a:buNone/>
+              <a:defRPr>
+                <a:solidFill>
+                  <a:schemeClr val="tx1">
+                    <a:tint val="75000"/>
+                  </a:schemeClr>
+                </a:solidFill>
+              </a:defRPr>
+            </a:lvl7pPr>
+            <a:lvl8pPr marL="3200400" indent="0" algn="ctr">
+              <a:buNone/>
+              <a:defRPr>
+                <a:solidFill>
+                  <a:schemeClr val="tx1">
+                    <a:tint val="75000"/>
+                  </a:schemeClr>
+                </a:solidFill>
+              </a:defRPr>
+            </a:lvl8pPr>
+            <a:lvl9pPr marL="3657600" indent="0" algn="ctr">
+              <a:buNone/>
+              <a:defRPr>
+                <a:solidFill>
+                  <a:schemeClr val="tx1">
+                    <a:tint val="75000"/>
+                  </a:schemeClr>
+                </a:solidFill>
+              </a:defRPr>
+            </a:lvl9pPr>
+          </a:lstStyle>
+          <a:p>
+            <a:r>
+              <a:rPr lang="en-US" dirty="0" smtClean="0"/>
+              <a:t>Click to edit Master subtitle style</a:t>
+            </a:r>
+            <a:endParaRPr lang="en-US" dirty="0"/>
+          </a:p>
+        </p:txBody>
+      </p:sp>
+      <p:sp>
+        <p:nvSpPr>
+          <p:cNvPr id="4" name="Date Placeholder 3"/>
+          <p:cNvSpPr>
+            <a:spLocks noGrp="1"/>
+          </p:cNvSpPr>
+          <p:nvPr>
+            <p:ph type="dt" sz="half" idx="10"/>
+          </p:nvPr>
+        </p:nvSpPr>
+        <p:spPr/>
+        <p:txBody>
+          <a:bodyPr/>
+          <a:lstStyle/>
+          <a:p>
+            <a:fld id="{B594EA25-E4F4-3746-A0BA-A11E27330E0F}" type="datetime2">
+              <a:rPr lang="en-US" smtClean="0"/>
+              <a:t>Tuesday, September 9, 14</a:t>
+            </a:fld>
+            <a:endParaRPr lang="en-US"/>
+          </a:p>
+        </p:txBody>
+      </p:sp>
+      <p:sp>
+        <p:nvSpPr>
+          <p:cNvPr id="5" name="Footer Placeholder 4"/>
+          <p:cNvSpPr>
+            <a:spLocks noGrp="1"/>
+          </p:cNvSpPr>
+          <p:nvPr>
+            <p:ph type="ftr" sz="quarter" idx="11"/>
+          </p:nvPr>
+        </p:nvSpPr>
+        <p:spPr/>
+        <p:txBody>
+          <a:bodyPr/>
+          <a:lstStyle/>
+          <a:p>
+            <a:pPr algn="r"/>
+            <a:r>
+              <a:rPr lang="en-US" smtClean="0"/>
+              <a:t>Sanjay Kalé and PPL (UIUC) – Parallel Migratable Objects </a:t>
+            </a:r>
+            <a:endParaRPr lang="en-US" dirty="0"/>
+          </a:p>
+        </p:txBody>
+      </p:sp>
+      <p:sp>
+        <p:nvSpPr>
+          <p:cNvPr id="6" name="Slide Number Placeholder 5"/>
+          <p:cNvSpPr>
+            <a:spLocks noGrp="1"/>
+          </p:cNvSpPr>
+          <p:nvPr>
+            <p:ph type="sldNum" sz="quarter" idx="12"/>
+          </p:nvPr>
+        </p:nvSpPr>
+        <p:spPr/>
+        <p:txBody>
+          <a:bodyPr/>
+          <a:lstStyle/>
+          <a:p>
+            <a:fld id="{0CFEC368-1D7A-4F81-ABF6-AE0E36BAF64C}" type="slidenum">
+              <a:rPr lang="en-US" smtClean="0"/>
+              <a:pPr/>
+              <a:t>‹#›</a:t>
+            </a:fld>
+            <a:endParaRPr lang="en-US"/>
+          </a:p>
+        </p:txBody>
+      </p:sp>
+      <p:cxnSp>
+        <p:nvCxnSpPr>
+          <p:cNvPr id="8" name="Straight Connector 7"/>
+          <p:cNvCxnSpPr/>
+          <p:nvPr/>
+        </p:nvCxnSpPr>
+        <p:spPr>
+          <a:xfrm>
+            <a:off x="685800" y="2444811"/>
+            <a:ext cx="7848600" cy="1588"/>
+          </a:xfrm>
+          <a:prstGeom prst="line">
+            <a:avLst/>
+          </a:prstGeom>
+          <a:ln w="19050">
+            <a:solidFill>
+              <a:schemeClr val="tx2"/>
+            </a:solidFill>
+          </a:ln>
+        </p:spPr>
+        <p:style>
+          <a:lnRef idx="1">
+            <a:schemeClr val="accent1"/>
+          </a:lnRef>
+          <a:fillRef idx="0">
+            <a:schemeClr val="accent1"/>
+          </a:fillRef>
+          <a:effectRef idx="0">
+            <a:schemeClr val="accent1"/>
+          </a:effectRef>
+          <a:fontRef idx="minor">
+            <a:schemeClr val="tx1"/>
+          </a:fontRef>
+        </p:style>
+      </p:cxnSp>
+      <p:sp>
+        <p:nvSpPr>
+          <p:cNvPr id="10" name="Subtitle 2"/>
+          <p:cNvSpPr txBox="1">
+            <a:spLocks/>
+          </p:cNvSpPr>
+          <p:nvPr userDrawn="1"/>
+        </p:nvSpPr>
+        <p:spPr>
+          <a:xfrm>
+            <a:off x="1404926" y="4774277"/>
+            <a:ext cx="6400800" cy="700402"/>
+          </a:xfrm>
+          <a:prstGeom prst="rect">
+            <a:avLst/>
+          </a:prstGeom>
+        </p:spPr>
+        <p:txBody>
+          <a:bodyPr vert="horz" lIns="91440" tIns="45720" rIns="91440" bIns="45720" rtlCol="0">
+            <a:normAutofit/>
+          </a:bodyPr>
+          <a:lstStyle>
+            <a:lvl1pPr marL="0" indent="0" algn="ctr" defTabSz="914400" rtl="0" eaLnBrk="1" latinLnBrk="0" hangingPunct="1">
+              <a:spcBef>
+                <a:spcPct val="20000"/>
+              </a:spcBef>
+              <a:buClr>
+                <a:schemeClr val="accent1"/>
+              </a:buClr>
+              <a:buSzPct val="85000"/>
+              <a:buFont typeface="Arial" pitchFamily="34" charset="0"/>
+              <a:buNone/>
+              <a:defRPr sz="2400" kern="1200">
+                <a:solidFill>
+                  <a:schemeClr val="tx1">
+                    <a:lumMod val="75000"/>
+                    <a:lumOff val="25000"/>
+                  </a:schemeClr>
+                </a:solidFill>
+                <a:latin typeface="+mn-lt"/>
+                <a:ea typeface="+mn-ea"/>
+                <a:cs typeface="+mn-cs"/>
+              </a:defRPr>
+            </a:lvl1pPr>
+            <a:lvl2pPr marL="457200" indent="0" algn="ctr" defTabSz="914400" rtl="0" eaLnBrk="1" latinLnBrk="0" hangingPunct="1">
+              <a:spcBef>
+                <a:spcPct val="20000"/>
+              </a:spcBef>
+              <a:buClr>
+                <a:schemeClr val="accent1"/>
+              </a:buClr>
+              <a:buSzPct val="85000"/>
+              <a:buFont typeface="Arial" pitchFamily="34" charset="0"/>
+              <a:buNone/>
+              <a:defRPr sz="2000" kern="1200">
+                <a:solidFill>
+                  <a:schemeClr val="tx1">
+                    <a:tint val="75000"/>
+                  </a:schemeClr>
+                </a:solidFill>
+                <a:latin typeface="+mn-lt"/>
+                <a:ea typeface="+mn-ea"/>
+                <a:cs typeface="+mn-cs"/>
+              </a:defRPr>
+            </a:lvl2pPr>
+            <a:lvl3pPr marL="914400" indent="0" algn="ctr" defTabSz="914400" rtl="0" eaLnBrk="1" latinLnBrk="0" hangingPunct="1">
+              <a:spcBef>
+                <a:spcPct val="20000"/>
+              </a:spcBef>
+              <a:buClr>
+                <a:schemeClr val="accent1"/>
+              </a:buClr>
+              <a:buSzPct val="90000"/>
+              <a:buFont typeface="Arial" pitchFamily="34" charset="0"/>
+              <a:buNone/>
+              <a:defRPr sz="1800" kern="1200">
+                <a:solidFill>
+                  <a:schemeClr val="tx1">
+                    <a:tint val="75000"/>
+                  </a:schemeClr>
+                </a:solidFill>
+                <a:latin typeface="+mn-lt"/>
+                <a:ea typeface="+mn-ea"/>
+                <a:cs typeface="+mn-cs"/>
+              </a:defRPr>
+            </a:lvl3pPr>
+            <a:lvl4pPr marL="1371600" indent="0" algn="ctr" defTabSz="914400" rtl="0" eaLnBrk="1" latinLnBrk="0" hangingPunct="1">
+              <a:spcBef>
+                <a:spcPct val="20000"/>
+              </a:spcBef>
+              <a:buClr>
+                <a:schemeClr val="accent1"/>
+              </a:buClr>
+              <a:buFont typeface="Arial" pitchFamily="34" charset="0"/>
+              <a:buNone/>
+              <a:defRPr sz="1600" kern="1200">
+                <a:solidFill>
+                  <a:schemeClr val="tx1">
+                    <a:tint val="75000"/>
+                  </a:schemeClr>
+                </a:solidFill>
+                <a:latin typeface="+mn-lt"/>
+                <a:ea typeface="+mn-ea"/>
+                <a:cs typeface="+mn-cs"/>
+              </a:defRPr>
+            </a:lvl4pPr>
+            <a:lvl5pPr marL="1828800" indent="0" algn="ctr" defTabSz="914400" rtl="0" eaLnBrk="1" latinLnBrk="0" hangingPunct="1">
+              <a:spcBef>
+                <a:spcPct val="20000"/>
+              </a:spcBef>
+              <a:buClr>
+                <a:schemeClr val="accent1"/>
+              </a:buClr>
+              <a:buSzPct val="100000"/>
+              <a:buFont typeface="Arial" pitchFamily="34" charset="0"/>
+              <a:buNone/>
+              <a:defRPr sz="1400" kern="1200" baseline="0">
+                <a:solidFill>
+                  <a:schemeClr val="tx1">
+                    <a:tint val="75000"/>
+                  </a:schemeClr>
+                </a:solidFill>
+                <a:latin typeface="+mn-lt"/>
+                <a:ea typeface="+mn-ea"/>
+                <a:cs typeface="+mn-cs"/>
+              </a:defRPr>
+            </a:lvl5pPr>
+            <a:lvl6pPr marL="2286000" indent="0" algn="ctr" defTabSz="914400" rtl="0" eaLnBrk="1" latinLnBrk="0" hangingPunct="1">
+              <a:spcBef>
+                <a:spcPct val="20000"/>
+              </a:spcBef>
+              <a:buClr>
+                <a:schemeClr val="accent1"/>
+              </a:buClr>
+              <a:buFont typeface="Arial" pitchFamily="34" charset="0"/>
+              <a:buNone/>
+              <a:defRPr sz="1300" kern="1200">
+                <a:solidFill>
+                  <a:schemeClr val="tx1">
+                    <a:tint val="75000"/>
+                  </a:schemeClr>
+                </a:solidFill>
+                <a:latin typeface="+mn-lt"/>
+                <a:ea typeface="+mn-ea"/>
+                <a:cs typeface="+mn-cs"/>
+              </a:defRPr>
+            </a:lvl6pPr>
+            <a:lvl7pPr marL="2743200" indent="0" algn="ctr" defTabSz="914400" rtl="0" eaLnBrk="1" latinLnBrk="0" hangingPunct="1">
+              <a:spcBef>
+                <a:spcPct val="20000"/>
+              </a:spcBef>
+              <a:buClr>
+                <a:schemeClr val="accent1"/>
+              </a:buClr>
+              <a:buFont typeface="Arial" pitchFamily="34" charset="0"/>
+              <a:buNone/>
+              <a:defRPr sz="1300" kern="1200">
+                <a:solidFill>
+                  <a:schemeClr val="tx1">
+                    <a:tint val="75000"/>
+                  </a:schemeClr>
+                </a:solidFill>
+                <a:latin typeface="+mn-lt"/>
+                <a:ea typeface="+mn-ea"/>
+                <a:cs typeface="+mn-cs"/>
+              </a:defRPr>
+            </a:lvl7pPr>
+            <a:lvl8pPr marL="3200400" indent="0" algn="ctr" defTabSz="914400" rtl="0" eaLnBrk="1" latinLnBrk="0" hangingPunct="1">
+              <a:spcBef>
+                <a:spcPct val="20000"/>
+              </a:spcBef>
+              <a:buClr>
+                <a:schemeClr val="accent1"/>
+              </a:buClr>
+              <a:buFont typeface="Arial" pitchFamily="34" charset="0"/>
+              <a:buNone/>
+              <a:defRPr sz="1300" kern="1200">
+                <a:solidFill>
+                  <a:schemeClr val="tx1">
+                    <a:tint val="75000"/>
+                  </a:schemeClr>
+                </a:solidFill>
+                <a:latin typeface="+mn-lt"/>
+                <a:ea typeface="+mn-ea"/>
+                <a:cs typeface="+mn-cs"/>
+              </a:defRPr>
+            </a:lvl8pPr>
+            <a:lvl9pPr marL="3657600" indent="0" algn="ctr" defTabSz="914400" rtl="0" eaLnBrk="1" latinLnBrk="0" hangingPunct="1">
+              <a:spcBef>
+                <a:spcPct val="20000"/>
+              </a:spcBef>
+              <a:buClr>
+                <a:schemeClr val="accent1"/>
+              </a:buClr>
+              <a:buFont typeface="Arial" pitchFamily="34" charset="0"/>
+              <a:buNone/>
+              <a:defRPr sz="1300" kern="1200">
+                <a:solidFill>
+                  <a:schemeClr val="tx1">
+                    <a:tint val="75000"/>
+                  </a:schemeClr>
+                </a:solidFill>
+                <a:latin typeface="+mn-lt"/>
+                <a:ea typeface="+mn-ea"/>
+                <a:cs typeface="+mn-cs"/>
+              </a:defRPr>
+            </a:lvl9pPr>
+          </a:lstStyle>
+          <a:p>
+            <a:fld id="{B07CD00D-ECE2-B341-910C-3E5E7B4740E6}" type="datetime4">
+              <a:rPr lang="en-US" smtClean="0">
+                <a:latin typeface="Times New Roman"/>
+                <a:cs typeface="Times New Roman"/>
+              </a:rPr>
+              <a:t>September 9, 2014</a:t>
+            </a:fld>
+            <a:endParaRPr lang="en-US" dirty="0">
+              <a:latin typeface="Times New Roman"/>
+              <a:cs typeface="Times New Roman"/>
+            </a:endParaRPr>
+          </a:p>
+        </p:txBody>
+      </p:sp>
+      <p:sp>
+        <p:nvSpPr>
+          <p:cNvPr id="14" name="Content Placeholder 13"/>
+          <p:cNvSpPr>
+            <a:spLocks noGrp="1"/>
+          </p:cNvSpPr>
+          <p:nvPr>
+            <p:ph sz="quarter" idx="13"/>
+          </p:nvPr>
+        </p:nvSpPr>
+        <p:spPr>
+          <a:xfrm>
+            <a:off x="1404938" y="3700463"/>
+            <a:ext cx="6400800" cy="1073150"/>
+          </a:xfrm>
+        </p:spPr>
+        <p:txBody>
+          <a:bodyPr>
+            <a:normAutofit/>
+          </a:bodyPr>
+          <a:lstStyle>
+            <a:lvl1pPr marL="0" indent="0" algn="ctr">
+              <a:buNone/>
+              <a:defRPr sz="1800"/>
+            </a:lvl1pPr>
+            <a:lvl2pPr marL="274320" indent="0">
+              <a:buNone/>
+              <a:defRPr/>
+            </a:lvl2pPr>
+            <a:lvl3pPr marL="548640" indent="0">
+              <a:buNone/>
+              <a:defRPr/>
+            </a:lvl3pPr>
+            <a:lvl4pPr marL="822960" indent="0">
+              <a:buNone/>
+              <a:defRPr/>
+            </a:lvl4pPr>
+            <a:lvl5pPr marL="1051560" indent="0">
+              <a:buNone/>
+              <a:defRPr/>
+            </a:lvl5pPr>
+          </a:lstStyle>
+          <a:p>
+            <a:pPr lvl="0"/>
+            <a:r>
+              <a:rPr lang="en-US" dirty="0" smtClean="0"/>
+              <a:t>Click to edit Master text styles</a:t>
+            </a:r>
+            <a:endParaRPr lang="en-US" dirty="0"/>
+          </a:p>
+        </p:txBody>
+      </p:sp>
+    </p:spTree>
+  </p:cSld>
+  <p:clrMapOvr>
+    <a:masterClrMapping/>
+  </p:clrMapOvr>
+</p:sldLayout>
+</file>
+
+<file path=ppt/slideLayouts/slideLayout15.xml><?xml version="1.0" encoding="utf-8"?>
+<p:sldLayout xmlns:a="http://schemas.openxmlformats.org/drawingml/2006/main" xmlns:r="http://schemas.openxmlformats.org/officeDocument/2006/relationships" xmlns:p="http://schemas.openxmlformats.org/presentationml/2006/main" preserve="1" userDrawn="1">
+  <p:cSld name="1_Custom Layout">
+    <p:spTree>
+      <p:nvGrpSpPr>
+        <p:cNvPr id="1" name=""/>
+        <p:cNvGrpSpPr/>
+        <p:nvPr/>
+      </p:nvGrpSpPr>
+      <p:grpSpPr>
+        <a:xfrm>
+          <a:off x="0" y="0"/>
+          <a:ext cx="0" cy="0"/>
+          <a:chOff x="0" y="0"/>
+          <a:chExt cx="0" cy="0"/>
+        </a:xfrm>
+      </p:grpSpPr>
+      <p:sp>
+        <p:nvSpPr>
+          <p:cNvPr id="2" name="Title 1"/>
+          <p:cNvSpPr>
+            <a:spLocks noGrp="1"/>
+          </p:cNvSpPr>
+          <p:nvPr>
+            <p:ph type="title"/>
+          </p:nvPr>
+        </p:nvSpPr>
+        <p:spPr/>
+        <p:txBody>
+          <a:bodyPr/>
+          <a:lstStyle/>
+          <a:p>
+            <a:r>
+              <a:rPr lang="en-US" smtClean="0"/>
+              <a:t>Click to edit Master title style</a:t>
+            </a:r>
+            <a:endParaRPr lang="en-US"/>
+          </a:p>
+        </p:txBody>
+      </p:sp>
+      <p:sp>
+        <p:nvSpPr>
+          <p:cNvPr id="3" name="Date Placeholder 2"/>
+          <p:cNvSpPr>
+            <a:spLocks noGrp="1"/>
+          </p:cNvSpPr>
+          <p:nvPr>
+            <p:ph type="dt" sz="half" idx="10"/>
+          </p:nvPr>
+        </p:nvSpPr>
+        <p:spPr/>
+        <p:txBody>
+          <a:bodyPr/>
+          <a:lstStyle/>
+          <a:p>
+            <a:fld id="{BD5AFB16-13FE-DF4A-8CB7-09756A57B2EA}" type="datetime2">
+              <a:rPr lang="en-US" smtClean="0"/>
+              <a:t>Tuesday, September 9, 14</a:t>
+            </a:fld>
+            <a:endParaRPr lang="en-US" dirty="0"/>
+          </a:p>
+        </p:txBody>
+      </p:sp>
+      <p:sp>
+        <p:nvSpPr>
+          <p:cNvPr id="4" name="Footer Placeholder 3"/>
+          <p:cNvSpPr>
+            <a:spLocks noGrp="1"/>
+          </p:cNvSpPr>
+          <p:nvPr>
+            <p:ph type="ftr" sz="quarter" idx="11"/>
+          </p:nvPr>
+        </p:nvSpPr>
+        <p:spPr/>
+        <p:txBody>
+          <a:bodyPr/>
+          <a:lstStyle/>
+          <a:p>
+            <a:pPr algn="r"/>
+            <a:r>
+              <a:rPr lang="en-US" smtClean="0"/>
+              <a:t>Sanjay Kalé and PPL (UIUC) – Parallel Migratable Objects </a:t>
+            </a:r>
+            <a:endParaRPr lang="en-US" dirty="0"/>
+          </a:p>
+        </p:txBody>
+      </p:sp>
+      <p:sp>
+        <p:nvSpPr>
+          <p:cNvPr id="5" name="Slide Number Placeholder 4"/>
+          <p:cNvSpPr>
+            <a:spLocks noGrp="1"/>
+          </p:cNvSpPr>
+          <p:nvPr>
+            <p:ph type="sldNum" sz="quarter" idx="12"/>
+          </p:nvPr>
+        </p:nvSpPr>
+        <p:spPr/>
+        <p:txBody>
+          <a:bodyPr/>
+          <a:lstStyle/>
+          <a:p>
+            <a:fld id="{0CFEC368-1D7A-4F81-ABF6-AE0E36BAF64C}" type="slidenum">
+              <a:rPr lang="en-US" smtClean="0"/>
+              <a:pPr/>
+              <a:t>‹#›</a:t>
+            </a:fld>
+            <a:endParaRPr lang="en-US" dirty="0"/>
+          </a:p>
+        </p:txBody>
+      </p:sp>
+      <p:sp>
+        <p:nvSpPr>
+          <p:cNvPr id="7" name="Content Placeholder 6"/>
+          <p:cNvSpPr>
+            <a:spLocks noGrp="1"/>
+          </p:cNvSpPr>
+          <p:nvPr>
+            <p:ph sz="quarter" idx="13"/>
+          </p:nvPr>
+        </p:nvSpPr>
+        <p:spPr>
+          <a:xfrm>
+            <a:off x="457200" y="909977"/>
+            <a:ext cx="8229600" cy="1118512"/>
+          </a:xfrm>
+        </p:spPr>
+        <p:txBody>
+          <a:bodyPr/>
+          <a:lstStyle/>
+          <a:p>
+            <a:pPr lvl="0"/>
+            <a:r>
+              <a:rPr lang="en-US" dirty="0" smtClean="0"/>
+              <a:t>Click to edit Master text styles</a:t>
+            </a:r>
+          </a:p>
+          <a:p>
+            <a:pPr lvl="1"/>
+            <a:r>
+              <a:rPr lang="en-US" dirty="0" smtClean="0"/>
+              <a:t>Second level</a:t>
+            </a:r>
+          </a:p>
+          <a:p>
+            <a:pPr lvl="2"/>
+            <a:r>
+              <a:rPr lang="en-US" dirty="0" smtClean="0"/>
+              <a:t>Third level</a:t>
+            </a:r>
+          </a:p>
+          <a:p>
+            <a:pPr lvl="3"/>
+            <a:r>
+              <a:rPr lang="en-US" dirty="0" smtClean="0"/>
+              <a:t>Fourth level</a:t>
+            </a:r>
+          </a:p>
+          <a:p>
+            <a:pPr lvl="4"/>
+            <a:r>
+              <a:rPr lang="en-US" dirty="0" smtClean="0"/>
+              <a:t>Fifth level</a:t>
+            </a:r>
+            <a:endParaRPr lang="en-US" dirty="0"/>
+          </a:p>
+        </p:txBody>
+      </p:sp>
+      <p:sp>
+        <p:nvSpPr>
+          <p:cNvPr id="9" name="Content Placeholder 8"/>
+          <p:cNvSpPr>
+            <a:spLocks noGrp="1"/>
+          </p:cNvSpPr>
+          <p:nvPr>
+            <p:ph sz="quarter" idx="14"/>
+          </p:nvPr>
+        </p:nvSpPr>
+        <p:spPr>
+          <a:xfrm>
+            <a:off x="457200" y="2198574"/>
+            <a:ext cx="8229600" cy="1119049"/>
+          </a:xfrm>
+        </p:spPr>
+        <p:txBody>
+          <a:bodyPr/>
+          <a:lstStyle/>
+          <a:p>
+            <a:pPr lvl="0"/>
+            <a:r>
+              <a:rPr lang="en-US" dirty="0" smtClean="0"/>
+              <a:t>Click to edit Master text styles</a:t>
+            </a:r>
+          </a:p>
+          <a:p>
+            <a:pPr lvl="1"/>
+            <a:r>
+              <a:rPr lang="en-US" dirty="0" smtClean="0"/>
+              <a:t>Second level</a:t>
+            </a:r>
+          </a:p>
+          <a:p>
+            <a:pPr lvl="2"/>
+            <a:r>
+              <a:rPr lang="en-US" dirty="0" smtClean="0"/>
+              <a:t>Third level</a:t>
+            </a:r>
+          </a:p>
+          <a:p>
+            <a:pPr lvl="3"/>
+            <a:r>
+              <a:rPr lang="en-US" dirty="0" smtClean="0"/>
+              <a:t>Fourth level</a:t>
+            </a:r>
+          </a:p>
+          <a:p>
+            <a:pPr lvl="4"/>
+            <a:r>
+              <a:rPr lang="en-US" dirty="0" smtClean="0"/>
+              <a:t>Fifth level</a:t>
+            </a:r>
+            <a:endParaRPr lang="en-US" dirty="0"/>
+          </a:p>
+        </p:txBody>
+      </p:sp>
+      <p:sp>
+        <p:nvSpPr>
+          <p:cNvPr id="11" name="Content Placeholder 10"/>
+          <p:cNvSpPr>
+            <a:spLocks noGrp="1"/>
+          </p:cNvSpPr>
+          <p:nvPr>
+            <p:ph sz="quarter" idx="15"/>
+          </p:nvPr>
+        </p:nvSpPr>
+        <p:spPr>
+          <a:xfrm>
+            <a:off x="457200" y="3583427"/>
+            <a:ext cx="8229600" cy="1136650"/>
+          </a:xfrm>
+        </p:spPr>
+        <p:txBody>
+          <a:bodyPr/>
+          <a:lstStyle/>
+          <a:p>
+            <a:pPr lvl="0"/>
+            <a:r>
+              <a:rPr lang="en-US" smtClean="0"/>
+              <a:t>Click to edit Master text styles</a:t>
+            </a:r>
+          </a:p>
+          <a:p>
+            <a:pPr lvl="1"/>
+            <a:r>
+              <a:rPr lang="en-US" smtClean="0"/>
+              <a:t>Second level</a:t>
+            </a:r>
+          </a:p>
+          <a:p>
+            <a:pPr lvl="2"/>
+            <a:r>
+              <a:rPr lang="en-US" smtClean="0"/>
+              <a:t>Third level</a:t>
+            </a:r>
+          </a:p>
+          <a:p>
+            <a:pPr lvl="3"/>
+            <a:r>
+              <a:rPr lang="en-US" smtClean="0"/>
+              <a:t>Fourth level</a:t>
+            </a:r>
+          </a:p>
+          <a:p>
+            <a:pPr lvl="4"/>
+            <a:r>
+              <a:rPr lang="en-US" smtClean="0"/>
+              <a:t>Fifth level</a:t>
+            </a:r>
+            <a:endParaRPr lang="en-US"/>
+          </a:p>
+        </p:txBody>
+      </p:sp>
+      <p:sp>
+        <p:nvSpPr>
+          <p:cNvPr id="13" name="Content Placeholder 12"/>
+          <p:cNvSpPr>
+            <a:spLocks noGrp="1"/>
+          </p:cNvSpPr>
+          <p:nvPr>
+            <p:ph sz="quarter" idx="16"/>
+          </p:nvPr>
+        </p:nvSpPr>
+        <p:spPr>
+          <a:xfrm>
+            <a:off x="457200" y="5043465"/>
+            <a:ext cx="8229600" cy="1136791"/>
+          </a:xfrm>
+        </p:spPr>
+        <p:txBody>
+          <a:bodyPr/>
+          <a:lstStyle/>
+          <a:p>
+            <a:pPr lvl="0"/>
+            <a:r>
+              <a:rPr lang="en-US" smtClean="0"/>
+              <a:t>Click to edit Master text styles</a:t>
+            </a:r>
+          </a:p>
+          <a:p>
+            <a:pPr lvl="1"/>
+            <a:r>
+              <a:rPr lang="en-US" smtClean="0"/>
+              <a:t>Second level</a:t>
+            </a:r>
+          </a:p>
+          <a:p>
+            <a:pPr lvl="2"/>
+            <a:r>
+              <a:rPr lang="en-US" smtClean="0"/>
+              <a:t>Third level</a:t>
+            </a:r>
+          </a:p>
+          <a:p>
+            <a:pPr lvl="3"/>
+            <a:r>
+              <a:rPr lang="en-US" smtClean="0"/>
+              <a:t>Fourth level</a:t>
+            </a:r>
+          </a:p>
+          <a:p>
+            <a:pPr lvl="4"/>
+            <a:r>
+              <a:rPr lang="en-US" smtClean="0"/>
+              <a:t>Fifth level</a:t>
+            </a:r>
+            <a:endParaRPr lang="en-US"/>
+          </a:p>
+        </p:txBody>
+      </p:sp>
+    </p:spTree>
+    <p:extLst>
+      <p:ext uri="{BB962C8B-B14F-4D97-AF65-F5344CB8AC3E}">
+        <p14:creationId xmlns:p14="http://schemas.microsoft.com/office/powerpoint/2010/main" val="596550497"/>
+      </p:ext>
+    </p:extLst>
+  </p:cSld>
+  <p:clrMapOvr>
+    <a:masterClrMapping/>
+  </p:clrMapOvr>
+</p:sldLayout>
+</file>
+
+<file path=ppt/slideLayouts/slideLayout16.xml><?xml version="1.0" encoding="utf-8"?>
+<p:sldLayout xmlns:a="http://schemas.openxmlformats.org/drawingml/2006/main" xmlns:r="http://schemas.openxmlformats.org/officeDocument/2006/relationships" xmlns:p="http://schemas.openxmlformats.org/presentationml/2006/main" preserve="1" userDrawn="1">
+  <p:cSld name="2_Two Content">
+    <p:spTree>
+      <p:nvGrpSpPr>
+        <p:cNvPr id="1" name=""/>
+        <p:cNvGrpSpPr/>
+        <p:nvPr/>
+      </p:nvGrpSpPr>
+      <p:grpSpPr>
+        <a:xfrm>
+          <a:off x="0" y="0"/>
+          <a:ext cx="0" cy="0"/>
+          <a:chOff x="0" y="0"/>
+          <a:chExt cx="0" cy="0"/>
+        </a:xfrm>
+      </p:grpSpPr>
+      <p:sp>
+        <p:nvSpPr>
+          <p:cNvPr id="2" name="Title 1"/>
+          <p:cNvSpPr>
+            <a:spLocks noGrp="1"/>
+          </p:cNvSpPr>
+          <p:nvPr>
+            <p:ph type="title"/>
+          </p:nvPr>
+        </p:nvSpPr>
+        <p:spPr/>
+        <p:txBody>
+          <a:bodyPr/>
+          <a:lstStyle/>
+          <a:p>
+            <a:r>
+              <a:rPr lang="en-US" dirty="0" smtClean="0"/>
+              <a:t>Click to edit Master title style</a:t>
+            </a:r>
+            <a:endParaRPr lang="en-US" dirty="0"/>
+          </a:p>
+        </p:txBody>
+      </p:sp>
+      <p:sp>
+        <p:nvSpPr>
+          <p:cNvPr id="3" name="Content Placeholder 2"/>
+          <p:cNvSpPr>
+            <a:spLocks noGrp="1"/>
+          </p:cNvSpPr>
+          <p:nvPr>
+            <p:ph sz="half" idx="1"/>
+          </p:nvPr>
+        </p:nvSpPr>
+        <p:spPr>
+          <a:xfrm>
+            <a:off x="457200" y="935846"/>
+            <a:ext cx="4038600" cy="3140187"/>
+          </a:xfrm>
+        </p:spPr>
+        <p:txBody>
+          <a:bodyPr/>
+          <a:lstStyle>
+            <a:lvl1pPr>
+              <a:defRPr sz="2800"/>
+            </a:lvl1pPr>
+            <a:lvl2pPr>
+              <a:defRPr sz="2400"/>
+            </a:lvl2pPr>
+            <a:lvl3pPr>
+              <a:defRPr sz="2000"/>
+            </a:lvl3pPr>
+            <a:lvl4pPr>
+              <a:defRPr sz="1800"/>
+            </a:lvl4pPr>
+            <a:lvl5pPr>
+              <a:defRPr sz="1800"/>
+            </a:lvl5pPr>
+            <a:lvl6pPr>
+              <a:defRPr sz="1800"/>
+            </a:lvl6pPr>
+            <a:lvl7pPr>
+              <a:defRPr sz="1800"/>
+            </a:lvl7pPr>
+            <a:lvl8pPr>
+              <a:defRPr sz="1800"/>
+            </a:lvl8pPr>
+            <a:lvl9pPr>
+              <a:defRPr sz="1800"/>
+            </a:lvl9pPr>
+          </a:lstStyle>
+          <a:p>
+            <a:pPr lvl="0"/>
+            <a:r>
+              <a:rPr lang="en-US" dirty="0" smtClean="0"/>
+              <a:t>Click to edit Master text styles</a:t>
+            </a:r>
+          </a:p>
+          <a:p>
+            <a:pPr lvl="1"/>
+            <a:r>
+              <a:rPr lang="en-US" dirty="0" smtClean="0"/>
+              <a:t>Second level</a:t>
+            </a:r>
+          </a:p>
+          <a:p>
+            <a:pPr lvl="2"/>
+            <a:r>
+              <a:rPr lang="en-US" dirty="0" smtClean="0"/>
+              <a:t>Third level</a:t>
+            </a:r>
+          </a:p>
+          <a:p>
+            <a:pPr lvl="3"/>
+            <a:r>
+              <a:rPr lang="en-US" dirty="0" smtClean="0"/>
+              <a:t>Fourth level</a:t>
+            </a:r>
+          </a:p>
+          <a:p>
+            <a:pPr lvl="4"/>
+            <a:r>
+              <a:rPr lang="en-US" dirty="0" smtClean="0"/>
+              <a:t>Fifth level</a:t>
+            </a:r>
+            <a:endParaRPr lang="en-US" dirty="0"/>
+          </a:p>
+        </p:txBody>
+      </p:sp>
+      <p:sp>
+        <p:nvSpPr>
+          <p:cNvPr id="4" name="Content Placeholder 3"/>
+          <p:cNvSpPr>
+            <a:spLocks noGrp="1"/>
+          </p:cNvSpPr>
+          <p:nvPr>
+            <p:ph sz="half" idx="2"/>
+          </p:nvPr>
+        </p:nvSpPr>
+        <p:spPr>
+          <a:xfrm>
+            <a:off x="4648200" y="935846"/>
+            <a:ext cx="4038600" cy="3140187"/>
+          </a:xfrm>
+        </p:spPr>
+        <p:txBody>
+          <a:bodyPr/>
+          <a:lstStyle>
+            <a:lvl1pPr>
+              <a:defRPr sz="2800"/>
+            </a:lvl1pPr>
+            <a:lvl2pPr>
+              <a:defRPr sz="2400"/>
+            </a:lvl2pPr>
+            <a:lvl3pPr>
+              <a:defRPr sz="2000"/>
+            </a:lvl3pPr>
+            <a:lvl4pPr>
+              <a:defRPr sz="1800"/>
+            </a:lvl4pPr>
+            <a:lvl5pPr>
+              <a:defRPr sz="1800"/>
+            </a:lvl5pPr>
+            <a:lvl6pPr>
+              <a:defRPr sz="1800"/>
+            </a:lvl6pPr>
+            <a:lvl7pPr>
+              <a:defRPr sz="1800"/>
+            </a:lvl7pPr>
+            <a:lvl8pPr>
+              <a:defRPr sz="1800"/>
+            </a:lvl8pPr>
+            <a:lvl9pPr>
+              <a:defRPr sz="1800"/>
+            </a:lvl9pPr>
+          </a:lstStyle>
+          <a:p>
+            <a:pPr lvl="0"/>
+            <a:r>
+              <a:rPr lang="en-US" dirty="0" smtClean="0"/>
+              <a:t>Click to edit Master text styles</a:t>
+            </a:r>
+          </a:p>
+          <a:p>
+            <a:pPr lvl="1"/>
+            <a:r>
+              <a:rPr lang="en-US" dirty="0" smtClean="0"/>
+              <a:t>Second level</a:t>
+            </a:r>
+          </a:p>
+          <a:p>
+            <a:pPr lvl="2"/>
+            <a:r>
+              <a:rPr lang="en-US" dirty="0" smtClean="0"/>
+              <a:t>Third level</a:t>
+            </a:r>
+          </a:p>
+          <a:p>
+            <a:pPr lvl="3"/>
+            <a:r>
+              <a:rPr lang="en-US" dirty="0" smtClean="0"/>
+              <a:t>Fourth level</a:t>
+            </a:r>
+          </a:p>
+          <a:p>
+            <a:pPr lvl="4"/>
+            <a:r>
+              <a:rPr lang="en-US" dirty="0" smtClean="0"/>
+              <a:t>Fifth level</a:t>
+            </a:r>
+            <a:endParaRPr lang="en-US" dirty="0"/>
+          </a:p>
+        </p:txBody>
+      </p:sp>
+      <p:sp>
+        <p:nvSpPr>
+          <p:cNvPr id="5" name="Date Placeholder 4"/>
+          <p:cNvSpPr>
+            <a:spLocks noGrp="1"/>
+          </p:cNvSpPr>
+          <p:nvPr>
+            <p:ph type="dt" sz="half" idx="10"/>
+          </p:nvPr>
+        </p:nvSpPr>
+        <p:spPr/>
+        <p:txBody>
+          <a:bodyPr/>
+          <a:lstStyle>
+            <a:lvl1pPr>
+              <a:defRPr>
+                <a:latin typeface="Times New Roman"/>
+                <a:cs typeface="Times New Roman"/>
+              </a:defRPr>
+            </a:lvl1pPr>
+          </a:lstStyle>
+          <a:p>
+            <a:fld id="{30545249-FD76-6844-B252-CAB05FC2DAA8}" type="datetime2">
+              <a:rPr lang="en-US" smtClean="0"/>
+              <a:t>Tuesday, September 9, 14</a:t>
+            </a:fld>
+            <a:endParaRPr lang="en-US" dirty="0"/>
+          </a:p>
+        </p:txBody>
+      </p:sp>
+      <p:sp>
+        <p:nvSpPr>
+          <p:cNvPr id="6" name="Footer Placeholder 5"/>
+          <p:cNvSpPr>
+            <a:spLocks noGrp="1"/>
+          </p:cNvSpPr>
+          <p:nvPr>
+            <p:ph type="ftr" sz="quarter" idx="11"/>
+          </p:nvPr>
+        </p:nvSpPr>
+        <p:spPr/>
+        <p:txBody>
+          <a:bodyPr/>
+          <a:lstStyle>
+            <a:lvl1pPr>
+              <a:defRPr>
+                <a:latin typeface="Times New Roman"/>
+                <a:cs typeface="Times New Roman"/>
+              </a:defRPr>
+            </a:lvl1pPr>
+          </a:lstStyle>
+          <a:p>
+            <a:pPr algn="r"/>
+            <a:r>
+              <a:rPr lang="en-US" smtClean="0"/>
+              <a:t>Sanjay Kalé and PPL (UIUC) – Parallel Migratable Objects </a:t>
+            </a:r>
+            <a:endParaRPr lang="en-US" dirty="0"/>
+          </a:p>
+        </p:txBody>
+      </p:sp>
+      <p:sp>
+        <p:nvSpPr>
+          <p:cNvPr id="7" name="Slide Number Placeholder 6"/>
+          <p:cNvSpPr>
+            <a:spLocks noGrp="1"/>
+          </p:cNvSpPr>
+          <p:nvPr>
+            <p:ph type="sldNum" sz="quarter" idx="12"/>
+          </p:nvPr>
+        </p:nvSpPr>
+        <p:spPr/>
+        <p:txBody>
+          <a:bodyPr/>
+          <a:lstStyle/>
+          <a:p>
+            <a:fld id="{0CFEC368-1D7A-4F81-ABF6-AE0E36BAF64C}" type="slidenum">
+              <a:rPr lang="en-US" smtClean="0"/>
+              <a:pPr/>
+              <a:t>‹#›</a:t>
+            </a:fld>
+            <a:endParaRPr lang="en-US" dirty="0"/>
+          </a:p>
+        </p:txBody>
+      </p:sp>
+      <p:sp>
+        <p:nvSpPr>
+          <p:cNvPr id="9" name="Content Placeholder 8"/>
+          <p:cNvSpPr>
+            <a:spLocks noGrp="1"/>
+          </p:cNvSpPr>
+          <p:nvPr>
+            <p:ph sz="quarter" idx="13"/>
+          </p:nvPr>
+        </p:nvSpPr>
+        <p:spPr>
+          <a:xfrm>
+            <a:off x="457200" y="4829213"/>
+            <a:ext cx="8229600" cy="1550950"/>
+          </a:xfrm>
+          <a:solidFill>
+            <a:schemeClr val="tx2">
+              <a:lumMod val="20000"/>
+              <a:lumOff val="80000"/>
+            </a:schemeClr>
+          </a:solidFill>
+          <a:ln>
+            <a:solidFill>
+              <a:schemeClr val="tx2"/>
+            </a:solidFill>
+          </a:ln>
+        </p:spPr>
+        <p:txBody>
+          <a:bodyPr/>
+          <a:lstStyle/>
+          <a:p>
+            <a:pPr lvl="0"/>
+            <a:r>
+              <a:rPr lang="en-US" dirty="0" smtClean="0"/>
+              <a:t>Click to edit Master text styles</a:t>
+            </a:r>
+          </a:p>
+          <a:p>
+            <a:pPr lvl="1"/>
+            <a:r>
+              <a:rPr lang="en-US" dirty="0" smtClean="0"/>
+              <a:t>Second level</a:t>
+            </a:r>
+          </a:p>
+          <a:p>
+            <a:pPr lvl="2"/>
+            <a:r>
+              <a:rPr lang="en-US" dirty="0" smtClean="0"/>
+              <a:t>Third level</a:t>
+            </a:r>
+          </a:p>
+          <a:p>
+            <a:pPr lvl="3"/>
+            <a:r>
+              <a:rPr lang="en-US" dirty="0" smtClean="0"/>
+              <a:t>Fourth level</a:t>
+            </a:r>
+          </a:p>
+          <a:p>
+            <a:pPr lvl="4"/>
+            <a:r>
+              <a:rPr lang="en-US" dirty="0" smtClean="0"/>
+              <a:t>Fifth level</a:t>
+            </a:r>
+            <a:endParaRPr lang="en-US" dirty="0"/>
+          </a:p>
+        </p:txBody>
+      </p:sp>
+      <p:sp>
+        <p:nvSpPr>
+          <p:cNvPr id="11" name="Text Placeholder 10"/>
+          <p:cNvSpPr>
+            <a:spLocks noGrp="1"/>
+          </p:cNvSpPr>
+          <p:nvPr>
+            <p:ph type="body" sz="quarter" idx="14"/>
+          </p:nvPr>
+        </p:nvSpPr>
+        <p:spPr>
+          <a:xfrm>
+            <a:off x="457200" y="4238625"/>
+            <a:ext cx="8229600" cy="590550"/>
+          </a:xfrm>
+          <a:solidFill>
+            <a:schemeClr val="tx2">
+              <a:lumMod val="40000"/>
+              <a:lumOff val="60000"/>
+            </a:schemeClr>
+          </a:solidFill>
+          <a:ln>
+            <a:solidFill>
+              <a:schemeClr val="tx2"/>
+            </a:solidFill>
+          </a:ln>
+        </p:spPr>
+        <p:txBody>
+          <a:bodyPr/>
+          <a:lstStyle>
+            <a:lvl1pPr marL="0" indent="0">
+              <a:buNone/>
+              <a:defRPr b="1"/>
+            </a:lvl1pPr>
+          </a:lstStyle>
+          <a:p>
+            <a:pPr lvl="0"/>
+            <a:r>
+              <a:rPr lang="en-US" dirty="0" smtClean="0"/>
+              <a:t>Click to edit Master text styles</a:t>
+            </a:r>
+            <a:endParaRPr lang="en-US" dirty="0"/>
+          </a:p>
+        </p:txBody>
+      </p:sp>
+    </p:spTree>
+    <p:extLst>
+      <p:ext uri="{BB962C8B-B14F-4D97-AF65-F5344CB8AC3E}">
+        <p14:creationId xmlns:p14="http://schemas.microsoft.com/office/powerpoint/2010/main" val="707568992"/>
+      </p:ext>
+    </p:extLst>
   </p:cSld>
   <p:clrMapOvr>
     <a:masterClrMapping/>
@@ -2208,35 +3767,35 @@
           <a:p>
             <a:pPr lvl="0"/>
             <a:r>
-              <a:rPr lang="en-US" dirty="0" smtClean="0"/>
+              <a:rPr lang="en-US" smtClean="0"/>
               <a:t>Click to edit Master text styles</a:t>
             </a:r>
           </a:p>
           <a:p>
             <a:pPr lvl="1"/>
             <a:r>
-              <a:rPr lang="en-US" dirty="0" smtClean="0"/>
+              <a:rPr lang="en-US" smtClean="0"/>
               <a:t>Second level</a:t>
             </a:r>
           </a:p>
           <a:p>
             <a:pPr lvl="2"/>
             <a:r>
-              <a:rPr lang="en-US" dirty="0" smtClean="0"/>
+              <a:rPr lang="en-US" smtClean="0"/>
               <a:t>Third level</a:t>
             </a:r>
           </a:p>
           <a:p>
             <a:pPr lvl="3"/>
             <a:r>
-              <a:rPr lang="en-US" dirty="0" smtClean="0"/>
+              <a:rPr lang="en-US" smtClean="0"/>
               <a:t>Fourth level</a:t>
             </a:r>
           </a:p>
           <a:p>
             <a:pPr lvl="4"/>
             <a:r>
-              <a:rPr lang="en-US" dirty="0" smtClean="0"/>
+              <a:rPr lang="en-US" smtClean="0"/>
               <a:t>Fifth level</a:t>
             </a:r>
             <a:endParaRPr lang="en-US" dirty="0"/>
@@ -2260,7 +3819,7 @@
           <a:p>
             <a:fld id="{34621E95-60A9-FF44-9869-513D9D7A859F}" type="datetime2">
               <a:rPr lang="en-US" smtClean="0"/>
-              <a:t>Monday, September 8, 14</a:t>
+              <a:t>Tuesday, September 9, 14</a:t>
             </a:fld>
             <a:endParaRPr lang="en-US"/>
           </a:p>
@@ -2323,7 +3882,7 @@
 </file>
 
 <file path=ppt/slideLayouts/slideLayout3.xml><?xml version="1.0" encoding="utf-8"?>
-<p:sldLayout xmlns:a="http://schemas.openxmlformats.org/drawingml/2006/main" xmlns:r="http://schemas.openxmlformats.org/officeDocument/2006/relationships" xmlns:p="http://schemas.openxmlformats.org/presentationml/2006/main" preserve="1" userDrawn="1">
+<p:sldLayout xmlns:a="http://schemas.openxmlformats.org/drawingml/2006/main" xmlns:r="http://schemas.openxmlformats.org/officeDocument/2006/relationships" xmlns:p="http://schemas.openxmlformats.org/presentationml/2006/main" preserve="1">
   <p:cSld name="Custom Layout">
     <p:spTree>
       <p:nvGrpSpPr>
@@ -2379,7 +3938,7 @@
           <a:p>
             <a:fld id="{BD5AFB16-13FE-DF4A-8CB7-09756A57B2EA}" type="datetime2">
               <a:rPr lang="en-US" smtClean="0"/>
-              <a:t>Monday, September 8, 14</a:t>
+              <a:t>Tuesday, September 9, 14</a:t>
             </a:fld>
             <a:endParaRPr lang="en-US" dirty="0"/>
           </a:p>
@@ -2445,8 +4004,8 @@
         </p:nvSpPr>
         <p:spPr>
           <a:xfrm>
-            <a:off x="457200" y="909977"/>
-            <a:ext cx="8229600" cy="1118512"/>
+            <a:off x="261865" y="909977"/>
+            <a:ext cx="8615360" cy="1118512"/>
           </a:xfrm>
         </p:spPr>
         <p:txBody>
@@ -2455,35 +4014,35 @@
           <a:p>
             <a:pPr lvl="0"/>
             <a:r>
-              <a:rPr lang="en-US" dirty="0" smtClean="0"/>
+              <a:rPr lang="en-US" smtClean="0"/>
               <a:t>Click to edit Master text styles</a:t>
             </a:r>
           </a:p>
           <a:p>
             <a:pPr lvl="1"/>
             <a:r>
-              <a:rPr lang="en-US" dirty="0" smtClean="0"/>
+              <a:rPr lang="en-US" smtClean="0"/>
               <a:t>Second level</a:t>
             </a:r>
           </a:p>
           <a:p>
             <a:pPr lvl="2"/>
             <a:r>
-              <a:rPr lang="en-US" dirty="0" smtClean="0"/>
+              <a:rPr lang="en-US" smtClean="0"/>
               <a:t>Third level</a:t>
             </a:r>
           </a:p>
           <a:p>
             <a:pPr lvl="3"/>
             <a:r>
-              <a:rPr lang="en-US" dirty="0" smtClean="0"/>
+              <a:rPr lang="en-US" smtClean="0"/>
               <a:t>Fourth level</a:t>
             </a:r>
           </a:p>
           <a:p>
             <a:pPr lvl="4"/>
             <a:r>
-              <a:rPr lang="en-US" dirty="0" smtClean="0"/>
+              <a:rPr lang="en-US" smtClean="0"/>
               <a:t>Fifth level</a:t>
             </a:r>
             <a:endParaRPr lang="en-US" dirty="0"/>
@@ -2502,8 +4061,8 @@
         </p:nvSpPr>
         <p:spPr>
           <a:xfrm>
-            <a:off x="457200" y="2198574"/>
-            <a:ext cx="8229600" cy="1119049"/>
+            <a:off x="261865" y="2198574"/>
+            <a:ext cx="8615360" cy="1119049"/>
           </a:xfrm>
         </p:spPr>
         <p:txBody>
@@ -2512,35 +4071,35 @@
           <a:p>
             <a:pPr lvl="0"/>
             <a:r>
-              <a:rPr lang="en-US" dirty="0" smtClean="0"/>
+              <a:rPr lang="en-US" smtClean="0"/>
               <a:t>Click to edit Master text styles</a:t>
             </a:r>
           </a:p>
           <a:p>
             <a:pPr lvl="1"/>
             <a:r>
-              <a:rPr lang="en-US" dirty="0" smtClean="0"/>
+              <a:rPr lang="en-US" smtClean="0"/>
               <a:t>Second level</a:t>
             </a:r>
           </a:p>
           <a:p>
             <a:pPr lvl="2"/>
             <a:r>
-              <a:rPr lang="en-US" dirty="0" smtClean="0"/>
+              <a:rPr lang="en-US" smtClean="0"/>
               <a:t>Third level</a:t>
             </a:r>
           </a:p>
           <a:p>
             <a:pPr lvl="3"/>
             <a:r>
-              <a:rPr lang="en-US" dirty="0" smtClean="0"/>
+              <a:rPr lang="en-US" smtClean="0"/>
               <a:t>Fourth level</a:t>
             </a:r>
           </a:p>
           <a:p>
             <a:pPr lvl="4"/>
             <a:r>
-              <a:rPr lang="en-US" dirty="0" smtClean="0"/>
+              <a:rPr lang="en-US" smtClean="0"/>
               <a:t>Fifth level</a:t>
             </a:r>
             <a:endParaRPr lang="en-US" dirty="0"/>
@@ -2559,8 +4118,8 @@
         </p:nvSpPr>
         <p:spPr>
           <a:xfrm>
-            <a:off x="457200" y="3583427"/>
-            <a:ext cx="8229600" cy="1136650"/>
+            <a:off x="261865" y="3583427"/>
+            <a:ext cx="8615360" cy="1136650"/>
           </a:xfrm>
         </p:spPr>
         <p:txBody>
@@ -2600,7 +4159,7 @@
               <a:rPr lang="en-US" smtClean="0"/>
               <a:t>Fifth level</a:t>
             </a:r>
-            <a:endParaRPr lang="en-US"/>
+            <a:endParaRPr lang="en-US" dirty="0"/>
           </a:p>
         </p:txBody>
       </p:sp>
@@ -2616,8 +4175,8 @@
         </p:nvSpPr>
         <p:spPr>
           <a:xfrm>
-            <a:off x="457200" y="5043465"/>
-            <a:ext cx="8229600" cy="1136791"/>
+            <a:off x="261865" y="5043465"/>
+            <a:ext cx="8615360" cy="1136791"/>
           </a:xfrm>
         </p:spPr>
         <p:txBody>
@@ -2657,7 +4216,7 @@
               <a:rPr lang="en-US" smtClean="0"/>
               <a:t>Fifth level</a:t>
             </a:r>
-            <a:endParaRPr lang="en-US"/>
+            <a:endParaRPr lang="en-US" dirty="0"/>
           </a:p>
         </p:txBody>
       </p:sp>
@@ -2866,7 +4425,7 @@
           <a:p>
             <a:fld id="{1BDEC705-8EA9-6C46-8E3B-2CAC7E2C0F7D}" type="datetime2">
               <a:rPr lang="en-US" smtClean="0"/>
-              <a:t>Monday, September 8, 14</a:t>
+              <a:t>Tuesday, September 9, 14</a:t>
             </a:fld>
             <a:endParaRPr lang="en-US"/>
           </a:p>
@@ -2996,7 +4555,7 @@
           <a:lstStyle/>
           <a:p>
             <a:r>
-              <a:rPr lang="en-US" dirty="0" smtClean="0"/>
+              <a:rPr lang="en-US" smtClean="0"/>
               <a:t>Click to edit Master title style</a:t>
             </a:r>
             <a:endParaRPr lang="en-US" dirty="0"/>
@@ -3015,8 +4574,8 @@
         </p:nvSpPr>
         <p:spPr>
           <a:xfrm>
-            <a:off x="457200" y="935846"/>
-            <a:ext cx="4038600" cy="5455810"/>
+            <a:off x="261866" y="935846"/>
+            <a:ext cx="4114800" cy="5455810"/>
           </a:xfrm>
         </p:spPr>
         <p:txBody>
@@ -3053,35 +4612,35 @@
           <a:p>
             <a:pPr lvl="0"/>
             <a:r>
-              <a:rPr lang="en-US" dirty="0" smtClean="0"/>
+              <a:rPr lang="en-US" smtClean="0"/>
               <a:t>Click to edit Master text styles</a:t>
             </a:r>
           </a:p>
           <a:p>
             <a:pPr lvl="1"/>
             <a:r>
-              <a:rPr lang="en-US" dirty="0" smtClean="0"/>
+              <a:rPr lang="en-US" smtClean="0"/>
               <a:t>Second level</a:t>
             </a:r>
           </a:p>
           <a:p>
             <a:pPr lvl="2"/>
             <a:r>
-              <a:rPr lang="en-US" dirty="0" smtClean="0"/>
+              <a:rPr lang="en-US" smtClean="0"/>
               <a:t>Third level</a:t>
             </a:r>
           </a:p>
           <a:p>
             <a:pPr lvl="3"/>
             <a:r>
-              <a:rPr lang="en-US" dirty="0" smtClean="0"/>
+              <a:rPr lang="en-US" smtClean="0"/>
               <a:t>Fourth level</a:t>
             </a:r>
           </a:p>
           <a:p>
             <a:pPr lvl="4"/>
             <a:r>
-              <a:rPr lang="en-US" dirty="0" smtClean="0"/>
+              <a:rPr lang="en-US" smtClean="0"/>
               <a:t>Fifth level</a:t>
             </a:r>
             <a:endParaRPr lang="en-US" dirty="0"/>
@@ -3100,8 +4659,8 @@
         </p:nvSpPr>
         <p:spPr>
           <a:xfrm>
-            <a:off x="4648200" y="935846"/>
-            <a:ext cx="4038600" cy="5455810"/>
+            <a:off x="4737099" y="935846"/>
+            <a:ext cx="4140125" cy="5455810"/>
           </a:xfrm>
         </p:spPr>
         <p:txBody>
@@ -3138,35 +4697,35 @@
           <a:p>
             <a:pPr lvl="0"/>
             <a:r>
-              <a:rPr lang="en-US" dirty="0" smtClean="0"/>
+              <a:rPr lang="en-US" smtClean="0"/>
               <a:t>Click to edit Master text styles</a:t>
             </a:r>
           </a:p>
           <a:p>
             <a:pPr lvl="1"/>
             <a:r>
-              <a:rPr lang="en-US" dirty="0" smtClean="0"/>
+              <a:rPr lang="en-US" smtClean="0"/>
               <a:t>Second level</a:t>
             </a:r>
           </a:p>
           <a:p>
             <a:pPr lvl="2"/>
             <a:r>
-              <a:rPr lang="en-US" dirty="0" smtClean="0"/>
+              <a:rPr lang="en-US" smtClean="0"/>
               <a:t>Third level</a:t>
             </a:r>
           </a:p>
           <a:p>
             <a:pPr lvl="3"/>
             <a:r>
-              <a:rPr lang="en-US" dirty="0" smtClean="0"/>
+              <a:rPr lang="en-US" smtClean="0"/>
               <a:t>Fourth level</a:t>
             </a:r>
           </a:p>
           <a:p>
             <a:pPr lvl="4"/>
             <a:r>
-              <a:rPr lang="en-US" dirty="0" smtClean="0"/>
+              <a:rPr lang="en-US" smtClean="0"/>
               <a:t>Fifth level</a:t>
             </a:r>
             <a:endParaRPr lang="en-US" dirty="0"/>
@@ -3197,7 +4756,7 @@
           <a:p>
             <a:fld id="{BF613BD3-C5FD-9543-B738-679BF38D8C83}" type="datetime2">
               <a:rPr lang="en-US" smtClean="0"/>
-              <a:t>Monday, September 8, 14</a:t>
+              <a:t>Tuesday, September 9, 14</a:t>
             </a:fld>
             <a:endParaRPr lang="en-US" dirty="0"/>
           </a:p>
@@ -3322,8 +4881,8 @@
         </p:nvSpPr>
         <p:spPr>
           <a:xfrm>
-            <a:off x="457200" y="1676400"/>
-            <a:ext cx="3931920" cy="639762"/>
+            <a:off x="261865" y="914400"/>
+            <a:ext cx="4114800" cy="639762"/>
           </a:xfrm>
           <a:noFill/>
           <a:ln>
@@ -3410,8 +4969,8 @@
         </p:nvSpPr>
         <p:spPr>
           <a:xfrm>
-            <a:off x="457200" y="2438400"/>
-            <a:ext cx="3931920" cy="3951288"/>
+            <a:off x="261865" y="1714500"/>
+            <a:ext cx="4114800" cy="4675188"/>
           </a:xfrm>
         </p:spPr>
         <p:txBody>
@@ -3495,8 +5054,8 @@
         </p:nvSpPr>
         <p:spPr>
           <a:xfrm>
-            <a:off x="4754880" y="1676400"/>
-            <a:ext cx="3931920" cy="639762"/>
+            <a:off x="4737100" y="914400"/>
+            <a:ext cx="4140125" cy="639762"/>
           </a:xfrm>
           <a:noFill/>
           <a:ln>
@@ -3586,8 +5145,8 @@
         </p:nvSpPr>
         <p:spPr>
           <a:xfrm>
-            <a:off x="4754880" y="2438400"/>
-            <a:ext cx="3931920" cy="3951288"/>
+            <a:off x="4737100" y="1714500"/>
+            <a:ext cx="4140125" cy="4675188"/>
           </a:xfrm>
         </p:spPr>
         <p:txBody>
@@ -3676,7 +5235,7 @@
           <a:p>
             <a:fld id="{4B5E4F0C-9A9C-5448-99FD-D30288B385C9}" type="datetime2">
               <a:rPr lang="en-US" smtClean="0"/>
-              <a:t>Monday, September 8, 14</a:t>
+              <a:t>Tuesday, September 9, 14</a:t>
             </a:fld>
             <a:endParaRPr lang="en-US"/>
           </a:p>
@@ -3739,7 +5298,7 @@
 </file>
 
 <file path=ppt/slideLayouts/slideLayout7.xml><?xml version="1.0" encoding="utf-8"?>
-<p:sldLayout xmlns:a="http://schemas.openxmlformats.org/drawingml/2006/main" xmlns:r="http://schemas.openxmlformats.org/officeDocument/2006/relationships" xmlns:p="http://schemas.openxmlformats.org/presentationml/2006/main" preserve="1" userDrawn="1">
+<p:sldLayout xmlns:a="http://schemas.openxmlformats.org/drawingml/2006/main" xmlns:r="http://schemas.openxmlformats.org/officeDocument/2006/relationships" xmlns:p="http://schemas.openxmlformats.org/presentationml/2006/main" preserve="1">
   <p:cSld name="1_Two Content">
     <p:spTree>
       <p:nvGrpSpPr>
@@ -3771,7 +5330,7 @@
           <a:lstStyle/>
           <a:p>
             <a:r>
-              <a:rPr lang="en-US" dirty="0" smtClean="0"/>
+              <a:rPr lang="en-US" smtClean="0"/>
               <a:t>Click to edit Master title style</a:t>
             </a:r>
             <a:endParaRPr lang="en-US" dirty="0"/>
@@ -3790,8 +5349,8 @@
         </p:nvSpPr>
         <p:spPr>
           <a:xfrm>
-            <a:off x="457200" y="935846"/>
-            <a:ext cx="4038600" cy="3140187"/>
+            <a:off x="261866" y="935846"/>
+            <a:ext cx="4114800" cy="3140187"/>
           </a:xfrm>
         </p:spPr>
         <p:txBody>
@@ -3828,35 +5387,35 @@
           <a:p>
             <a:pPr lvl="0"/>
             <a:r>
-              <a:rPr lang="en-US" dirty="0" smtClean="0"/>
+              <a:rPr lang="en-US" smtClean="0"/>
               <a:t>Click to edit Master text styles</a:t>
             </a:r>
           </a:p>
           <a:p>
             <a:pPr lvl="1"/>
             <a:r>
-              <a:rPr lang="en-US" dirty="0" smtClean="0"/>
+              <a:rPr lang="en-US" smtClean="0"/>
               <a:t>Second level</a:t>
             </a:r>
           </a:p>
           <a:p>
             <a:pPr lvl="2"/>
             <a:r>
-              <a:rPr lang="en-US" dirty="0" smtClean="0"/>
+              <a:rPr lang="en-US" smtClean="0"/>
               <a:t>Third level</a:t>
             </a:r>
           </a:p>
           <a:p>
             <a:pPr lvl="3"/>
             <a:r>
-              <a:rPr lang="en-US" dirty="0" smtClean="0"/>
+              <a:rPr lang="en-US" smtClean="0"/>
               <a:t>Fourth level</a:t>
             </a:r>
           </a:p>
           <a:p>
             <a:pPr lvl="4"/>
             <a:r>
-              <a:rPr lang="en-US" dirty="0" smtClean="0"/>
+              <a:rPr lang="en-US" smtClean="0"/>
               <a:t>Fifth level</a:t>
             </a:r>
             <a:endParaRPr lang="en-US" dirty="0"/>
@@ -3875,8 +5434,8 @@
         </p:nvSpPr>
         <p:spPr>
           <a:xfrm>
-            <a:off x="4648200" y="935846"/>
-            <a:ext cx="4038600" cy="3140187"/>
+            <a:off x="4737100" y="935846"/>
+            <a:ext cx="4140124" cy="3140187"/>
           </a:xfrm>
         </p:spPr>
         <p:txBody>
@@ -3913,35 +5472,35 @@
           <a:p>
             <a:pPr lvl="0"/>
             <a:r>
-              <a:rPr lang="en-US" dirty="0" smtClean="0"/>
+              <a:rPr lang="en-US" smtClean="0"/>
               <a:t>Click to edit Master text styles</a:t>
             </a:r>
           </a:p>
           <a:p>
             <a:pPr lvl="1"/>
             <a:r>
-              <a:rPr lang="en-US" dirty="0" smtClean="0"/>
+              <a:rPr lang="en-US" smtClean="0"/>
               <a:t>Second level</a:t>
             </a:r>
           </a:p>
           <a:p>
             <a:pPr lvl="2"/>
             <a:r>
-              <a:rPr lang="en-US" dirty="0" smtClean="0"/>
+              <a:rPr lang="en-US" smtClean="0"/>
               <a:t>Third level</a:t>
             </a:r>
           </a:p>
           <a:p>
             <a:pPr lvl="3"/>
             <a:r>
-              <a:rPr lang="en-US" dirty="0" smtClean="0"/>
+              <a:rPr lang="en-US" smtClean="0"/>
               <a:t>Fourth level</a:t>
             </a:r>
           </a:p>
           <a:p>
             <a:pPr lvl="4"/>
             <a:r>
-              <a:rPr lang="en-US" dirty="0" smtClean="0"/>
+              <a:rPr lang="en-US" smtClean="0"/>
               <a:t>Fifth level</a:t>
             </a:r>
             <a:endParaRPr lang="en-US" dirty="0"/>
@@ -3972,7 +5531,7 @@
           <a:p>
             <a:fld id="{30545249-FD76-6844-B252-CAB05FC2DAA8}" type="datetime2">
               <a:rPr lang="en-US" smtClean="0"/>
-              <a:t>Monday, September 8, 14</a:t>
+              <a:t>Tuesday, September 9, 14</a:t>
             </a:fld>
             <a:endParaRPr lang="en-US" dirty="0"/>
           </a:p>
@@ -4045,8 +5604,8 @@
         </p:nvSpPr>
         <p:spPr>
           <a:xfrm>
-            <a:off x="457200" y="4829213"/>
-            <a:ext cx="8229600" cy="1550950"/>
+            <a:off x="261865" y="4829213"/>
+            <a:ext cx="8615360" cy="1550950"/>
           </a:xfrm>
           <a:solidFill>
             <a:schemeClr val="tx2">
@@ -4066,35 +5625,35 @@
           <a:p>
             <a:pPr lvl="0"/>
             <a:r>
-              <a:rPr lang="en-US" dirty="0" smtClean="0"/>
+              <a:rPr lang="en-US" smtClean="0"/>
               <a:t>Click to edit Master text styles</a:t>
             </a:r>
           </a:p>
           <a:p>
             <a:pPr lvl="1"/>
             <a:r>
-              <a:rPr lang="en-US" dirty="0" smtClean="0"/>
+              <a:rPr lang="en-US" smtClean="0"/>
               <a:t>Second level</a:t>
             </a:r>
           </a:p>
           <a:p>
             <a:pPr lvl="2"/>
             <a:r>
-              <a:rPr lang="en-US" dirty="0" smtClean="0"/>
+              <a:rPr lang="en-US" smtClean="0"/>
               <a:t>Third level</a:t>
             </a:r>
           </a:p>
           <a:p>
             <a:pPr lvl="3"/>
             <a:r>
-              <a:rPr lang="en-US" dirty="0" smtClean="0"/>
+              <a:rPr lang="en-US" smtClean="0"/>
               <a:t>Fourth level</a:t>
             </a:r>
           </a:p>
           <a:p>
             <a:pPr lvl="4"/>
             <a:r>
-              <a:rPr lang="en-US" dirty="0" smtClean="0"/>
+              <a:rPr lang="en-US" smtClean="0"/>
               <a:t>Fifth level</a:t>
             </a:r>
             <a:endParaRPr lang="en-US" dirty="0"/>
@@ -4113,8 +5672,8 @@
         </p:nvSpPr>
         <p:spPr>
           <a:xfrm>
-            <a:off x="457200" y="4238625"/>
-            <a:ext cx="8229600" cy="590550"/>
+            <a:off x="261865" y="4238625"/>
+            <a:ext cx="8615359" cy="590550"/>
           </a:xfrm>
           <a:solidFill>
             <a:schemeClr val="tx2">
@@ -4139,10 +5698,9 @@
           <a:p>
             <a:pPr lvl="0"/>
             <a:r>
-              <a:rPr lang="en-US" dirty="0" smtClean="0"/>
+              <a:rPr lang="en-US" smtClean="0"/>
               <a:t>Click to edit Master text styles</a:t>
             </a:r>
-            <a:endParaRPr lang="en-US" dirty="0"/>
           </a:p>
         </p:txBody>
       </p:sp>
@@ -4216,7 +5774,7 @@
           <a:p>
             <a:fld id="{CC859171-EEDD-0B48-A5C0-E7218AE20EA7}" type="datetime2">
               <a:rPr lang="en-US" smtClean="0"/>
-              <a:t>Monday, September 8, 14</a:t>
+              <a:t>Tuesday, September 9, 14</a:t>
             </a:fld>
             <a:endParaRPr lang="en-US"/>
           </a:p>
@@ -4312,7 +5870,7 @@
           <a:p>
             <a:fld id="{C32F9216-0342-7440-9504-BD6C1382BF27}" type="datetime2">
               <a:rPr lang="en-US" smtClean="0"/>
-              <a:t>Monday, September 8, 14</a:t>
+              <a:t>Tuesday, September 9, 14</a:t>
             </a:fld>
             <a:endParaRPr lang="en-US"/>
           </a:p>
@@ -4404,7 +5962,7 @@
         </p:nvSpPr>
         <p:spPr>
           <a:xfrm>
-            <a:off x="0" y="6506351"/>
+            <a:off x="0" y="6469775"/>
             <a:ext cx="9144000" cy="365760"/>
           </a:xfrm>
           <a:prstGeom prst="rect">
@@ -4449,18 +6007,62 @@
       </p:sp>
       <p:sp>
         <p:nvSpPr>
-          <p:cNvPr id="2" name="Title Placeholder 1"/>
-          <p:cNvSpPr>
-            <a:spLocks noGrp="1"/>
-          </p:cNvSpPr>
-          <p:nvPr>
-            <p:ph type="title"/>
+          <p:cNvPr id="5" name="Footer Placeholder 4"/>
+          <p:cNvSpPr>
+            <a:spLocks noGrp="1"/>
+          </p:cNvSpPr>
+          <p:nvPr>
+            <p:ph type="ftr" sz="quarter" idx="3"/>
           </p:nvPr>
         </p:nvSpPr>
         <p:spPr>
           <a:xfrm>
-            <a:off x="0" y="0"/>
-            <a:ext cx="9144000" cy="678666"/>
+            <a:off x="261865" y="6501045"/>
+            <a:ext cx="4114800" cy="329184"/>
+          </a:xfrm>
+          <a:prstGeom prst="rect">
+            <a:avLst/>
+          </a:prstGeom>
+          <a:solidFill>
+            <a:srgbClr val="A53926"/>
+          </a:solidFill>
+        </p:spPr>
+        <p:txBody>
+          <a:bodyPr vert="horz" lIns="91440" tIns="45720" rIns="91440" bIns="45720" rtlCol="0" anchor="ctr"/>
+          <a:lstStyle>
+            <a:lvl1pPr algn="ctr">
+              <a:defRPr sz="1200" b="1">
+                <a:solidFill>
+                  <a:srgbClr val="FFFFFF"/>
+                </a:solidFill>
+                <a:latin typeface="Times New Roman"/>
+                <a:cs typeface="Times New Roman"/>
+              </a:defRPr>
+            </a:lvl1pPr>
+          </a:lstStyle>
+          <a:p>
+            <a:r>
+              <a:rPr lang="en-US" smtClean="0"/>
+              <a:t>Sanjay Kalé and PPL (UIUC) – Parallel Migratable Objects </a:t>
+            </a:r>
+            <a:endParaRPr lang="en-US" dirty="0"/>
+          </a:p>
+        </p:txBody>
+      </p:sp>
+      <p:sp>
+        <p:nvSpPr>
+          <p:cNvPr id="2" name="Title Placeholder 1"/>
+          <p:cNvSpPr>
+            <a:spLocks noGrp="1"/>
+          </p:cNvSpPr>
+          <p:nvPr>
+            <p:ph type="title"/>
+          </p:nvPr>
+        </p:nvSpPr>
+        <p:spPr>
+          <a:xfrm>
+            <a:off x="0" y="-1"/>
+            <a:ext cx="9144000" cy="741859"/>
           </a:xfrm>
           <a:prstGeom prst="rect">
             <a:avLst/>
@@ -4479,7 +6081,7 @@
           <a:lstStyle/>
           <a:p>
             <a:r>
-              <a:rPr lang="en-US" dirty="0" smtClean="0"/>
+              <a:rPr lang="en-US" smtClean="0"/>
               <a:t>Click to edit Master title style</a:t>
             </a:r>
             <a:endParaRPr lang="en-US" dirty="0"/>
@@ -4498,50 +6100,50 @@
         </p:nvSpPr>
         <p:spPr>
           <a:xfrm>
-            <a:off x="457200" y="1143000"/>
-            <a:ext cx="8229600" cy="5235222"/>
+            <a:off x="261865" y="942770"/>
+            <a:ext cx="8615360" cy="5435452"/>
           </a:xfrm>
           <a:prstGeom prst="rect">
             <a:avLst/>
           </a:prstGeom>
         </p:spPr>
         <p:txBody>
-          <a:bodyPr vert="horz" lIns="91440" tIns="45720" rIns="91440" bIns="45720" rtlCol="0">
+          <a:bodyPr vert="horz" lIns="91440" tIns="45720" rIns="91440" bIns="45720" rtlCol="0" anchor="ctr">
             <a:normAutofit/>
           </a:bodyPr>
           <a:lstStyle/>
           <a:p>
             <a:pPr lvl="0"/>
             <a:r>
-              <a:rPr lang="en-US" dirty="0" smtClean="0"/>
+              <a:rPr lang="en-US" smtClean="0"/>
               <a:t>Click to edit Master text styles</a:t>
             </a:r>
           </a:p>
           <a:p>
             <a:pPr lvl="1"/>
             <a:r>
-              <a:rPr lang="en-US" dirty="0" smtClean="0"/>
+              <a:rPr lang="en-US" smtClean="0"/>
               <a:t>Second level</a:t>
             </a:r>
           </a:p>
           <a:p>
             <a:pPr lvl="2"/>
             <a:r>
-              <a:rPr lang="en-US" dirty="0" smtClean="0"/>
+              <a:rPr lang="en-US" smtClean="0"/>
               <a:t>Third level</a:t>
             </a:r>
           </a:p>
           <a:p>
             <a:pPr lvl="3"/>
             <a:r>
-              <a:rPr lang="en-US" dirty="0" smtClean="0"/>
+              <a:rPr lang="en-US" smtClean="0"/>
               <a:t>Fourth level</a:t>
             </a:r>
           </a:p>
           <a:p>
             <a:pPr lvl="4"/>
             <a:r>
-              <a:rPr lang="en-US" dirty="0" smtClean="0"/>
+              <a:rPr lang="en-US" smtClean="0"/>
               <a:t>Fifth level</a:t>
             </a:r>
             <a:endParaRPr lang="en-US" dirty="0"/>
@@ -4560,8 +6162,8 @@
         </p:nvSpPr>
         <p:spPr>
           <a:xfrm>
-            <a:off x="457200" y="6506351"/>
-            <a:ext cx="2895600" cy="329184"/>
+            <a:off x="4737100" y="6501045"/>
+            <a:ext cx="2726982" cy="329184"/>
           </a:xfrm>
           <a:prstGeom prst="rect">
             <a:avLst/>
@@ -4583,7 +6185,7 @@
           <a:p>
             <a:fld id="{D36DC8F2-AD63-E841-8C23-5DC3A41041BE}" type="datetime2">
               <a:rPr lang="en-US" smtClean="0"/>
-              <a:t>Monday, September 8, 14</a:t>
+              <a:t>Tuesday, September 9, 14</a:t>
             </a:fld>
             <a:endParaRPr lang="en-US" dirty="0"/>
           </a:p>
@@ -4591,62 +6193,18 @@
       </p:sp>
       <p:sp>
         <p:nvSpPr>
-          <p:cNvPr id="5" name="Footer Placeholder 4"/>
-          <p:cNvSpPr>
-            <a:spLocks noGrp="1"/>
-          </p:cNvSpPr>
-          <p:nvPr>
-            <p:ph type="ftr" sz="quarter" idx="3"/>
+          <p:cNvPr id="6" name="Slide Number Placeholder 5"/>
+          <p:cNvSpPr>
+            <a:spLocks noGrp="1"/>
+          </p:cNvSpPr>
+          <p:nvPr>
+            <p:ph type="sldNum" sz="quarter" idx="4"/>
           </p:nvPr>
         </p:nvSpPr>
         <p:spPr>
           <a:xfrm>
-            <a:off x="3429000" y="6501045"/>
-            <a:ext cx="4114800" cy="329184"/>
-          </a:xfrm>
-          <a:prstGeom prst="rect">
-            <a:avLst/>
-          </a:prstGeom>
-          <a:solidFill>
-            <a:srgbClr val="A53926"/>
-          </a:solidFill>
-        </p:spPr>
-        <p:txBody>
-          <a:bodyPr vert="horz" lIns="91440" tIns="45720" rIns="91440" bIns="45720" rtlCol="0" anchor="ctr"/>
-          <a:lstStyle>
-            <a:lvl1pPr algn="ctr">
-              <a:defRPr sz="1200" b="1">
-                <a:solidFill>
-                  <a:srgbClr val="FFFFFF"/>
-                </a:solidFill>
-                <a:latin typeface="Times New Roman"/>
-                <a:cs typeface="Times New Roman"/>
-              </a:defRPr>
-            </a:lvl1pPr>
-          </a:lstStyle>
-          <a:p>
-            <a:r>
-              <a:rPr lang="en-US" smtClean="0"/>
-              <a:t>Sanjay Kalé and PPL (UIUC) – Parallel Migratable Objects </a:t>
-            </a:r>
-            <a:endParaRPr lang="en-US" dirty="0"/>
-          </a:p>
-        </p:txBody>
-      </p:sp>
-      <p:sp>
-        <p:nvSpPr>
-          <p:cNvPr id="6" name="Slide Number Placeholder 5"/>
-          <p:cNvSpPr>
-            <a:spLocks noGrp="1"/>
-          </p:cNvSpPr>
-          <p:nvPr>
-            <p:ph type="sldNum" sz="quarter" idx="4"/>
-          </p:nvPr>
-        </p:nvSpPr>
-        <p:spPr>
-          <a:xfrm>
-            <a:off x="7620000" y="6506351"/>
-            <a:ext cx="1066800" cy="329184"/>
+            <a:off x="7646459" y="6506351"/>
+            <a:ext cx="1230766" cy="329184"/>
           </a:xfrm>
           <a:prstGeom prst="rect">
             <a:avLst/>
@@ -4679,19 +6237,22 @@
   </p:cSld>
   <p:clrMap bg1="lt1" tx1="dk1" bg2="lt2" tx2="dk2" accent1="accent1" accent2="accent2" accent3="accent3" accent4="accent4" accent5="accent5" accent6="accent6" hlink="hlink" folHlink="folHlink"/>
   <p:sldLayoutIdLst>
-    <p:sldLayoutId id="2147483961" r:id="rId1"/>
-    <p:sldLayoutId id="2147483962" r:id="rId2"/>
-    <p:sldLayoutId id="2147483973" r:id="rId3"/>
-    <p:sldLayoutId id="2147483963" r:id="rId4"/>
-    <p:sldLayoutId id="2147483964" r:id="rId5"/>
-    <p:sldLayoutId id="2147483965" r:id="rId6"/>
-    <p:sldLayoutId id="2147483972" r:id="rId7"/>
-    <p:sldLayoutId id="2147483966" r:id="rId8"/>
-    <p:sldLayoutId id="2147483967" r:id="rId9"/>
-    <p:sldLayoutId id="2147483968" r:id="rId10"/>
-    <p:sldLayoutId id="2147483969" r:id="rId11"/>
-    <p:sldLayoutId id="2147483970" r:id="rId12"/>
-    <p:sldLayoutId id="2147483971" r:id="rId13"/>
+    <p:sldLayoutId id="2147483975" r:id="rId1"/>
+    <p:sldLayoutId id="2147483976" r:id="rId2"/>
+    <p:sldLayoutId id="2147483977" r:id="rId3"/>
+    <p:sldLayoutId id="2147483978" r:id="rId4"/>
+    <p:sldLayoutId id="2147483979" r:id="rId5"/>
+    <p:sldLayoutId id="2147483980" r:id="rId6"/>
+    <p:sldLayoutId id="2147483981" r:id="rId7"/>
+    <p:sldLayoutId id="2147483982" r:id="rId8"/>
+    <p:sldLayoutId id="2147483983" r:id="rId9"/>
+    <p:sldLayoutId id="2147483984" r:id="rId10"/>
+    <p:sldLayoutId id="2147483985" r:id="rId11"/>
+    <p:sldLayoutId id="2147483986" r:id="rId12"/>
+    <p:sldLayoutId id="2147483987" r:id="rId13"/>
+    <p:sldLayoutId id="2147483961" r:id="rId14"/>
+    <p:sldLayoutId id="2147483973" r:id="rId15"/>
+    <p:sldLayoutId id="2147483972" r:id="rId16"/>
   </p:sldLayoutIdLst>
   <p:hf hdr="0"/>
   <p:txStyles>
@@ -5008,7 +6569,7 @@
         <p:spPr/>
         <p:txBody>
           <a:bodyPr>
-            <a:normAutofit fontScale="90000"/>
+            <a:normAutofit/>
           </a:bodyPr>
           <a:lstStyle/>
           <a:p>
@@ -5302,7 +6863,7 @@
           <a:p>
             <a:fld id="{8ADAB7C0-00B4-3F4D-A690-E12D330195D4}" type="datetime2">
               <a:rPr lang="en-US" smtClean="0"/>
-              <a:t>Monday, September 8, 14</a:t>
+              <a:t>Tuesday, September 9, 14</a:t>
             </a:fld>
             <a:endParaRPr lang="en-US"/>
           </a:p>
@@ -5485,7 +7046,7 @@
           <a:p>
             <a:fld id="{3EBDCA59-9BA4-BE48-9CC1-D9E1762CA01A}" type="datetime2">
               <a:rPr lang="en-US" smtClean="0"/>
-              <a:t>Monday, September 8, 14</a:t>
+              <a:t>Tuesday, September 9, 14</a:t>
             </a:fld>
             <a:endParaRPr lang="en-US"/>
           </a:p>
@@ -5627,7 +7188,7 @@
         <p:spPr/>
         <p:txBody>
           <a:bodyPr>
-            <a:normAutofit fontScale="90000"/>
+            <a:normAutofit/>
           </a:bodyPr>
           <a:lstStyle/>
           <a:p>
@@ -5656,15 +7217,15 @@
               </a:ext>
             </a:extLst>
           </a:blip>
-          <a:srcRect l="-16511" r="-16511"/>
+          <a:srcRect l="-17241" r="-17241"/>
           <a:stretch>
             <a:fillRect/>
           </a:stretch>
         </p:blipFill>
         <p:spPr>
           <a:xfrm>
-            <a:off x="0" y="678665"/>
-            <a:ext cx="9144000" cy="5816913"/>
+            <a:off x="0" y="741858"/>
+            <a:ext cx="9144000" cy="5753720"/>
           </a:xfrm>
         </p:spPr>
       </p:pic>
@@ -5685,7 +7246,7 @@
           <a:p>
             <a:fld id="{34621E95-60A9-FF44-9869-513D9D7A859F}" type="datetime2">
               <a:rPr lang="en-US" smtClean="0"/>
-              <a:t>Monday, September 8, 14</a:t>
+              <a:t>Tuesday, September 9, 14</a:t>
             </a:fld>
             <a:endParaRPr lang="en-US"/>
           </a:p>
@@ -5782,7 +7343,7 @@
         <p:spPr/>
         <p:txBody>
           <a:bodyPr>
-            <a:normAutofit fontScale="90000"/>
+            <a:normAutofit/>
           </a:bodyPr>
           <a:lstStyle/>
           <a:p>
@@ -5923,7 +7484,7 @@
           <a:p>
             <a:fld id="{BF613BD3-C5FD-9543-B738-679BF38D8C83}" type="datetime2">
               <a:rPr lang="en-US" smtClean="0"/>
-              <a:t>Monday, September 8, 14</a:t>
+              <a:t>Tuesday, September 9, 14</a:t>
             </a:fld>
             <a:endParaRPr lang="en-US" dirty="0"/>
           </a:p>
@@ -6050,7 +7611,7 @@
         <p:spPr/>
         <p:txBody>
           <a:bodyPr>
-            <a:normAutofit fontScale="90000"/>
+            <a:normAutofit/>
           </a:bodyPr>
           <a:lstStyle/>
           <a:p>
@@ -6095,43 +7656,73 @@
               <a:buNone/>
             </a:pPr>
             <a:r>
-              <a:rPr lang="en-US" b="1" dirty="0" smtClean="0"/>
+              <a:rPr lang="en-US" b="1" dirty="0" smtClean="0">
+                <a:latin typeface="Consolas"/>
+                <a:cs typeface="Consolas"/>
+              </a:rPr>
               <a:t>class</a:t>
             </a:r>
             <a:r>
-              <a:rPr lang="en-US" dirty="0" smtClean="0"/>
+              <a:rPr lang="en-US" dirty="0" smtClean="0">
+                <a:latin typeface="Consolas"/>
+                <a:cs typeface="Consolas"/>
+              </a:rPr>
               <a:t> </a:t>
             </a:r>
             <a:r>
-              <a:rPr lang="en-US" dirty="0" err="1"/>
+              <a:rPr lang="en-US" dirty="0" err="1">
+                <a:latin typeface="Consolas"/>
+                <a:cs typeface="Consolas"/>
+              </a:rPr>
               <a:t>MyChare</a:t>
             </a:r>
             <a:r>
-              <a:rPr lang="en-US" dirty="0"/>
+              <a:rPr lang="en-US" dirty="0">
+                <a:latin typeface="Consolas"/>
+                <a:cs typeface="Consolas"/>
+              </a:rPr>
               <a:t> : </a:t>
             </a:r>
             <a:r>
-              <a:rPr lang="en-US" b="1" dirty="0"/>
+              <a:rPr lang="en-US" b="1" dirty="0">
+                <a:latin typeface="Consolas"/>
+                <a:cs typeface="Consolas"/>
+              </a:rPr>
               <a:t>public</a:t>
             </a:r>
             <a:r>
-              <a:rPr lang="en-US" dirty="0"/>
+              <a:rPr lang="en-US" dirty="0">
+                <a:latin typeface="Consolas"/>
+                <a:cs typeface="Consolas"/>
+              </a:rPr>
               <a:t> </a:t>
             </a:r>
             <a:r>
-              <a:rPr lang="en-US" dirty="0" err="1"/>
+              <a:rPr lang="en-US" dirty="0" err="1">
+                <a:latin typeface="Consolas"/>
+                <a:cs typeface="Consolas"/>
+              </a:rPr>
               <a:t>CBase</a:t>
             </a:r>
             <a:r>
-              <a:rPr lang="en-US" dirty="0"/>
+              <a:rPr lang="en-US" dirty="0">
+                <a:latin typeface="Consolas"/>
+                <a:cs typeface="Consolas"/>
+              </a:rPr>
               <a:t> </a:t>
             </a:r>
             <a:r>
-              <a:rPr lang="en-US" dirty="0" err="1"/>
+              <a:rPr lang="en-US" dirty="0" err="1">
+                <a:latin typeface="Consolas"/>
+                <a:cs typeface="Consolas"/>
+              </a:rPr>
               <a:t>MyChare</a:t>
             </a:r>
             <a:r>
-              <a:rPr lang="en-US" dirty="0"/>
+              <a:rPr lang="en-US" dirty="0">
+                <a:latin typeface="Consolas"/>
+                <a:cs typeface="Consolas"/>
+              </a:rPr>
               <a:t> {</a:t>
             </a:r>
           </a:p>
@@ -6140,19 +7731,31 @@
               <a:buNone/>
             </a:pPr>
             <a:r>
-              <a:rPr lang="en-US" dirty="0" smtClean="0"/>
+              <a:rPr lang="en-US" dirty="0" smtClean="0">
+                <a:latin typeface="Consolas"/>
+                <a:cs typeface="Consolas"/>
+              </a:rPr>
               <a:t>   </a:t>
             </a:r>
             <a:r>
-              <a:rPr lang="en-US" b="1" dirty="0" err="1" smtClean="0"/>
+              <a:rPr lang="en-US" b="1" dirty="0" err="1" smtClean="0">
+                <a:latin typeface="Consolas"/>
+                <a:cs typeface="Consolas"/>
+              </a:rPr>
               <a:t>int</a:t>
             </a:r>
             <a:r>
-              <a:rPr lang="en-US" dirty="0" smtClean="0"/>
+              <a:rPr lang="en-US" dirty="0" smtClean="0">
+                <a:latin typeface="Consolas"/>
+                <a:cs typeface="Consolas"/>
+              </a:rPr>
               <a:t> </a:t>
             </a:r>
             <a:r>
-              <a:rPr lang="en-US" dirty="0"/>
+              <a:rPr lang="en-US" dirty="0">
+                <a:latin typeface="Consolas"/>
+                <a:cs typeface="Consolas"/>
+              </a:rPr>
               <a:t>a;</a:t>
             </a:r>
           </a:p>
@@ -6161,15 +7764,24 @@
               <a:buNone/>
             </a:pPr>
             <a:r>
-              <a:rPr lang="en-US" b="1" dirty="0" smtClean="0"/>
+              <a:rPr lang="en-US" b="1" dirty="0" smtClean="0">
+                <a:latin typeface="Consolas"/>
+                <a:cs typeface="Consolas"/>
+              </a:rPr>
               <a:t>   float</a:t>
             </a:r>
             <a:r>
-              <a:rPr lang="en-US" dirty="0" smtClean="0"/>
+              <a:rPr lang="en-US" dirty="0" smtClean="0">
+                <a:latin typeface="Consolas"/>
+                <a:cs typeface="Consolas"/>
+              </a:rPr>
               <a:t> </a:t>
             </a:r>
             <a:r>
-              <a:rPr lang="en-US" dirty="0"/>
+              <a:rPr lang="en-US" dirty="0">
+                <a:latin typeface="Consolas"/>
+                <a:cs typeface="Consolas"/>
+              </a:rPr>
               <a:t>b;</a:t>
             </a:r>
           </a:p>
@@ -6178,15 +7790,24 @@
               <a:buNone/>
             </a:pPr>
             <a:r>
-              <a:rPr lang="en-US" b="1" dirty="0" smtClean="0"/>
+              <a:rPr lang="en-US" b="1" dirty="0" smtClean="0">
+                <a:latin typeface="Consolas"/>
+                <a:cs typeface="Consolas"/>
+              </a:rPr>
               <a:t>   char</a:t>
             </a:r>
             <a:r>
-              <a:rPr lang="en-US" dirty="0" smtClean="0"/>
+              <a:rPr lang="en-US" dirty="0" smtClean="0">
+                <a:latin typeface="Consolas"/>
+                <a:cs typeface="Consolas"/>
+              </a:rPr>
               <a:t> </a:t>
             </a:r>
             <a:r>
-              <a:rPr lang="en-US" dirty="0"/>
+              <a:rPr lang="en-US" dirty="0">
+                <a:latin typeface="Consolas"/>
+                <a:cs typeface="Consolas"/>
+              </a:rPr>
               <a:t>c;</a:t>
             </a:r>
           </a:p>
@@ -6195,19 +7816,31 @@
               <a:buNone/>
             </a:pPr>
             <a:r>
-              <a:rPr lang="en-US" b="1" dirty="0" smtClean="0"/>
+              <a:rPr lang="en-US" b="1" dirty="0" smtClean="0">
+                <a:latin typeface="Consolas"/>
+                <a:cs typeface="Consolas"/>
+              </a:rPr>
               <a:t>   float</a:t>
             </a:r>
             <a:r>
-              <a:rPr lang="en-US" dirty="0" smtClean="0"/>
+              <a:rPr lang="en-US" dirty="0" smtClean="0">
+                <a:latin typeface="Consolas"/>
+                <a:cs typeface="Consolas"/>
+              </a:rPr>
               <a:t> </a:t>
             </a:r>
             <a:r>
-              <a:rPr lang="en-US" dirty="0" err="1"/>
+              <a:rPr lang="en-US" dirty="0" err="1">
+                <a:latin typeface="Consolas"/>
+                <a:cs typeface="Consolas"/>
+              </a:rPr>
               <a:t>localArray</a:t>
             </a:r>
             <a:r>
-              <a:rPr lang="en-US" dirty="0"/>
+              <a:rPr lang="en-US" dirty="0">
+                <a:latin typeface="Consolas"/>
+                <a:cs typeface="Consolas"/>
+              </a:rPr>
               <a:t>[LOCAL SIZE];</a:t>
             </a:r>
           </a:p>
@@ -6216,7 +7849,10 @@
               <a:buNone/>
             </a:pPr>
             <a:r>
-              <a:rPr lang="en-US" dirty="0"/>
+              <a:rPr lang="en-US" dirty="0">
+                <a:latin typeface="Consolas"/>
+                <a:cs typeface="Consolas"/>
+              </a:rPr>
               <a:t>};</a:t>
             </a:r>
           </a:p>
@@ -6256,49 +7892,82 @@
               <a:buNone/>
             </a:pPr>
             <a:r>
-              <a:rPr lang="en-US" b="1" dirty="0"/>
+              <a:rPr lang="en-US" b="1" dirty="0">
+                <a:latin typeface="Consolas"/>
+                <a:cs typeface="Consolas"/>
+              </a:rPr>
               <a:t>void</a:t>
             </a:r>
             <a:r>
-              <a:rPr lang="en-US" dirty="0"/>
+              <a:rPr lang="en-US" dirty="0">
+                <a:latin typeface="Consolas"/>
+                <a:cs typeface="Consolas"/>
+              </a:rPr>
               <a:t> pup(PUP::</a:t>
             </a:r>
             <a:r>
-              <a:rPr lang="en-US" dirty="0" err="1"/>
+              <a:rPr lang="en-US" dirty="0" err="1">
+                <a:latin typeface="Consolas"/>
+                <a:cs typeface="Consolas"/>
+              </a:rPr>
               <a:t>er</a:t>
             </a:r>
             <a:r>
-              <a:rPr lang="en-US" dirty="0"/>
+              <a:rPr lang="en-US" dirty="0">
+                <a:latin typeface="Consolas"/>
+                <a:cs typeface="Consolas"/>
+              </a:rPr>
               <a:t> &amp;p) { </a:t>
             </a:r>
-            <a:endParaRPr lang="en-US" dirty="0" smtClean="0"/>
+            <a:endParaRPr lang="en-US" dirty="0" smtClean="0">
+              <a:latin typeface="Consolas"/>
+              <a:cs typeface="Consolas"/>
+            </a:endParaRPr>
           </a:p>
           <a:p>
             <a:pPr marL="0" indent="0">
               <a:buNone/>
             </a:pPr>
             <a:r>
-              <a:rPr lang="en-US" dirty="0"/>
+              <a:rPr lang="en-US" dirty="0">
+                <a:latin typeface="Consolas"/>
+                <a:cs typeface="Consolas"/>
+              </a:rPr>
               <a:t> </a:t>
             </a:r>
             <a:r>
-              <a:rPr lang="en-US" dirty="0" smtClean="0"/>
+              <a:rPr lang="en-US" dirty="0" smtClean="0">
+                <a:latin typeface="Consolas"/>
+                <a:cs typeface="Consolas"/>
+              </a:rPr>
               <a:t>  </a:t>
             </a:r>
             <a:r>
-              <a:rPr lang="en-US" dirty="0" err="1" smtClean="0"/>
+              <a:rPr lang="en-US" dirty="0" err="1" smtClean="0">
+                <a:latin typeface="Consolas"/>
+                <a:cs typeface="Consolas"/>
+              </a:rPr>
               <a:t>CBase</a:t>
             </a:r>
             <a:r>
-              <a:rPr lang="en-US" dirty="0" smtClean="0"/>
+              <a:rPr lang="en-US" dirty="0" smtClean="0">
+                <a:latin typeface="Consolas"/>
+                <a:cs typeface="Consolas"/>
+              </a:rPr>
               <a:t> </a:t>
             </a:r>
             <a:r>
-              <a:rPr lang="en-US" dirty="0" err="1"/>
+              <a:rPr lang="en-US" dirty="0" err="1">
+                <a:latin typeface="Consolas"/>
+                <a:cs typeface="Consolas"/>
+              </a:rPr>
               <a:t>MyChare</a:t>
             </a:r>
             <a:r>
-              <a:rPr lang="en-US" dirty="0"/>
+              <a:rPr lang="en-US" dirty="0">
+                <a:latin typeface="Consolas"/>
+                <a:cs typeface="Consolas"/>
+              </a:rPr>
               <a:t>::pup(p);</a:t>
             </a:r>
           </a:p>
@@ -6307,11 +7976,17 @@
               <a:buNone/>
             </a:pPr>
             <a:r>
-              <a:rPr lang="en-US" dirty="0" smtClean="0"/>
+              <a:rPr lang="en-US" dirty="0" smtClean="0">
+                <a:latin typeface="Consolas"/>
+                <a:cs typeface="Consolas"/>
+              </a:rPr>
               <a:t>   p </a:t>
             </a:r>
             <a:r>
-              <a:rPr lang="en-US" dirty="0"/>
+              <a:rPr lang="en-US" dirty="0">
+                <a:latin typeface="Consolas"/>
+                <a:cs typeface="Consolas"/>
+              </a:rPr>
               <a:t>| a;</a:t>
             </a:r>
           </a:p>
@@ -6320,11 +7995,17 @@
               <a:buNone/>
             </a:pPr>
             <a:r>
-              <a:rPr lang="en-US" dirty="0" smtClean="0"/>
+              <a:rPr lang="en-US" dirty="0" smtClean="0">
+                <a:latin typeface="Consolas"/>
+                <a:cs typeface="Consolas"/>
+              </a:rPr>
               <a:t>   p </a:t>
             </a:r>
             <a:r>
-              <a:rPr lang="en-US" dirty="0"/>
+              <a:rPr lang="en-US" dirty="0">
+                <a:latin typeface="Consolas"/>
+                <a:cs typeface="Consolas"/>
+              </a:rPr>
               <a:t>| b;</a:t>
             </a:r>
           </a:p>
@@ -6333,11 +8014,17 @@
               <a:buNone/>
             </a:pPr>
             <a:r>
-              <a:rPr lang="en-US" dirty="0" smtClean="0"/>
+              <a:rPr lang="en-US" dirty="0" smtClean="0">
+                <a:latin typeface="Consolas"/>
+                <a:cs typeface="Consolas"/>
+              </a:rPr>
               <a:t>   p </a:t>
             </a:r>
             <a:r>
-              <a:rPr lang="en-US" dirty="0"/>
+              <a:rPr lang="en-US" dirty="0">
+                <a:latin typeface="Consolas"/>
+                <a:cs typeface="Consolas"/>
+              </a:rPr>
               <a:t>| c;</a:t>
             </a:r>
           </a:p>
@@ -6346,19 +8033,31 @@
               <a:buNone/>
             </a:pPr>
             <a:r>
-              <a:rPr lang="en-US" dirty="0" smtClean="0"/>
+              <a:rPr lang="en-US" dirty="0" smtClean="0">
+                <a:latin typeface="Consolas"/>
+                <a:cs typeface="Consolas"/>
+              </a:rPr>
               <a:t>   p</a:t>
             </a:r>
             <a:r>
-              <a:rPr lang="en-US" dirty="0"/>
+              <a:rPr lang="en-US" dirty="0">
+                <a:latin typeface="Consolas"/>
+                <a:cs typeface="Consolas"/>
+              </a:rPr>
               <a:t>(</a:t>
             </a:r>
             <a:r>
-              <a:rPr lang="en-US" dirty="0" err="1"/>
+              <a:rPr lang="en-US" dirty="0" err="1">
+                <a:latin typeface="Consolas"/>
+                <a:cs typeface="Consolas"/>
+              </a:rPr>
               <a:t>localArray</a:t>
             </a:r>
             <a:r>
-              <a:rPr lang="en-US" dirty="0"/>
+              <a:rPr lang="en-US" dirty="0">
+                <a:latin typeface="Consolas"/>
+                <a:cs typeface="Consolas"/>
+              </a:rPr>
               <a:t>, LOCAL SIZE);</a:t>
             </a:r>
           </a:p>
@@ -6367,7 +8066,10 @@
               <a:buNone/>
             </a:pPr>
             <a:r>
-              <a:rPr lang="en-US" dirty="0"/>
+              <a:rPr lang="en-US" dirty="0">
+                <a:latin typeface="Consolas"/>
+                <a:cs typeface="Consolas"/>
+              </a:rPr>
               <a:t>}</a:t>
             </a:r>
           </a:p>
@@ -6390,7 +8092,7 @@
           <a:p>
             <a:fld id="{BF613BD3-C5FD-9543-B738-679BF38D8C83}" type="datetime2">
               <a:rPr lang="en-US" smtClean="0"/>
-              <a:t>Monday, September 8, 14</a:t>
+              <a:t>Tuesday, September 9, 14</a:t>
             </a:fld>
             <a:endParaRPr lang="en-US" dirty="0"/>
           </a:p>
@@ -6487,7 +8189,7 @@
         <p:spPr/>
         <p:txBody>
           <a:bodyPr>
-            <a:normAutofit fontScale="90000"/>
+            <a:normAutofit/>
           </a:bodyPr>
           <a:lstStyle/>
           <a:p>
@@ -6524,7 +8226,7 @@
         </p:spPr>
         <p:txBody>
           <a:bodyPr>
-            <a:normAutofit fontScale="70000" lnSpcReduction="20000"/>
+            <a:normAutofit fontScale="62500" lnSpcReduction="20000"/>
           </a:bodyPr>
           <a:lstStyle/>
           <a:p>
@@ -6532,49 +8234,82 @@
               <a:buNone/>
             </a:pPr>
             <a:r>
-              <a:rPr lang="en-US" b="1" dirty="0"/>
+              <a:rPr lang="en-US" b="1" dirty="0">
+                <a:latin typeface="Consolas"/>
+                <a:cs typeface="Consolas"/>
+              </a:rPr>
               <a:t>class</a:t>
             </a:r>
             <a:r>
-              <a:rPr lang="en-US" dirty="0"/>
+              <a:rPr lang="en-US" dirty="0">
+                <a:latin typeface="Consolas"/>
+                <a:cs typeface="Consolas"/>
+              </a:rPr>
               <a:t> </a:t>
             </a:r>
             <a:r>
-              <a:rPr lang="en-US" dirty="0" err="1"/>
+              <a:rPr lang="en-US" dirty="0" err="1">
+                <a:latin typeface="Consolas"/>
+                <a:cs typeface="Consolas"/>
+              </a:rPr>
               <a:t>MyChare</a:t>
             </a:r>
             <a:r>
-              <a:rPr lang="en-US" dirty="0"/>
+              <a:rPr lang="en-US" dirty="0">
+                <a:latin typeface="Consolas"/>
+                <a:cs typeface="Consolas"/>
+              </a:rPr>
               <a:t> : </a:t>
             </a:r>
             <a:r>
-              <a:rPr lang="en-US" b="1" dirty="0"/>
+              <a:rPr lang="en-US" b="1" dirty="0">
+                <a:latin typeface="Consolas"/>
+                <a:cs typeface="Consolas"/>
+              </a:rPr>
               <a:t>public </a:t>
             </a:r>
-            <a:endParaRPr lang="en-US" b="1" dirty="0" smtClean="0"/>
+            <a:endParaRPr lang="en-US" b="1" dirty="0" smtClean="0">
+              <a:latin typeface="Consolas"/>
+              <a:cs typeface="Consolas"/>
+            </a:endParaRPr>
           </a:p>
           <a:p>
             <a:pPr marL="0" indent="0">
               <a:buNone/>
             </a:pPr>
             <a:r>
-              <a:rPr lang="en-US" dirty="0" smtClean="0"/>
+              <a:rPr lang="en-US" dirty="0" smtClean="0">
+                <a:latin typeface="Consolas"/>
+                <a:cs typeface="Consolas"/>
+              </a:rPr>
               <a:t>      </a:t>
             </a:r>
             <a:r>
-              <a:rPr lang="en-US" dirty="0" err="1" smtClean="0"/>
+              <a:rPr lang="en-US" dirty="0" err="1" smtClean="0">
+                <a:latin typeface="Consolas"/>
+                <a:cs typeface="Consolas"/>
+              </a:rPr>
               <a:t>CBase</a:t>
             </a:r>
             <a:r>
-              <a:rPr lang="en-US" dirty="0" smtClean="0"/>
+              <a:rPr lang="en-US" dirty="0" smtClean="0">
+                <a:latin typeface="Consolas"/>
+                <a:cs typeface="Consolas"/>
+              </a:rPr>
               <a:t> </a:t>
             </a:r>
             <a:r>
-              <a:rPr lang="en-US" dirty="0" err="1"/>
+              <a:rPr lang="en-US" dirty="0" err="1">
+                <a:latin typeface="Consolas"/>
+                <a:cs typeface="Consolas"/>
+              </a:rPr>
               <a:t>MyChare</a:t>
             </a:r>
             <a:r>
-              <a:rPr lang="en-US" dirty="0"/>
+              <a:rPr lang="en-US" dirty="0">
+                <a:latin typeface="Consolas"/>
+                <a:cs typeface="Consolas"/>
+              </a:rPr>
               <a:t> {</a:t>
             </a:r>
           </a:p>
@@ -6583,53 +8318,89 @@
               <a:buNone/>
             </a:pPr>
             <a:r>
-              <a:rPr lang="en-US" dirty="0" smtClean="0"/>
+              <a:rPr lang="en-US" dirty="0" smtClean="0">
+                <a:latin typeface="Consolas"/>
+                <a:cs typeface="Consolas"/>
+              </a:rPr>
               <a:t>   </a:t>
             </a:r>
             <a:r>
-              <a:rPr lang="en-US" b="1" dirty="0" err="1" smtClean="0"/>
+              <a:rPr lang="en-US" b="1" dirty="0" err="1" smtClean="0">
+                <a:latin typeface="Consolas"/>
+                <a:cs typeface="Consolas"/>
+              </a:rPr>
               <a:t>int</a:t>
             </a:r>
             <a:r>
-              <a:rPr lang="en-US" dirty="0" smtClean="0"/>
+              <a:rPr lang="en-US" dirty="0" smtClean="0">
+                <a:latin typeface="Consolas"/>
+                <a:cs typeface="Consolas"/>
+              </a:rPr>
               <a:t> </a:t>
             </a:r>
             <a:r>
-              <a:rPr lang="en-US" dirty="0" err="1"/>
+              <a:rPr lang="en-US" dirty="0" err="1">
+                <a:latin typeface="Consolas"/>
+                <a:cs typeface="Consolas"/>
+              </a:rPr>
               <a:t>heapArraySize</a:t>
             </a:r>
             <a:r>
-              <a:rPr lang="en-US" dirty="0" smtClean="0"/>
+              <a:rPr lang="en-US" dirty="0" smtClean="0">
+                <a:latin typeface="Consolas"/>
+                <a:cs typeface="Consolas"/>
+              </a:rPr>
               <a:t>;</a:t>
             </a:r>
-            <a:endParaRPr lang="en-US" dirty="0"/>
+            <a:endParaRPr lang="en-US" dirty="0">
+              <a:latin typeface="Consolas"/>
+              <a:cs typeface="Consolas"/>
+            </a:endParaRPr>
           </a:p>
           <a:p>
             <a:pPr marL="0" indent="0">
               <a:buNone/>
             </a:pPr>
             <a:r>
-              <a:rPr lang="en-US" dirty="0" smtClean="0"/>
+              <a:rPr lang="en-US" dirty="0" smtClean="0">
+                <a:latin typeface="Consolas"/>
+                <a:cs typeface="Consolas"/>
+              </a:rPr>
               <a:t>   </a:t>
             </a:r>
             <a:r>
-              <a:rPr lang="en-US" b="1" dirty="0" smtClean="0"/>
+              <a:rPr lang="en-US" b="1" dirty="0" smtClean="0">
+                <a:latin typeface="Consolas"/>
+                <a:cs typeface="Consolas"/>
+              </a:rPr>
               <a:t>float</a:t>
             </a:r>
             <a:r>
-              <a:rPr lang="en-US" b="1" dirty="0"/>
+              <a:rPr lang="en-US" b="1" dirty="0">
+                <a:latin typeface="Consolas"/>
+                <a:cs typeface="Consolas"/>
+              </a:rPr>
               <a:t>∗</a:t>
             </a:r>
             <a:r>
-              <a:rPr lang="en-US" dirty="0"/>
+              <a:rPr lang="en-US" dirty="0">
+                <a:latin typeface="Consolas"/>
+                <a:cs typeface="Consolas"/>
+              </a:rPr>
               <a:t> </a:t>
             </a:r>
             <a:r>
-              <a:rPr lang="en-US" dirty="0" err="1"/>
+              <a:rPr lang="en-US" dirty="0" err="1">
+                <a:latin typeface="Consolas"/>
+                <a:cs typeface="Consolas"/>
+              </a:rPr>
               <a:t>heapArray</a:t>
             </a:r>
             <a:r>
-              <a:rPr lang="en-US" dirty="0"/>
+              <a:rPr lang="en-US" dirty="0">
+                <a:latin typeface="Consolas"/>
+                <a:cs typeface="Consolas"/>
+              </a:rPr>
               <a:t>;</a:t>
             </a:r>
           </a:p>
@@ -6638,33 +8409,54 @@
               <a:buNone/>
             </a:pPr>
             <a:r>
-              <a:rPr lang="en-US" dirty="0" smtClean="0"/>
+              <a:rPr lang="en-US" dirty="0" smtClean="0">
+                <a:latin typeface="Consolas"/>
+                <a:cs typeface="Consolas"/>
+              </a:rPr>
               <a:t>   </a:t>
             </a:r>
             <a:r>
-              <a:rPr lang="en-US" dirty="0" err="1" smtClean="0"/>
+              <a:rPr lang="en-US" dirty="0" err="1" smtClean="0">
+                <a:latin typeface="Consolas"/>
+                <a:cs typeface="Consolas"/>
+              </a:rPr>
               <a:t>MyClass</a:t>
             </a:r>
             <a:r>
-              <a:rPr lang="en-US" dirty="0" smtClean="0"/>
+              <a:rPr lang="en-US" dirty="0" smtClean="0">
+                <a:latin typeface="Consolas"/>
+                <a:cs typeface="Consolas"/>
+              </a:rPr>
               <a:t> </a:t>
             </a:r>
             <a:r>
-              <a:rPr lang="en-US" dirty="0"/>
+              <a:rPr lang="en-US" dirty="0">
+                <a:latin typeface="Consolas"/>
+                <a:cs typeface="Consolas"/>
+              </a:rPr>
               <a:t>∗pointer; </a:t>
             </a:r>
-            <a:endParaRPr lang="en-US" dirty="0" smtClean="0"/>
+            <a:endParaRPr lang="en-US" dirty="0" smtClean="0">
+              <a:latin typeface="Consolas"/>
+              <a:cs typeface="Consolas"/>
+            </a:endParaRPr>
           </a:p>
           <a:p>
             <a:pPr marL="0" indent="0">
               <a:buNone/>
             </a:pPr>
             <a:r>
-              <a:rPr lang="en-US" dirty="0" smtClean="0"/>
+              <a:rPr lang="en-US" dirty="0" smtClean="0">
+                <a:latin typeface="Consolas"/>
+                <a:cs typeface="Consolas"/>
+              </a:rPr>
               <a:t>}</a:t>
             </a:r>
             <a:r>
-              <a:rPr lang="en-US" dirty="0"/>
+              <a:rPr lang="en-US" dirty="0">
+                <a:latin typeface="Consolas"/>
+                <a:cs typeface="Consolas"/>
+              </a:rPr>
               <a:t>;</a:t>
             </a:r>
           </a:p>
@@ -6696,7 +8488,7 @@
         </p:spPr>
         <p:txBody>
           <a:bodyPr>
-            <a:normAutofit fontScale="70000" lnSpcReduction="20000"/>
+            <a:normAutofit fontScale="62500" lnSpcReduction="20000"/>
           </a:bodyPr>
           <a:lstStyle/>
           <a:p>
@@ -6704,79 +8496,133 @@
               <a:buNone/>
             </a:pPr>
             <a:r>
-              <a:rPr lang="en-US" b="1" dirty="0" smtClean="0"/>
+              <a:rPr lang="en-US" b="1" dirty="0" smtClean="0">
+                <a:latin typeface="Consolas"/>
+                <a:cs typeface="Consolas"/>
+              </a:rPr>
               <a:t>void</a:t>
             </a:r>
             <a:r>
-              <a:rPr lang="en-US" dirty="0" smtClean="0"/>
+              <a:rPr lang="en-US" dirty="0" smtClean="0">
+                <a:latin typeface="Consolas"/>
+                <a:cs typeface="Consolas"/>
+              </a:rPr>
               <a:t> </a:t>
             </a:r>
             <a:r>
-              <a:rPr lang="en-US" dirty="0"/>
+              <a:rPr lang="en-US" dirty="0">
+                <a:latin typeface="Consolas"/>
+                <a:cs typeface="Consolas"/>
+              </a:rPr>
               <a:t>pup(PUP::</a:t>
             </a:r>
             <a:r>
-              <a:rPr lang="en-US" dirty="0" err="1"/>
+              <a:rPr lang="en-US" dirty="0" err="1">
+                <a:latin typeface="Consolas"/>
+                <a:cs typeface="Consolas"/>
+              </a:rPr>
               <a:t>er</a:t>
             </a:r>
             <a:r>
-              <a:rPr lang="en-US" dirty="0"/>
+              <a:rPr lang="en-US" dirty="0">
+                <a:latin typeface="Consolas"/>
+                <a:cs typeface="Consolas"/>
+              </a:rPr>
               <a:t> &amp;p) { </a:t>
             </a:r>
-            <a:endParaRPr lang="en-US" dirty="0" smtClean="0"/>
+            <a:endParaRPr lang="en-US" dirty="0" smtClean="0">
+              <a:latin typeface="Consolas"/>
+              <a:cs typeface="Consolas"/>
+            </a:endParaRPr>
           </a:p>
           <a:p>
             <a:pPr marL="0" indent="0">
               <a:buNone/>
             </a:pPr>
             <a:r>
-              <a:rPr lang="en-US" dirty="0"/>
+              <a:rPr lang="en-US" dirty="0">
+                <a:latin typeface="Consolas"/>
+                <a:cs typeface="Consolas"/>
+              </a:rPr>
               <a:t> </a:t>
             </a:r>
             <a:r>
-              <a:rPr lang="en-US" dirty="0" smtClean="0"/>
+              <a:rPr lang="en-US" dirty="0" smtClean="0">
+                <a:latin typeface="Consolas"/>
+                <a:cs typeface="Consolas"/>
+              </a:rPr>
               <a:t>  </a:t>
             </a:r>
             <a:r>
-              <a:rPr lang="en-US" dirty="0" err="1" smtClean="0"/>
+              <a:rPr lang="en-US" dirty="0" err="1" smtClean="0">
+                <a:latin typeface="Consolas"/>
+                <a:cs typeface="Consolas"/>
+              </a:rPr>
               <a:t>CBase</a:t>
             </a:r>
             <a:r>
-              <a:rPr lang="en-US" dirty="0" smtClean="0"/>
+              <a:rPr lang="en-US" dirty="0" smtClean="0">
+                <a:latin typeface="Consolas"/>
+                <a:cs typeface="Consolas"/>
+              </a:rPr>
               <a:t> </a:t>
             </a:r>
             <a:r>
-              <a:rPr lang="en-US" dirty="0" err="1"/>
+              <a:rPr lang="en-US" dirty="0" err="1">
+                <a:latin typeface="Consolas"/>
+                <a:cs typeface="Consolas"/>
+              </a:rPr>
               <a:t>MyChare</a:t>
             </a:r>
             <a:r>
-              <a:rPr lang="en-US" dirty="0"/>
+              <a:rPr lang="en-US" dirty="0">
+                <a:latin typeface="Consolas"/>
+                <a:cs typeface="Consolas"/>
+              </a:rPr>
               <a:t>::pup(p); </a:t>
             </a:r>
-            <a:endParaRPr lang="en-US" dirty="0" smtClean="0"/>
+            <a:endParaRPr lang="en-US" dirty="0" smtClean="0">
+              <a:latin typeface="Consolas"/>
+              <a:cs typeface="Consolas"/>
+            </a:endParaRPr>
           </a:p>
           <a:p>
             <a:pPr marL="0" indent="0">
               <a:buNone/>
             </a:pPr>
             <a:r>
-              <a:rPr lang="en-US" dirty="0"/>
+              <a:rPr lang="en-US" dirty="0">
+                <a:latin typeface="Consolas"/>
+                <a:cs typeface="Consolas"/>
+              </a:rPr>
               <a:t> </a:t>
             </a:r>
             <a:r>
-              <a:rPr lang="en-US" dirty="0" smtClean="0"/>
+              <a:rPr lang="en-US" dirty="0" smtClean="0">
+                <a:latin typeface="Consolas"/>
+                <a:cs typeface="Consolas"/>
+              </a:rPr>
               <a:t>  p </a:t>
             </a:r>
             <a:r>
-              <a:rPr lang="en-US" dirty="0"/>
+              <a:rPr lang="en-US" dirty="0">
+                <a:latin typeface="Consolas"/>
+                <a:cs typeface="Consolas"/>
+              </a:rPr>
               <a:t>| </a:t>
             </a:r>
             <a:r>
-              <a:rPr lang="en-US" dirty="0" err="1"/>
+              <a:rPr lang="en-US" dirty="0" err="1">
+                <a:latin typeface="Consolas"/>
+                <a:cs typeface="Consolas"/>
+              </a:rPr>
               <a:t>heapArraySize</a:t>
             </a:r>
             <a:r>
-              <a:rPr lang="en-US" dirty="0"/>
+              <a:rPr lang="en-US" dirty="0">
+                <a:latin typeface="Consolas"/>
+                <a:cs typeface="Consolas"/>
+              </a:rPr>
               <a:t>;</a:t>
             </a:r>
           </a:p>
@@ -6785,27 +8631,45 @@
               <a:buNone/>
             </a:pPr>
             <a:r>
-              <a:rPr lang="en-US" dirty="0" smtClean="0"/>
+              <a:rPr lang="en-US" dirty="0" smtClean="0">
+                <a:latin typeface="Consolas"/>
+                <a:cs typeface="Consolas"/>
+              </a:rPr>
               <a:t>   </a:t>
             </a:r>
             <a:r>
-              <a:rPr lang="en-US" b="1" dirty="0" smtClean="0"/>
+              <a:rPr lang="en-US" b="1" dirty="0" smtClean="0">
+                <a:latin typeface="Consolas"/>
+                <a:cs typeface="Consolas"/>
+              </a:rPr>
               <a:t>if</a:t>
             </a:r>
             <a:r>
-              <a:rPr lang="en-US" dirty="0" smtClean="0"/>
+              <a:rPr lang="en-US" dirty="0" smtClean="0">
+                <a:latin typeface="Consolas"/>
+                <a:cs typeface="Consolas"/>
+              </a:rPr>
               <a:t> </a:t>
             </a:r>
             <a:r>
-              <a:rPr lang="en-US" dirty="0"/>
+              <a:rPr lang="en-US" dirty="0">
+                <a:latin typeface="Consolas"/>
+                <a:cs typeface="Consolas"/>
+              </a:rPr>
               <a:t>(</a:t>
             </a:r>
             <a:r>
-              <a:rPr lang="en-US" dirty="0" err="1"/>
+              <a:rPr lang="en-US" dirty="0" err="1">
+                <a:latin typeface="Consolas"/>
+                <a:cs typeface="Consolas"/>
+              </a:rPr>
               <a:t>p.isUnpacking</a:t>
             </a:r>
             <a:r>
-              <a:rPr lang="en-US" dirty="0"/>
+              <a:rPr lang="en-US" dirty="0">
+                <a:latin typeface="Consolas"/>
+                <a:cs typeface="Consolas"/>
+              </a:rPr>
               <a:t>()) {</a:t>
             </a:r>
           </a:p>
@@ -6814,57 +8678,96 @@
               <a:buNone/>
             </a:pPr>
             <a:r>
-              <a:rPr lang="en-US" dirty="0" smtClean="0"/>
+              <a:rPr lang="en-US" dirty="0" smtClean="0">
+                <a:latin typeface="Consolas"/>
+                <a:cs typeface="Consolas"/>
+              </a:rPr>
               <a:t>      </a:t>
             </a:r>
             <a:r>
-              <a:rPr lang="en-US" dirty="0" err="1" smtClean="0"/>
+              <a:rPr lang="en-US" dirty="0" err="1" smtClean="0">
+                <a:latin typeface="Consolas"/>
+                <a:cs typeface="Consolas"/>
+              </a:rPr>
               <a:t>heapArray</a:t>
             </a:r>
             <a:r>
-              <a:rPr lang="en-US" dirty="0" smtClean="0"/>
+              <a:rPr lang="en-US" dirty="0" smtClean="0">
+                <a:latin typeface="Consolas"/>
+                <a:cs typeface="Consolas"/>
+              </a:rPr>
               <a:t> </a:t>
             </a:r>
             <a:r>
-              <a:rPr lang="en-US" dirty="0"/>
+              <a:rPr lang="en-US" dirty="0">
+                <a:latin typeface="Consolas"/>
+                <a:cs typeface="Consolas"/>
+              </a:rPr>
               <a:t>= </a:t>
             </a:r>
             <a:r>
-              <a:rPr lang="en-US" b="1" dirty="0"/>
+              <a:rPr lang="en-US" b="1" dirty="0">
+                <a:latin typeface="Consolas"/>
+                <a:cs typeface="Consolas"/>
+              </a:rPr>
               <a:t>new</a:t>
             </a:r>
             <a:r>
-              <a:rPr lang="en-US" dirty="0"/>
+              <a:rPr lang="en-US" dirty="0">
+                <a:latin typeface="Consolas"/>
+                <a:cs typeface="Consolas"/>
+              </a:rPr>
               <a:t> </a:t>
             </a:r>
             <a:r>
-              <a:rPr lang="en-US" b="1" dirty="0"/>
+              <a:rPr lang="en-US" b="1" dirty="0">
+                <a:latin typeface="Consolas"/>
+                <a:cs typeface="Consolas"/>
+              </a:rPr>
               <a:t>float</a:t>
             </a:r>
             <a:r>
-              <a:rPr lang="en-US" dirty="0"/>
+              <a:rPr lang="en-US" dirty="0">
+                <a:latin typeface="Consolas"/>
+                <a:cs typeface="Consolas"/>
+              </a:rPr>
               <a:t>[ </a:t>
             </a:r>
-            <a:endParaRPr lang="en-US" dirty="0" smtClean="0"/>
+            <a:endParaRPr lang="en-US" dirty="0" smtClean="0">
+              <a:latin typeface="Consolas"/>
+              <a:cs typeface="Consolas"/>
+            </a:endParaRPr>
           </a:p>
           <a:p>
             <a:pPr marL="0" indent="0">
               <a:buNone/>
             </a:pPr>
             <a:r>
-              <a:rPr lang="en-US" dirty="0"/>
+              <a:rPr lang="en-US" dirty="0">
+                <a:latin typeface="Consolas"/>
+                <a:cs typeface="Consolas"/>
+              </a:rPr>
               <a:t> </a:t>
             </a:r>
             <a:r>
-              <a:rPr lang="en-US" dirty="0" smtClean="0"/>
+              <a:rPr lang="en-US" dirty="0" smtClean="0">
+                <a:latin typeface="Consolas"/>
+                <a:cs typeface="Consolas"/>
+              </a:rPr>
               <a:t>           </a:t>
             </a:r>
             <a:r>
-              <a:rPr lang="en-US" dirty="0" err="1" smtClean="0"/>
+              <a:rPr lang="en-US" dirty="0" err="1" smtClean="0">
+                <a:latin typeface="Consolas"/>
+                <a:cs typeface="Consolas"/>
+              </a:rPr>
               <a:t>heapArraySize</a:t>
             </a:r>
             <a:r>
-              <a:rPr lang="en-US" dirty="0"/>
+              <a:rPr lang="en-US" dirty="0">
+                <a:latin typeface="Consolas"/>
+                <a:cs typeface="Consolas"/>
+              </a:rPr>
               <a:t>];</a:t>
             </a:r>
           </a:p>
@@ -6873,67 +8776,112 @@
               <a:buNone/>
             </a:pPr>
             <a:r>
-              <a:rPr lang="en-US" dirty="0" smtClean="0"/>
+              <a:rPr lang="en-US" dirty="0" smtClean="0">
+                <a:latin typeface="Consolas"/>
+                <a:cs typeface="Consolas"/>
+              </a:rPr>
               <a:t>   }</a:t>
             </a:r>
-            <a:endParaRPr lang="en-US" dirty="0"/>
+            <a:endParaRPr lang="en-US" dirty="0">
+              <a:latin typeface="Consolas"/>
+              <a:cs typeface="Consolas"/>
+            </a:endParaRPr>
           </a:p>
           <a:p>
             <a:pPr marL="0" indent="0">
               <a:buNone/>
             </a:pPr>
             <a:r>
-              <a:rPr lang="en-US" dirty="0" smtClean="0"/>
+              <a:rPr lang="en-US" dirty="0" smtClean="0">
+                <a:latin typeface="Consolas"/>
+                <a:cs typeface="Consolas"/>
+              </a:rPr>
               <a:t>   p</a:t>
             </a:r>
             <a:r>
-              <a:rPr lang="en-US" dirty="0"/>
+              <a:rPr lang="en-US" dirty="0">
+                <a:latin typeface="Consolas"/>
+                <a:cs typeface="Consolas"/>
+              </a:rPr>
               <a:t>(</a:t>
             </a:r>
             <a:r>
-              <a:rPr lang="en-US" dirty="0" err="1"/>
+              <a:rPr lang="en-US" dirty="0" err="1">
+                <a:latin typeface="Consolas"/>
+                <a:cs typeface="Consolas"/>
+              </a:rPr>
               <a:t>heapArray</a:t>
             </a:r>
             <a:r>
-              <a:rPr lang="en-US" dirty="0"/>
+              <a:rPr lang="en-US" dirty="0">
+                <a:latin typeface="Consolas"/>
+                <a:cs typeface="Consolas"/>
+              </a:rPr>
               <a:t>, </a:t>
             </a:r>
             <a:r>
-              <a:rPr lang="en-US" dirty="0" err="1"/>
+              <a:rPr lang="en-US" dirty="0" err="1">
+                <a:latin typeface="Consolas"/>
+                <a:cs typeface="Consolas"/>
+              </a:rPr>
               <a:t>heapArraySize</a:t>
             </a:r>
             <a:r>
-              <a:rPr lang="en-US" dirty="0"/>
+              <a:rPr lang="en-US" dirty="0">
+                <a:latin typeface="Consolas"/>
+                <a:cs typeface="Consolas"/>
+              </a:rPr>
               <a:t>); </a:t>
             </a:r>
-            <a:endParaRPr lang="en-US" dirty="0" smtClean="0"/>
+            <a:endParaRPr lang="en-US" dirty="0" smtClean="0">
+              <a:latin typeface="Consolas"/>
+              <a:cs typeface="Consolas"/>
+            </a:endParaRPr>
           </a:p>
           <a:p>
             <a:pPr marL="0" indent="0">
               <a:buNone/>
             </a:pPr>
             <a:r>
-              <a:rPr lang="en-US" dirty="0"/>
+              <a:rPr lang="en-US" dirty="0">
+                <a:latin typeface="Consolas"/>
+                <a:cs typeface="Consolas"/>
+              </a:rPr>
               <a:t> </a:t>
             </a:r>
             <a:r>
-              <a:rPr lang="en-US" dirty="0" smtClean="0"/>
+              <a:rPr lang="en-US" dirty="0" smtClean="0">
+                <a:latin typeface="Consolas"/>
+                <a:cs typeface="Consolas"/>
+              </a:rPr>
               <a:t>  </a:t>
             </a:r>
             <a:r>
-              <a:rPr lang="en-US" b="1" dirty="0" err="1" smtClean="0"/>
+              <a:rPr lang="en-US" b="1" dirty="0" err="1" smtClean="0">
+                <a:latin typeface="Consolas"/>
+                <a:cs typeface="Consolas"/>
+              </a:rPr>
               <a:t>bool</a:t>
             </a:r>
             <a:r>
-              <a:rPr lang="en-US" dirty="0" smtClean="0"/>
+              <a:rPr lang="en-US" dirty="0" smtClean="0">
+                <a:latin typeface="Consolas"/>
+                <a:cs typeface="Consolas"/>
+              </a:rPr>
               <a:t> </a:t>
             </a:r>
             <a:r>
-              <a:rPr lang="en-US" dirty="0" err="1"/>
+              <a:rPr lang="en-US" dirty="0" err="1">
+                <a:latin typeface="Consolas"/>
+                <a:cs typeface="Consolas"/>
+              </a:rPr>
               <a:t>isNull</a:t>
             </a:r>
             <a:r>
-              <a:rPr lang="en-US" dirty="0"/>
+              <a:rPr lang="en-US" dirty="0">
+                <a:latin typeface="Consolas"/>
+                <a:cs typeface="Consolas"/>
+              </a:rPr>
               <a:t> = !pointer;</a:t>
             </a:r>
           </a:p>
@@ -6942,19 +8890,31 @@
               <a:buNone/>
             </a:pPr>
             <a:r>
-              <a:rPr lang="en-US" dirty="0" smtClean="0"/>
+              <a:rPr lang="en-US" dirty="0" smtClean="0">
+                <a:latin typeface="Consolas"/>
+                <a:cs typeface="Consolas"/>
+              </a:rPr>
               <a:t>   p </a:t>
             </a:r>
             <a:r>
-              <a:rPr lang="en-US" dirty="0"/>
+              <a:rPr lang="en-US" dirty="0">
+                <a:latin typeface="Consolas"/>
+                <a:cs typeface="Consolas"/>
+              </a:rPr>
               <a:t>| </a:t>
             </a:r>
             <a:r>
-              <a:rPr lang="en-US" dirty="0" err="1"/>
+              <a:rPr lang="en-US" dirty="0" err="1">
+                <a:latin typeface="Consolas"/>
+                <a:cs typeface="Consolas"/>
+              </a:rPr>
               <a:t>isNull</a:t>
             </a:r>
             <a:r>
-              <a:rPr lang="en-US" dirty="0"/>
+              <a:rPr lang="en-US" dirty="0">
+                <a:latin typeface="Consolas"/>
+                <a:cs typeface="Consolas"/>
+              </a:rPr>
               <a:t>;</a:t>
             </a:r>
           </a:p>
@@ -6963,27 +8923,45 @@
               <a:buNone/>
             </a:pPr>
             <a:r>
-              <a:rPr lang="en-US" dirty="0" smtClean="0"/>
+              <a:rPr lang="en-US" dirty="0" smtClean="0">
+                <a:latin typeface="Consolas"/>
+                <a:cs typeface="Consolas"/>
+              </a:rPr>
               <a:t>   </a:t>
             </a:r>
             <a:r>
-              <a:rPr lang="en-US" b="1" dirty="0" smtClean="0"/>
+              <a:rPr lang="en-US" b="1" dirty="0" smtClean="0">
+                <a:latin typeface="Consolas"/>
+                <a:cs typeface="Consolas"/>
+              </a:rPr>
               <a:t>if</a:t>
             </a:r>
             <a:r>
-              <a:rPr lang="en-US" dirty="0" smtClean="0"/>
+              <a:rPr lang="en-US" dirty="0" smtClean="0">
+                <a:latin typeface="Consolas"/>
+                <a:cs typeface="Consolas"/>
+              </a:rPr>
               <a:t> </a:t>
             </a:r>
             <a:r>
-              <a:rPr lang="en-US" dirty="0"/>
+              <a:rPr lang="en-US" dirty="0">
+                <a:latin typeface="Consolas"/>
+                <a:cs typeface="Consolas"/>
+              </a:rPr>
               <a:t>(!</a:t>
             </a:r>
             <a:r>
-              <a:rPr lang="en-US" dirty="0" err="1"/>
+              <a:rPr lang="en-US" dirty="0" err="1">
+                <a:latin typeface="Consolas"/>
+                <a:cs typeface="Consolas"/>
+              </a:rPr>
               <a:t>isNull</a:t>
             </a:r>
             <a:r>
-              <a:rPr lang="en-US" dirty="0"/>
+              <a:rPr lang="en-US" dirty="0">
+                <a:latin typeface="Consolas"/>
+                <a:cs typeface="Consolas"/>
+              </a:rPr>
               <a:t>) {</a:t>
             </a:r>
           </a:p>
@@ -6992,31 +8970,52 @@
               <a:buNone/>
             </a:pPr>
             <a:r>
-              <a:rPr lang="en-US" dirty="0" smtClean="0"/>
+              <a:rPr lang="en-US" dirty="0" smtClean="0">
+                <a:latin typeface="Consolas"/>
+                <a:cs typeface="Consolas"/>
+              </a:rPr>
               <a:t>      </a:t>
             </a:r>
             <a:r>
-              <a:rPr lang="en-US" b="1" dirty="0" smtClean="0"/>
+              <a:rPr lang="en-US" b="1" dirty="0" smtClean="0">
+                <a:latin typeface="Consolas"/>
+                <a:cs typeface="Consolas"/>
+              </a:rPr>
               <a:t>if</a:t>
             </a:r>
             <a:r>
-              <a:rPr lang="en-US" dirty="0" smtClean="0"/>
+              <a:rPr lang="en-US" dirty="0" smtClean="0">
+                <a:latin typeface="Consolas"/>
+                <a:cs typeface="Consolas"/>
+              </a:rPr>
               <a:t> </a:t>
             </a:r>
             <a:r>
-              <a:rPr lang="en-US" dirty="0"/>
+              <a:rPr lang="en-US" dirty="0">
+                <a:latin typeface="Consolas"/>
+                <a:cs typeface="Consolas"/>
+              </a:rPr>
               <a:t>(</a:t>
             </a:r>
             <a:r>
-              <a:rPr lang="en-US" dirty="0" err="1"/>
+              <a:rPr lang="en-US" dirty="0" err="1">
+                <a:latin typeface="Consolas"/>
+                <a:cs typeface="Consolas"/>
+              </a:rPr>
               <a:t>p.isUnpacking</a:t>
             </a:r>
             <a:r>
-              <a:rPr lang="en-US" dirty="0"/>
+              <a:rPr lang="en-US" dirty="0">
+                <a:latin typeface="Consolas"/>
+                <a:cs typeface="Consolas"/>
+              </a:rPr>
               <a:t>()) pointer </a:t>
             </a:r>
             <a:r>
-              <a:rPr lang="en-US" dirty="0" smtClean="0"/>
+              <a:rPr lang="en-US" dirty="0" smtClean="0">
+                <a:latin typeface="Consolas"/>
+                <a:cs typeface="Consolas"/>
+              </a:rPr>
               <a:t>=</a:t>
             </a:r>
           </a:p>
@@ -7025,27 +9024,45 @@
               <a:buNone/>
             </a:pPr>
             <a:r>
-              <a:rPr lang="en-US" dirty="0"/>
+              <a:rPr lang="en-US" dirty="0">
+                <a:latin typeface="Consolas"/>
+                <a:cs typeface="Consolas"/>
+              </a:rPr>
               <a:t> </a:t>
             </a:r>
             <a:r>
-              <a:rPr lang="en-US" dirty="0" smtClean="0"/>
+              <a:rPr lang="en-US" dirty="0" smtClean="0">
+                <a:latin typeface="Consolas"/>
+                <a:cs typeface="Consolas"/>
+              </a:rPr>
               <a:t>           </a:t>
             </a:r>
             <a:r>
-              <a:rPr lang="en-US" b="1" dirty="0" smtClean="0"/>
+              <a:rPr lang="en-US" b="1" dirty="0" smtClean="0">
+                <a:latin typeface="Consolas"/>
+                <a:cs typeface="Consolas"/>
+              </a:rPr>
               <a:t>new</a:t>
             </a:r>
             <a:r>
-              <a:rPr lang="en-US" dirty="0" smtClean="0"/>
+              <a:rPr lang="en-US" dirty="0" smtClean="0">
+                <a:latin typeface="Consolas"/>
+                <a:cs typeface="Consolas"/>
+              </a:rPr>
               <a:t> </a:t>
             </a:r>
             <a:r>
-              <a:rPr lang="en-US" dirty="0" err="1"/>
+              <a:rPr lang="en-US" dirty="0" err="1">
+                <a:latin typeface="Consolas"/>
+                <a:cs typeface="Consolas"/>
+              </a:rPr>
               <a:t>MyClass</a:t>
             </a:r>
             <a:r>
-              <a:rPr lang="en-US" dirty="0"/>
+              <a:rPr lang="en-US" dirty="0">
+                <a:latin typeface="Consolas"/>
+                <a:cs typeface="Consolas"/>
+              </a:rPr>
               <a:t>();</a:t>
             </a:r>
           </a:p>
@@ -7054,29 +9071,47 @@
               <a:buNone/>
             </a:pPr>
             <a:r>
-              <a:rPr lang="en-US" dirty="0"/>
+              <a:rPr lang="en-US" dirty="0">
+                <a:latin typeface="Consolas"/>
+                <a:cs typeface="Consolas"/>
+              </a:rPr>
               <a:t> </a:t>
             </a:r>
             <a:r>
-              <a:rPr lang="en-US" dirty="0" smtClean="0"/>
+              <a:rPr lang="en-US" dirty="0" smtClean="0">
+                <a:latin typeface="Consolas"/>
+                <a:cs typeface="Consolas"/>
+              </a:rPr>
               <a:t>     p </a:t>
             </a:r>
             <a:r>
-              <a:rPr lang="en-US" dirty="0"/>
+              <a:rPr lang="en-US" dirty="0">
+                <a:latin typeface="Consolas"/>
+                <a:cs typeface="Consolas"/>
+              </a:rPr>
               <a:t>| ∗pointer; </a:t>
             </a:r>
-            <a:endParaRPr lang="en-US" dirty="0" smtClean="0"/>
+            <a:endParaRPr lang="en-US" dirty="0" smtClean="0">
+              <a:latin typeface="Consolas"/>
+              <a:cs typeface="Consolas"/>
+            </a:endParaRPr>
           </a:p>
           <a:p>
             <a:pPr marL="0" indent="0">
               <a:buNone/>
             </a:pPr>
             <a:r>
-              <a:rPr lang="en-US" dirty="0"/>
+              <a:rPr lang="en-US" dirty="0">
+                <a:latin typeface="Consolas"/>
+                <a:cs typeface="Consolas"/>
+              </a:rPr>
               <a:t> </a:t>
             </a:r>
             <a:r>
-              <a:rPr lang="en-US" dirty="0" smtClean="0"/>
+              <a:rPr lang="en-US" dirty="0" smtClean="0">
+                <a:latin typeface="Consolas"/>
+                <a:cs typeface="Consolas"/>
+              </a:rPr>
               <a:t>     }</a:t>
             </a:r>
           </a:p>
@@ -7085,7 +9120,10 @@
               <a:buNone/>
             </a:pPr>
             <a:r>
-              <a:rPr lang="en-US" dirty="0" smtClean="0"/>
+              <a:rPr lang="en-US" dirty="0" smtClean="0">
+                <a:latin typeface="Consolas"/>
+                <a:cs typeface="Consolas"/>
+              </a:rPr>
               <a:t>   } </a:t>
             </a:r>
           </a:p>
@@ -7094,10 +9132,16 @@
               <a:buNone/>
             </a:pPr>
             <a:r>
-              <a:rPr lang="en-US" dirty="0" smtClean="0"/>
+              <a:rPr lang="en-US" dirty="0" smtClean="0">
+                <a:latin typeface="Consolas"/>
+                <a:cs typeface="Consolas"/>
+              </a:rPr>
               <a:t>}</a:t>
             </a:r>
-            <a:endParaRPr lang="en-US" dirty="0"/>
+            <a:endParaRPr lang="en-US" dirty="0">
+              <a:latin typeface="Consolas"/>
+              <a:cs typeface="Consolas"/>
+            </a:endParaRPr>
           </a:p>
         </p:txBody>
       </p:sp>
@@ -7118,7 +9162,7 @@
           <a:p>
             <a:fld id="{BF613BD3-C5FD-9543-B738-679BF38D8C83}" type="datetime2">
               <a:rPr lang="en-US" smtClean="0"/>
-              <a:t>Monday, September 8, 14</a:t>
+              <a:t>Tuesday, September 9, 14</a:t>
             </a:fld>
             <a:endParaRPr lang="en-US" dirty="0"/>
           </a:p>
@@ -7215,7 +9259,7 @@
         <p:spPr/>
         <p:txBody>
           <a:bodyPr>
-            <a:normAutofit fontScale="90000"/>
+            <a:normAutofit/>
           </a:bodyPr>
           <a:lstStyle/>
           <a:p>
@@ -7294,7 +9338,7 @@
           <a:p>
             <a:fld id="{34621E95-60A9-FF44-9869-513D9D7A859F}" type="datetime2">
               <a:rPr lang="en-US" smtClean="0"/>
-              <a:t>Monday, September 8, 14</a:t>
+              <a:t>Tuesday, September 9, 14</a:t>
             </a:fld>
             <a:endParaRPr lang="en-US"/>
           </a:p>
@@ -7391,7 +9435,7 @@
         <p:spPr/>
         <p:txBody>
           <a:bodyPr>
-            <a:normAutofit fontScale="90000"/>
+            <a:normAutofit/>
           </a:bodyPr>
           <a:lstStyle/>
           <a:p>
@@ -7536,7 +9580,7 @@
           <a:p>
             <a:fld id="{34621E95-60A9-FF44-9869-513D9D7A859F}" type="datetime2">
               <a:rPr lang="en-US" smtClean="0"/>
-              <a:t>Monday, September 8, 14</a:t>
+              <a:t>Tuesday, September 9, 14</a:t>
             </a:fld>
             <a:endParaRPr lang="en-US"/>
           </a:p>
@@ -7665,7 +9709,7 @@
           <a:p>
             <a:fld id="{BD5AFB16-13FE-DF4A-8CB7-09756A57B2EA}" type="datetime2">
               <a:rPr lang="en-US" smtClean="0"/>
-              <a:t>Monday, September 8, 14</a:t>
+              <a:t>Tuesday, September 9, 14</a:t>
             </a:fld>
             <a:endParaRPr lang="en-US" dirty="0"/>
           </a:p>
@@ -7834,84 +9878,140 @@
           </a:ln>
         </p:spPr>
         <p:txBody>
-          <a:bodyPr/>
+          <a:bodyPr>
+            <a:normAutofit fontScale="92500"/>
+          </a:bodyPr>
           <a:lstStyle/>
           <a:p>
             <a:pPr marL="0" indent="0">
               <a:buNone/>
             </a:pPr>
-            <a:endParaRPr lang="en-US" dirty="0" smtClean="0"/>
+            <a:endParaRPr lang="en-US" dirty="0" smtClean="0">
+              <a:latin typeface="Consolas"/>
+              <a:cs typeface="Consolas"/>
+            </a:endParaRPr>
           </a:p>
           <a:p>
             <a:pPr marL="0" indent="0">
               <a:buNone/>
             </a:pPr>
             <a:r>
-              <a:rPr lang="en-US" dirty="0"/>
+              <a:rPr lang="en-US" dirty="0">
+                <a:latin typeface="Consolas"/>
+                <a:cs typeface="Consolas"/>
+              </a:rPr>
               <a:t>	</a:t>
             </a:r>
             <a:r>
-              <a:rPr lang="en-US" dirty="0" err="1" smtClean="0"/>
+              <a:rPr lang="en-US" dirty="0" err="1" smtClean="0">
+                <a:latin typeface="Consolas"/>
+                <a:cs typeface="Consolas"/>
+              </a:rPr>
               <a:t>CkCallback</a:t>
             </a:r>
             <a:r>
-              <a:rPr lang="en-US" dirty="0" smtClean="0"/>
+              <a:rPr lang="en-US" dirty="0" smtClean="0">
+                <a:latin typeface="Consolas"/>
+                <a:cs typeface="Consolas"/>
+              </a:rPr>
               <a:t> </a:t>
             </a:r>
             <a:r>
-              <a:rPr lang="en-US" dirty="0" err="1"/>
+              <a:rPr lang="en-US" dirty="0" err="1">
+                <a:latin typeface="Consolas"/>
+                <a:cs typeface="Consolas"/>
+              </a:rPr>
               <a:t>cb</a:t>
             </a:r>
             <a:r>
-              <a:rPr lang="en-US" dirty="0"/>
+              <a:rPr lang="en-US" dirty="0">
+                <a:latin typeface="Consolas"/>
+                <a:cs typeface="Consolas"/>
+              </a:rPr>
               <a:t>(</a:t>
             </a:r>
             <a:r>
-              <a:rPr lang="en-US" dirty="0" err="1"/>
+              <a:rPr lang="en-US" dirty="0" err="1">
+                <a:latin typeface="Consolas"/>
+                <a:cs typeface="Consolas"/>
+              </a:rPr>
               <a:t>CkIndex</a:t>
             </a:r>
             <a:r>
-              <a:rPr lang="en-US" dirty="0"/>
+              <a:rPr lang="en-US" dirty="0">
+                <a:latin typeface="Consolas"/>
+                <a:cs typeface="Consolas"/>
+              </a:rPr>
               <a:t> Hello::</a:t>
             </a:r>
             <a:r>
-              <a:rPr lang="en-US" dirty="0" err="1"/>
+              <a:rPr lang="en-US" dirty="0" err="1">
+                <a:latin typeface="Consolas"/>
+                <a:cs typeface="Consolas"/>
+              </a:rPr>
               <a:t>SayHi</a:t>
             </a:r>
             <a:r>
-              <a:rPr lang="en-US" dirty="0"/>
+              <a:rPr lang="en-US" dirty="0">
+                <a:latin typeface="Consolas"/>
+                <a:cs typeface="Consolas"/>
+              </a:rPr>
               <a:t>(),</a:t>
             </a:r>
             <a:r>
-              <a:rPr lang="en-US" dirty="0" err="1"/>
+              <a:rPr lang="en-US" dirty="0" err="1">
+                <a:latin typeface="Consolas"/>
+                <a:cs typeface="Consolas"/>
+              </a:rPr>
               <a:t>helloProxy</a:t>
             </a:r>
             <a:r>
-              <a:rPr lang="en-US" dirty="0"/>
+              <a:rPr lang="en-US" dirty="0">
+                <a:latin typeface="Consolas"/>
+                <a:cs typeface="Consolas"/>
+              </a:rPr>
               <a:t>); </a:t>
             </a:r>
             <a:r>
-              <a:rPr lang="en-US" dirty="0" smtClean="0"/>
+              <a:rPr lang="en-US" dirty="0" smtClean="0">
+                <a:latin typeface="Consolas"/>
+                <a:cs typeface="Consolas"/>
+              </a:rPr>
               <a:t>	</a:t>
             </a:r>
             <a:r>
-              <a:rPr lang="en-US" dirty="0" err="1" smtClean="0"/>
+              <a:rPr lang="en-US" dirty="0" err="1" smtClean="0">
+                <a:latin typeface="Consolas"/>
+                <a:cs typeface="Consolas"/>
+              </a:rPr>
               <a:t>CkStartCheckpoint</a:t>
             </a:r>
             <a:r>
-              <a:rPr lang="en-US" dirty="0"/>
+              <a:rPr lang="en-US" dirty="0">
+                <a:latin typeface="Consolas"/>
+                <a:cs typeface="Consolas"/>
+              </a:rPr>
               <a:t>(‘‘log’’,</a:t>
             </a:r>
             <a:r>
-              <a:rPr lang="en-US" dirty="0" err="1"/>
+              <a:rPr lang="en-US" dirty="0" err="1">
+                <a:latin typeface="Consolas"/>
+                <a:cs typeface="Consolas"/>
+              </a:rPr>
               <a:t>cb</a:t>
             </a:r>
             <a:r>
-              <a:rPr lang="en-US" dirty="0"/>
+              <a:rPr lang="en-US" dirty="0">
+                <a:latin typeface="Consolas"/>
+                <a:cs typeface="Consolas"/>
+              </a:rPr>
               <a:t>)</a:t>
             </a:r>
             <a:r>
-              <a:rPr lang="en-US" dirty="0" smtClean="0"/>
+              <a:rPr lang="en-US" dirty="0" smtClean="0">
+                <a:latin typeface="Consolas"/>
+                <a:cs typeface="Consolas"/>
+              </a:rPr>
               <a:t>;</a:t>
             </a:r>
           </a:p>
@@ -7919,22 +10019,34 @@
             <a:pPr marL="0" indent="0">
               <a:buNone/>
             </a:pPr>
-            <a:endParaRPr lang="en-US" dirty="0"/>
+            <a:endParaRPr lang="en-US" dirty="0">
+              <a:latin typeface="Consolas"/>
+              <a:cs typeface="Consolas"/>
+            </a:endParaRPr>
           </a:p>
           <a:p>
             <a:pPr marL="0" indent="0">
               <a:buNone/>
             </a:pPr>
             <a:r>
-              <a:rPr lang="en-US" dirty="0"/>
+              <a:rPr lang="en-US" dirty="0">
+                <a:latin typeface="Consolas"/>
+                <a:cs typeface="Consolas"/>
+              </a:rPr>
               <a:t>&gt; ./</a:t>
             </a:r>
             <a:r>
-              <a:rPr lang="en-US" dirty="0" err="1"/>
+              <a:rPr lang="en-US" dirty="0" err="1">
+                <a:latin typeface="Consolas"/>
+                <a:cs typeface="Consolas"/>
+              </a:rPr>
               <a:t>charmrun</a:t>
             </a:r>
             <a:r>
-              <a:rPr lang="en-US" dirty="0"/>
+              <a:rPr lang="en-US" dirty="0">
+                <a:latin typeface="Consolas"/>
+                <a:cs typeface="Consolas"/>
+              </a:rPr>
               <a:t> hello +p4 +restart log</a:t>
             </a:r>
           </a:p>
@@ -7961,7 +10073,7 @@
 </file>
 
 <file path=ppt/theme/theme1.xml><?xml version="1.0" encoding="utf-8"?>
-<a:theme xmlns:a="http://schemas.openxmlformats.org/drawingml/2006/main" name="Clarity">
+<a:theme xmlns:a="http://schemas.openxmlformats.org/drawingml/2006/main" name="charm-pptx_theme">
   <a:themeElements>
     <a:clrScheme name="Clarity">
       <a:dk1>

--- a/tutorial-06-migratability.pptx
+++ b/tutorial-06-migratability.pptx
@@ -209,7 +209,7 @@
           <a:p>
             <a:fld id="{775CE290-E0F5-444C-B849-A8F17CD4104C}" type="datetimeFigureOut">
               <a:rPr lang="en-US" smtClean="0"/>
-              <a:t>9/9/14</a:t>
+              <a:t>9/10/14</a:t>
             </a:fld>
             <a:endParaRPr lang="en-US"/>
           </a:p>
@@ -375,7 +375,7 @@
           <a:p>
             <a:fld id="{AD53A24C-4135-094C-957B-35852E7EDFA4}" type="datetimeFigureOut">
               <a:rPr lang="en-US" smtClean="0"/>
-              <a:t>9/9/14</a:t>
+              <a:t>9/10/14</a:t>
             </a:fld>
             <a:endParaRPr lang="en-US"/>
           </a:p>
@@ -836,7 +836,7 @@
           <a:p>
             <a:fld id="{B594EA25-E4F4-3746-A0BA-A11E27330E0F}" type="datetime2">
               <a:rPr lang="en-US" smtClean="0"/>
-              <a:t>Tuesday, September 9, 14</a:t>
+              <a:t>Wednesday, September 10, 14</a:t>
             </a:fld>
             <a:endParaRPr lang="en-US"/>
           </a:p>
@@ -1139,7 +1139,7 @@
                 <a:latin typeface="Times New Roman"/>
                 <a:cs typeface="Times New Roman"/>
               </a:rPr>
-              <a:t>September 9, 2014</a:t>
+              <a:t>September 10, 2014</a:t>
             </a:fld>
             <a:endParaRPr lang="en-US" dirty="0">
               <a:latin typeface="Times New Roman"/>
@@ -1413,7 +1413,7 @@
                 <a:latin typeface="Times New Roman"/>
                 <a:cs typeface="Times New Roman"/>
               </a:rPr>
-              <a:t>September 9, 2014</a:t>
+              <a:t>September 10, 2014</a:t>
             </a:fld>
             <a:endParaRPr lang="en-US" dirty="0">
               <a:latin typeface="Times New Roman"/>
@@ -1648,7 +1648,7 @@
           <a:p>
             <a:fld id="{EA699BF9-66CB-F244-8E74-7B1BE1C77046}" type="datetime2">
               <a:rPr lang="en-US" smtClean="0"/>
-              <a:t>Tuesday, September 9, 14</a:t>
+              <a:t>Wednesday, September 10, 14</a:t>
             </a:fld>
             <a:endParaRPr lang="en-US"/>
           </a:p>
@@ -1959,7 +1959,7 @@
           <a:p>
             <a:fld id="{D300BE84-9843-8B4F-B3C8-647B06AC46C9}" type="datetime2">
               <a:rPr lang="en-US" smtClean="0"/>
-              <a:t>Tuesday, September 9, 14</a:t>
+              <a:t>Wednesday, September 10, 14</a:t>
             </a:fld>
             <a:endParaRPr lang="en-US"/>
           </a:p>
@@ -2130,7 +2130,7 @@
           <a:p>
             <a:fld id="{C460AE39-2092-A945-8296-F25085B9A0F1}" type="datetime2">
               <a:rPr lang="en-US" smtClean="0"/>
-              <a:t>Tuesday, September 9, 14</a:t>
+              <a:t>Wednesday, September 10, 14</a:t>
             </a:fld>
             <a:endParaRPr lang="en-US"/>
           </a:p>
@@ -2311,7 +2311,7 @@
           <a:p>
             <a:fld id="{63BC7E9D-3218-5E49-A867-E087AB2F4618}" type="datetime2">
               <a:rPr lang="en-US" smtClean="0"/>
-              <a:t>Tuesday, September 9, 14</a:t>
+              <a:t>Wednesday, September 10, 14</a:t>
             </a:fld>
             <a:endParaRPr lang="en-US"/>
           </a:p>
@@ -2565,7 +2565,7 @@
           <a:p>
             <a:fld id="{B594EA25-E4F4-3746-A0BA-A11E27330E0F}" type="datetime2">
               <a:rPr lang="en-US" smtClean="0"/>
-              <a:t>Tuesday, September 9, 14</a:t>
+              <a:t>Wednesday, September 10, 14</a:t>
             </a:fld>
             <a:endParaRPr lang="en-US"/>
           </a:p>
@@ -2868,7 +2868,7 @@
                 <a:latin typeface="Times New Roman"/>
                 <a:cs typeface="Times New Roman"/>
               </a:rPr>
-              <a:t>September 9, 2014</a:t>
+              <a:t>September 10, 2014</a:t>
             </a:fld>
             <a:endParaRPr lang="en-US" dirty="0">
               <a:latin typeface="Times New Roman"/>
@@ -2994,7 +2994,7 @@
           <a:p>
             <a:fld id="{BD5AFB16-13FE-DF4A-8CB7-09756A57B2EA}" type="datetime2">
               <a:rPr lang="en-US" smtClean="0"/>
-              <a:t>Tuesday, September 9, 14</a:t>
+              <a:t>Wednesday, September 10, 14</a:t>
             </a:fld>
             <a:endParaRPr lang="en-US" dirty="0"/>
           </a:p>
@@ -3523,7 +3523,7 @@
           <a:p>
             <a:fld id="{30545249-FD76-6844-B252-CAB05FC2DAA8}" type="datetime2">
               <a:rPr lang="en-US" smtClean="0"/>
-              <a:t>Tuesday, September 9, 14</a:t>
+              <a:t>Wednesday, September 10, 14</a:t>
             </a:fld>
             <a:endParaRPr lang="en-US" dirty="0"/>
           </a:p>
@@ -3819,7 +3819,7 @@
           <a:p>
             <a:fld id="{34621E95-60A9-FF44-9869-513D9D7A859F}" type="datetime2">
               <a:rPr lang="en-US" smtClean="0"/>
-              <a:t>Tuesday, September 9, 14</a:t>
+              <a:t>Wednesday, September 10, 14</a:t>
             </a:fld>
             <a:endParaRPr lang="en-US"/>
           </a:p>
@@ -3938,7 +3938,7 @@
           <a:p>
             <a:fld id="{BD5AFB16-13FE-DF4A-8CB7-09756A57B2EA}" type="datetime2">
               <a:rPr lang="en-US" smtClean="0"/>
-              <a:t>Tuesday, September 9, 14</a:t>
+              <a:t>Wednesday, September 10, 14</a:t>
             </a:fld>
             <a:endParaRPr lang="en-US" dirty="0"/>
           </a:p>
@@ -4425,7 +4425,7 @@
           <a:p>
             <a:fld id="{1BDEC705-8EA9-6C46-8E3B-2CAC7E2C0F7D}" type="datetime2">
               <a:rPr lang="en-US" smtClean="0"/>
-              <a:t>Tuesday, September 9, 14</a:t>
+              <a:t>Wednesday, September 10, 14</a:t>
             </a:fld>
             <a:endParaRPr lang="en-US"/>
           </a:p>
@@ -4756,7 +4756,7 @@
           <a:p>
             <a:fld id="{BF613BD3-C5FD-9543-B738-679BF38D8C83}" type="datetime2">
               <a:rPr lang="en-US" smtClean="0"/>
-              <a:t>Tuesday, September 9, 14</a:t>
+              <a:t>Wednesday, September 10, 14</a:t>
             </a:fld>
             <a:endParaRPr lang="en-US" dirty="0"/>
           </a:p>
@@ -5235,7 +5235,7 @@
           <a:p>
             <a:fld id="{4B5E4F0C-9A9C-5448-99FD-D30288B385C9}" type="datetime2">
               <a:rPr lang="en-US" smtClean="0"/>
-              <a:t>Tuesday, September 9, 14</a:t>
+              <a:t>Wednesday, September 10, 14</a:t>
             </a:fld>
             <a:endParaRPr lang="en-US"/>
           </a:p>
@@ -5531,7 +5531,7 @@
           <a:p>
             <a:fld id="{30545249-FD76-6844-B252-CAB05FC2DAA8}" type="datetime2">
               <a:rPr lang="en-US" smtClean="0"/>
-              <a:t>Tuesday, September 9, 14</a:t>
+              <a:t>Wednesday, September 10, 14</a:t>
             </a:fld>
             <a:endParaRPr lang="en-US" dirty="0"/>
           </a:p>
@@ -5774,7 +5774,7 @@
           <a:p>
             <a:fld id="{CC859171-EEDD-0B48-A5C0-E7218AE20EA7}" type="datetime2">
               <a:rPr lang="en-US" smtClean="0"/>
-              <a:t>Tuesday, September 9, 14</a:t>
+              <a:t>Wednesday, September 10, 14</a:t>
             </a:fld>
             <a:endParaRPr lang="en-US"/>
           </a:p>
@@ -5870,7 +5870,7 @@
           <a:p>
             <a:fld id="{C32F9216-0342-7440-9504-BD6C1382BF27}" type="datetime2">
               <a:rPr lang="en-US" smtClean="0"/>
-              <a:t>Tuesday, September 9, 14</a:t>
+              <a:t>Wednesday, September 10, 14</a:t>
             </a:fld>
             <a:endParaRPr lang="en-US"/>
           </a:p>
@@ -6185,7 +6185,7 @@
           <a:p>
             <a:fld id="{D36DC8F2-AD63-E841-8C23-5DC3A41041BE}" type="datetime2">
               <a:rPr lang="en-US" smtClean="0"/>
-              <a:t>Tuesday, September 9, 14</a:t>
+              <a:t>Wednesday, September 10, 14</a:t>
             </a:fld>
             <a:endParaRPr lang="en-US" dirty="0"/>
           </a:p>
@@ -6863,7 +6863,7 @@
           <a:p>
             <a:fld id="{8ADAB7C0-00B4-3F4D-A690-E12D330195D4}" type="datetime2">
               <a:rPr lang="en-US" smtClean="0"/>
-              <a:t>Tuesday, September 9, 14</a:t>
+              <a:t>Wednesday, September 10, 14</a:t>
             </a:fld>
             <a:endParaRPr lang="en-US"/>
           </a:p>
@@ -7046,7 +7046,7 @@
           <a:p>
             <a:fld id="{3EBDCA59-9BA4-BE48-9CC1-D9E1762CA01A}" type="datetime2">
               <a:rPr lang="en-US" smtClean="0"/>
-              <a:t>Tuesday, September 9, 14</a:t>
+              <a:t>Wednesday, September 10, 14</a:t>
             </a:fld>
             <a:endParaRPr lang="en-US"/>
           </a:p>
@@ -7246,7 +7246,7 @@
           <a:p>
             <a:fld id="{34621E95-60A9-FF44-9869-513D9D7A859F}" type="datetime2">
               <a:rPr lang="en-US" smtClean="0"/>
-              <a:t>Tuesday, September 9, 14</a:t>
+              <a:t>Wednesday, September 10, 14</a:t>
             </a:fld>
             <a:endParaRPr lang="en-US"/>
           </a:p>
@@ -7366,8 +7366,8 @@
         </p:nvSpPr>
         <p:spPr>
           <a:xfrm>
-            <a:off x="457200" y="3652844"/>
-            <a:ext cx="4038600" cy="2738812"/>
+            <a:off x="261866" y="3652844"/>
+            <a:ext cx="4114800" cy="2738812"/>
           </a:xfrm>
         </p:spPr>
         <p:txBody>
@@ -7424,8 +7424,8 @@
         </p:nvSpPr>
         <p:spPr>
           <a:xfrm>
-            <a:off x="4648200" y="3652844"/>
-            <a:ext cx="4038600" cy="2738812"/>
+            <a:off x="4927525" y="3652844"/>
+            <a:ext cx="3949700" cy="2738812"/>
           </a:xfrm>
         </p:spPr>
         <p:txBody>
@@ -7484,7 +7484,7 @@
           <a:p>
             <a:fld id="{BF613BD3-C5FD-9543-B738-679BF38D8C83}" type="datetime2">
               <a:rPr lang="en-US" smtClean="0"/>
-              <a:t>Tuesday, September 9, 14</a:t>
+              <a:t>Wednesday, September 10, 14</a:t>
             </a:fld>
             <a:endParaRPr lang="en-US" dirty="0"/>
           </a:p>
@@ -7634,8 +7634,8 @@
         </p:nvSpPr>
         <p:spPr>
           <a:xfrm>
-            <a:off x="457200" y="2162974"/>
-            <a:ext cx="4038600" cy="2545770"/>
+            <a:off x="261866" y="2256164"/>
+            <a:ext cx="4114800" cy="2350737"/>
           </a:xfrm>
           <a:solidFill>
             <a:srgbClr val="CCD1D9"/>
@@ -7648,7 +7648,7 @@
         </p:spPr>
         <p:txBody>
           <a:bodyPr>
-            <a:normAutofit fontScale="70000" lnSpcReduction="20000"/>
+            <a:normAutofit fontScale="92500" lnSpcReduction="10000"/>
           </a:bodyPr>
           <a:lstStyle/>
           <a:p>
@@ -7656,74 +7656,86 @@
               <a:buNone/>
             </a:pPr>
             <a:r>
-              <a:rPr lang="en-US" b="1" dirty="0" smtClean="0">
+              <a:rPr lang="en-US" sz="2000" b="1" dirty="0" smtClean="0">
                 <a:latin typeface="Consolas"/>
                 <a:cs typeface="Consolas"/>
               </a:rPr>
               <a:t>class</a:t>
             </a:r>
             <a:r>
-              <a:rPr lang="en-US" dirty="0" smtClean="0">
+              <a:rPr lang="en-US" sz="2000" dirty="0" smtClean="0">
                 <a:latin typeface="Consolas"/>
                 <a:cs typeface="Consolas"/>
               </a:rPr>
               <a:t> </a:t>
             </a:r>
             <a:r>
-              <a:rPr lang="en-US" dirty="0" err="1">
+              <a:rPr lang="en-US" sz="2000" dirty="0" err="1">
                 <a:latin typeface="Consolas"/>
                 <a:cs typeface="Consolas"/>
               </a:rPr>
               <a:t>MyChare</a:t>
             </a:r>
             <a:r>
-              <a:rPr lang="en-US" dirty="0">
+              <a:rPr lang="en-US" sz="2000" dirty="0">
                 <a:latin typeface="Consolas"/>
                 <a:cs typeface="Consolas"/>
               </a:rPr>
               <a:t> : </a:t>
             </a:r>
             <a:r>
-              <a:rPr lang="en-US" b="1" dirty="0">
+              <a:rPr lang="en-US" sz="2000" b="1" dirty="0" smtClean="0">
                 <a:latin typeface="Consolas"/>
                 <a:cs typeface="Consolas"/>
               </a:rPr>
               <a:t>public</a:t>
             </a:r>
             <a:r>
-              <a:rPr lang="en-US" dirty="0">
+              <a:rPr lang="en-US" sz="2000" dirty="0" smtClean="0">
                 <a:latin typeface="Consolas"/>
                 <a:cs typeface="Consolas"/>
               </a:rPr>
               <a:t> </a:t>
             </a:r>
-            <a:r>
-              <a:rPr lang="en-US" dirty="0" err="1">
-                <a:latin typeface="Consolas"/>
-                <a:cs typeface="Consolas"/>
-              </a:rPr>
-              <a:t>CBase</a:t>
-            </a:r>
-            <a:r>
-              <a:rPr lang="en-US" dirty="0">
+          </a:p>
+          <a:p>
+            <a:pPr marL="0" indent="0">
+              <a:buNone/>
+            </a:pPr>
+            <a:r>
+              <a:rPr lang="en-US" sz="2000" dirty="0">
                 <a:latin typeface="Consolas"/>
                 <a:cs typeface="Consolas"/>
               </a:rPr>
               <a:t> </a:t>
             </a:r>
             <a:r>
-              <a:rPr lang="en-US" dirty="0" err="1">
-                <a:latin typeface="Consolas"/>
-                <a:cs typeface="Consolas"/>
-              </a:rPr>
-              <a:t>MyChare</a:t>
-            </a:r>
-            <a:r>
-              <a:rPr lang="en-US" dirty="0">
-                <a:latin typeface="Consolas"/>
-                <a:cs typeface="Consolas"/>
-              </a:rPr>
-              <a:t> {</a:t>
+              <a:rPr lang="en-US" sz="2000" dirty="0" smtClean="0">
+                <a:latin typeface="Consolas"/>
+                <a:cs typeface="Consolas"/>
+              </a:rPr>
+              <a:t> </a:t>
+            </a:r>
+            <a:r>
+              <a:rPr lang="en-US" sz="2000" dirty="0" err="1" smtClean="0">
+                <a:latin typeface="Consolas"/>
+                <a:cs typeface="Consolas"/>
+              </a:rPr>
+              <a:t>CBase_MyChare</a:t>
+            </a:r>
+            <a:r>
+              <a:rPr lang="en-US" sz="2000" dirty="0" smtClean="0">
+                <a:latin typeface="Consolas"/>
+                <a:cs typeface="Consolas"/>
+              </a:rPr>
+              <a:t> </a:t>
+            </a:r>
+            <a:r>
+              <a:rPr lang="en-US" sz="2000" dirty="0">
+                <a:latin typeface="Consolas"/>
+                <a:cs typeface="Consolas"/>
+              </a:rPr>
+              <a:t>{</a:t>
             </a:r>
           </a:p>
           <a:p>
@@ -7731,28 +7743,35 @@
               <a:buNone/>
             </a:pPr>
             <a:r>
-              <a:rPr lang="en-US" dirty="0" smtClean="0">
-                <a:latin typeface="Consolas"/>
-                <a:cs typeface="Consolas"/>
-              </a:rPr>
-              <a:t>   </a:t>
-            </a:r>
-            <a:r>
-              <a:rPr lang="en-US" b="1" dirty="0" err="1" smtClean="0">
+              <a:rPr lang="en-US" sz="2000" dirty="0" smtClean="0">
+                <a:latin typeface="Consolas"/>
+                <a:cs typeface="Consolas"/>
+              </a:rPr>
+              <a:t>  </a:t>
+            </a:r>
+            <a:r>
+              <a:rPr lang="en-US" sz="2000" dirty="0" smtClean="0">
+                <a:latin typeface="Consolas"/>
+                <a:cs typeface="Consolas"/>
+              </a:rPr>
+              <a:t>  </a:t>
+            </a:r>
+            <a:r>
+              <a:rPr lang="en-US" sz="2000" b="1" dirty="0" smtClean="0">
                 <a:latin typeface="Consolas"/>
                 <a:cs typeface="Consolas"/>
               </a:rPr>
               <a:t>int</a:t>
             </a:r>
             <a:r>
-              <a:rPr lang="en-US" dirty="0" smtClean="0">
+              <a:rPr lang="en-US" sz="2000" dirty="0" smtClean="0">
                 <a:latin typeface="Consolas"/>
                 <a:cs typeface="Consolas"/>
               </a:rPr>
               <a:t> </a:t>
             </a:r>
             <a:r>
-              <a:rPr lang="en-US" dirty="0">
+              <a:rPr lang="en-US" sz="2000" dirty="0">
                 <a:latin typeface="Consolas"/>
                 <a:cs typeface="Consolas"/>
               </a:rPr>
@@ -7764,21 +7783,35 @@
               <a:buNone/>
             </a:pPr>
             <a:r>
-              <a:rPr lang="en-US" b="1" dirty="0" smtClean="0">
-                <a:latin typeface="Consolas"/>
-                <a:cs typeface="Consolas"/>
-              </a:rPr>
-              <a:t>   float</a:t>
-            </a:r>
-            <a:r>
-              <a:rPr lang="en-US" dirty="0" smtClean="0">
+              <a:rPr lang="en-US" sz="2000" b="1" dirty="0" smtClean="0">
+                <a:latin typeface="Consolas"/>
+                <a:cs typeface="Consolas"/>
+              </a:rPr>
+              <a:t>  </a:t>
+            </a:r>
+            <a:r>
+              <a:rPr lang="en-US" sz="2000" b="1" dirty="0" smtClean="0">
+                <a:latin typeface="Consolas"/>
+                <a:cs typeface="Consolas"/>
+              </a:rPr>
+              <a:t>  </a:t>
+            </a:r>
+            <a:r>
+              <a:rPr lang="en-US" sz="2000" b="1" dirty="0" smtClean="0">
+                <a:latin typeface="Consolas"/>
+                <a:cs typeface="Consolas"/>
+              </a:rPr>
+              <a:t>float</a:t>
+            </a:r>
+            <a:r>
+              <a:rPr lang="en-US" sz="2000" dirty="0" smtClean="0">
                 <a:latin typeface="Consolas"/>
                 <a:cs typeface="Consolas"/>
               </a:rPr>
               <a:t> </a:t>
             </a:r>
             <a:r>
-              <a:rPr lang="en-US" dirty="0">
+              <a:rPr lang="en-US" sz="2000" dirty="0">
                 <a:latin typeface="Consolas"/>
                 <a:cs typeface="Consolas"/>
               </a:rPr>
@@ -7790,21 +7823,35 @@
               <a:buNone/>
             </a:pPr>
             <a:r>
-              <a:rPr lang="en-US" b="1" dirty="0" smtClean="0">
-                <a:latin typeface="Consolas"/>
-                <a:cs typeface="Consolas"/>
-              </a:rPr>
-              <a:t>   char</a:t>
-            </a:r>
-            <a:r>
-              <a:rPr lang="en-US" dirty="0" smtClean="0">
+              <a:rPr lang="en-US" sz="2000" b="1" dirty="0" smtClean="0">
+                <a:latin typeface="Consolas"/>
+                <a:cs typeface="Consolas"/>
+              </a:rPr>
+              <a:t>  </a:t>
+            </a:r>
+            <a:r>
+              <a:rPr lang="en-US" sz="2000" b="1" dirty="0" smtClean="0">
+                <a:latin typeface="Consolas"/>
+                <a:cs typeface="Consolas"/>
+              </a:rPr>
+              <a:t>  </a:t>
+            </a:r>
+            <a:r>
+              <a:rPr lang="en-US" sz="2000" b="1" dirty="0" smtClean="0">
+                <a:latin typeface="Consolas"/>
+                <a:cs typeface="Consolas"/>
+              </a:rPr>
+              <a:t>char</a:t>
+            </a:r>
+            <a:r>
+              <a:rPr lang="en-US" sz="2000" dirty="0" smtClean="0">
                 <a:latin typeface="Consolas"/>
                 <a:cs typeface="Consolas"/>
               </a:rPr>
               <a:t> </a:t>
             </a:r>
             <a:r>
-              <a:rPr lang="en-US" dirty="0">
+              <a:rPr lang="en-US" sz="2000" dirty="0">
                 <a:latin typeface="Consolas"/>
                 <a:cs typeface="Consolas"/>
               </a:rPr>
@@ -7816,28 +7863,42 @@
               <a:buNone/>
             </a:pPr>
             <a:r>
-              <a:rPr lang="en-US" b="1" dirty="0" smtClean="0">
-                <a:latin typeface="Consolas"/>
-                <a:cs typeface="Consolas"/>
-              </a:rPr>
-              <a:t>   float</a:t>
-            </a:r>
-            <a:r>
-              <a:rPr lang="en-US" dirty="0" smtClean="0">
+              <a:rPr lang="en-US" sz="2000" b="1" dirty="0" smtClean="0">
+                <a:latin typeface="Consolas"/>
+                <a:cs typeface="Consolas"/>
+              </a:rPr>
+              <a:t>  </a:t>
+            </a:r>
+            <a:r>
+              <a:rPr lang="en-US" sz="2000" b="1" dirty="0" smtClean="0">
+                <a:latin typeface="Consolas"/>
+                <a:cs typeface="Consolas"/>
+              </a:rPr>
+              <a:t>  </a:t>
+            </a:r>
+            <a:r>
+              <a:rPr lang="en-US" sz="1600" b="1" dirty="0" smtClean="0">
+                <a:latin typeface="Consolas"/>
+                <a:cs typeface="Consolas"/>
+              </a:rPr>
+              <a:t>float</a:t>
+            </a:r>
+            <a:r>
+              <a:rPr lang="en-US" sz="1600" dirty="0" smtClean="0">
                 <a:latin typeface="Consolas"/>
                 <a:cs typeface="Consolas"/>
               </a:rPr>
               <a:t> </a:t>
             </a:r>
             <a:r>
-              <a:rPr lang="en-US" dirty="0" err="1">
+              <a:rPr lang="en-US" sz="1600" dirty="0" err="1">
                 <a:latin typeface="Consolas"/>
                 <a:cs typeface="Consolas"/>
               </a:rPr>
               <a:t>localArray</a:t>
             </a:r>
             <a:r>
-              <a:rPr lang="en-US" dirty="0">
+              <a:rPr lang="en-US" sz="1600" dirty="0">
                 <a:latin typeface="Consolas"/>
                 <a:cs typeface="Consolas"/>
               </a:rPr>
@@ -7849,7 +7910,7 @@
               <a:buNone/>
             </a:pPr>
             <a:r>
-              <a:rPr lang="en-US" dirty="0">
+              <a:rPr lang="en-US" sz="2000" dirty="0">
                 <a:latin typeface="Consolas"/>
                 <a:cs typeface="Consolas"/>
               </a:rPr>
@@ -7870,8 +7931,8 @@
         </p:nvSpPr>
         <p:spPr>
           <a:xfrm>
-            <a:off x="4648200" y="2162973"/>
-            <a:ext cx="4038600" cy="2545771"/>
+            <a:off x="4737099" y="2256164"/>
+            <a:ext cx="4140125" cy="2350737"/>
           </a:xfrm>
           <a:solidFill>
             <a:srgbClr val="CCD1D9"/>
@@ -7884,7 +7945,7 @@
         </p:spPr>
         <p:txBody>
           <a:bodyPr>
-            <a:normAutofit fontScale="70000" lnSpcReduction="20000"/>
+            <a:normAutofit fontScale="92500" lnSpcReduction="10000"/>
           </a:bodyPr>
           <a:lstStyle/>
           <a:p>
@@ -7892,34 +7953,34 @@
               <a:buNone/>
             </a:pPr>
             <a:r>
-              <a:rPr lang="en-US" b="1" dirty="0">
+              <a:rPr lang="en-US" sz="2000" b="1" dirty="0">
                 <a:latin typeface="Consolas"/>
                 <a:cs typeface="Consolas"/>
               </a:rPr>
               <a:t>void</a:t>
             </a:r>
             <a:r>
-              <a:rPr lang="en-US" dirty="0">
+              <a:rPr lang="en-US" sz="2000" dirty="0">
                 <a:latin typeface="Consolas"/>
                 <a:cs typeface="Consolas"/>
               </a:rPr>
               <a:t> pup(PUP::</a:t>
             </a:r>
             <a:r>
-              <a:rPr lang="en-US" dirty="0" err="1">
+              <a:rPr lang="en-US" sz="2000" dirty="0" err="1">
                 <a:latin typeface="Consolas"/>
                 <a:cs typeface="Consolas"/>
               </a:rPr>
               <a:t>er</a:t>
             </a:r>
             <a:r>
-              <a:rPr lang="en-US" dirty="0">
+              <a:rPr lang="en-US" sz="2000" dirty="0">
                 <a:latin typeface="Consolas"/>
                 <a:cs typeface="Consolas"/>
               </a:rPr>
               <a:t> &amp;p) { </a:t>
             </a:r>
-            <a:endParaRPr lang="en-US" dirty="0" smtClean="0">
+            <a:endParaRPr lang="en-US" sz="2000" dirty="0" smtClean="0">
               <a:latin typeface="Consolas"/>
               <a:cs typeface="Consolas"/>
             </a:endParaRPr>
@@ -7929,42 +7990,42 @@
               <a:buNone/>
             </a:pPr>
             <a:r>
-              <a:rPr lang="en-US" dirty="0">
+              <a:rPr lang="en-US" sz="2000" dirty="0">
                 <a:latin typeface="Consolas"/>
                 <a:cs typeface="Consolas"/>
               </a:rPr>
               <a:t> </a:t>
             </a:r>
             <a:r>
-              <a:rPr lang="en-US" dirty="0" smtClean="0">
+              <a:rPr lang="en-US" sz="2000" dirty="0" smtClean="0">
                 <a:latin typeface="Consolas"/>
                 <a:cs typeface="Consolas"/>
               </a:rPr>
               <a:t>  </a:t>
             </a:r>
             <a:r>
-              <a:rPr lang="en-US" dirty="0" err="1" smtClean="0">
+              <a:rPr lang="en-US" sz="2000" dirty="0" err="1" smtClean="0">
                 <a:latin typeface="Consolas"/>
                 <a:cs typeface="Consolas"/>
               </a:rPr>
               <a:t>CBase</a:t>
             </a:r>
             <a:r>
-              <a:rPr lang="en-US" dirty="0" smtClean="0">
-                <a:latin typeface="Consolas"/>
-                <a:cs typeface="Consolas"/>
-              </a:rPr>
-              <a:t> </a:t>
-            </a:r>
-            <a:r>
-              <a:rPr lang="en-US" dirty="0" err="1">
+              <a:rPr lang="en-US" sz="2000" dirty="0" err="1">
+                <a:latin typeface="Consolas"/>
+                <a:cs typeface="Consolas"/>
+              </a:rPr>
+              <a:t>_</a:t>
+            </a:r>
+            <a:r>
+              <a:rPr lang="en-US" sz="2000" dirty="0" err="1" smtClean="0">
                 <a:latin typeface="Consolas"/>
                 <a:cs typeface="Consolas"/>
               </a:rPr>
               <a:t>MyChare</a:t>
             </a:r>
             <a:r>
-              <a:rPr lang="en-US" dirty="0">
+              <a:rPr lang="en-US" sz="2000" dirty="0">
                 <a:latin typeface="Consolas"/>
                 <a:cs typeface="Consolas"/>
               </a:rPr>
@@ -7976,14 +8037,14 @@
               <a:buNone/>
             </a:pPr>
             <a:r>
-              <a:rPr lang="en-US" dirty="0" smtClean="0">
+              <a:rPr lang="en-US" sz="2000" dirty="0" smtClean="0">
                 <a:latin typeface="Consolas"/>
                 <a:cs typeface="Consolas"/>
               </a:rPr>
               <a:t>   p </a:t>
             </a:r>
             <a:r>
-              <a:rPr lang="en-US" dirty="0">
+              <a:rPr lang="en-US" sz="2000" dirty="0">
                 <a:latin typeface="Consolas"/>
                 <a:cs typeface="Consolas"/>
               </a:rPr>
@@ -7995,14 +8056,14 @@
               <a:buNone/>
             </a:pPr>
             <a:r>
-              <a:rPr lang="en-US" dirty="0" smtClean="0">
+              <a:rPr lang="en-US" sz="2000" dirty="0" smtClean="0">
                 <a:latin typeface="Consolas"/>
                 <a:cs typeface="Consolas"/>
               </a:rPr>
               <a:t>   p </a:t>
             </a:r>
             <a:r>
-              <a:rPr lang="en-US" dirty="0">
+              <a:rPr lang="en-US" sz="2000" dirty="0">
                 <a:latin typeface="Consolas"/>
                 <a:cs typeface="Consolas"/>
               </a:rPr>
@@ -8014,14 +8075,14 @@
               <a:buNone/>
             </a:pPr>
             <a:r>
-              <a:rPr lang="en-US" dirty="0" smtClean="0">
+              <a:rPr lang="en-US" sz="2000" dirty="0" smtClean="0">
                 <a:latin typeface="Consolas"/>
                 <a:cs typeface="Consolas"/>
               </a:rPr>
               <a:t>   p </a:t>
             </a:r>
             <a:r>
-              <a:rPr lang="en-US" dirty="0">
+              <a:rPr lang="en-US" sz="2000" dirty="0">
                 <a:latin typeface="Consolas"/>
                 <a:cs typeface="Consolas"/>
               </a:rPr>
@@ -8033,28 +8094,35 @@
               <a:buNone/>
             </a:pPr>
             <a:r>
-              <a:rPr lang="en-US" dirty="0" smtClean="0">
-                <a:latin typeface="Consolas"/>
-                <a:cs typeface="Consolas"/>
-              </a:rPr>
-              <a:t>   p</a:t>
-            </a:r>
-            <a:r>
-              <a:rPr lang="en-US" dirty="0">
+              <a:rPr lang="en-US" sz="2000" dirty="0" smtClean="0">
+                <a:latin typeface="Consolas"/>
+                <a:cs typeface="Consolas"/>
+              </a:rPr>
+              <a:t>   </a:t>
+            </a:r>
+            <a:r>
+              <a:rPr lang="en-US" sz="1800" dirty="0" smtClean="0">
+                <a:latin typeface="Consolas"/>
+                <a:cs typeface="Consolas"/>
+              </a:rPr>
+              <a:t>p</a:t>
+            </a:r>
+            <a:r>
+              <a:rPr lang="en-US" sz="1800" dirty="0">
                 <a:latin typeface="Consolas"/>
                 <a:cs typeface="Consolas"/>
               </a:rPr>
               <a:t>(</a:t>
             </a:r>
             <a:r>
-              <a:rPr lang="en-US" dirty="0" err="1">
+              <a:rPr lang="en-US" sz="1800" dirty="0" err="1">
                 <a:latin typeface="Consolas"/>
                 <a:cs typeface="Consolas"/>
               </a:rPr>
               <a:t>localArray</a:t>
             </a:r>
             <a:r>
-              <a:rPr lang="en-US" dirty="0">
+              <a:rPr lang="en-US" sz="1800" dirty="0">
                 <a:latin typeface="Consolas"/>
                 <a:cs typeface="Consolas"/>
               </a:rPr>
@@ -8066,7 +8134,7 @@
               <a:buNone/>
             </a:pPr>
             <a:r>
-              <a:rPr lang="en-US" dirty="0">
+              <a:rPr lang="en-US" sz="2000" dirty="0">
                 <a:latin typeface="Consolas"/>
                 <a:cs typeface="Consolas"/>
               </a:rPr>
@@ -8092,7 +8160,7 @@
           <a:p>
             <a:fld id="{BF613BD3-C5FD-9543-B738-679BF38D8C83}" type="datetime2">
               <a:rPr lang="en-US" smtClean="0"/>
-              <a:t>Tuesday, September 9, 14</a:t>
+              <a:t>Wednesday, September 10, 14</a:t>
             </a:fld>
             <a:endParaRPr lang="en-US" dirty="0"/>
           </a:p>
@@ -8212,8 +8280,8 @@
         </p:nvSpPr>
         <p:spPr>
           <a:xfrm>
-            <a:off x="457200" y="2417704"/>
-            <a:ext cx="3882176" cy="2063151"/>
+            <a:off x="261865" y="2417704"/>
+            <a:ext cx="4114800" cy="2063151"/>
           </a:xfrm>
           <a:solidFill>
             <a:srgbClr val="CCD1D9"/>
@@ -8474,8 +8542,8 @@
         </p:nvSpPr>
         <p:spPr>
           <a:xfrm>
-            <a:off x="4886208" y="935846"/>
-            <a:ext cx="3800592" cy="5455810"/>
+            <a:off x="4737099" y="935846"/>
+            <a:ext cx="4140125" cy="5455810"/>
           </a:xfrm>
           <a:solidFill>
             <a:srgbClr val="CCD1D9"/>
@@ -8977,42 +9045,42 @@
               <a:t>      </a:t>
             </a:r>
             <a:r>
-              <a:rPr lang="en-US" b="1" dirty="0" smtClean="0">
+              <a:rPr lang="en-US" sz="2200" b="1" dirty="0" smtClean="0">
                 <a:latin typeface="Consolas"/>
                 <a:cs typeface="Consolas"/>
               </a:rPr>
               <a:t>if</a:t>
             </a:r>
             <a:r>
-              <a:rPr lang="en-US" dirty="0" smtClean="0">
+              <a:rPr lang="en-US" sz="2200" dirty="0" smtClean="0">
                 <a:latin typeface="Consolas"/>
                 <a:cs typeface="Consolas"/>
               </a:rPr>
               <a:t> </a:t>
             </a:r>
             <a:r>
-              <a:rPr lang="en-US" dirty="0">
+              <a:rPr lang="en-US" sz="2200" dirty="0">
                 <a:latin typeface="Consolas"/>
                 <a:cs typeface="Consolas"/>
               </a:rPr>
               <a:t>(</a:t>
             </a:r>
             <a:r>
-              <a:rPr lang="en-US" dirty="0" err="1">
+              <a:rPr lang="en-US" sz="2200" dirty="0" err="1">
                 <a:latin typeface="Consolas"/>
                 <a:cs typeface="Consolas"/>
               </a:rPr>
               <a:t>p.isUnpacking</a:t>
             </a:r>
             <a:r>
-              <a:rPr lang="en-US" dirty="0">
+              <a:rPr lang="en-US" sz="2200" dirty="0">
                 <a:latin typeface="Consolas"/>
                 <a:cs typeface="Consolas"/>
               </a:rPr>
               <a:t>()) pointer </a:t>
             </a:r>
             <a:r>
-              <a:rPr lang="en-US" dirty="0" smtClean="0">
+              <a:rPr lang="en-US" sz="2200" dirty="0" smtClean="0">
                 <a:latin typeface="Consolas"/>
                 <a:cs typeface="Consolas"/>
               </a:rPr>
@@ -9162,7 +9230,7 @@
           <a:p>
             <a:fld id="{BF613BD3-C5FD-9543-B738-679BF38D8C83}" type="datetime2">
               <a:rPr lang="en-US" smtClean="0"/>
-              <a:t>Tuesday, September 9, 14</a:t>
+              <a:t>Wednesday, September 10, 14</a:t>
             </a:fld>
             <a:endParaRPr lang="en-US" dirty="0"/>
           </a:p>
@@ -9338,7 +9406,7 @@
           <a:p>
             <a:fld id="{34621E95-60A9-FF44-9869-513D9D7A859F}" type="datetime2">
               <a:rPr lang="en-US" smtClean="0"/>
-              <a:t>Tuesday, September 9, 14</a:t>
+              <a:t>Wednesday, September 10, 14</a:t>
             </a:fld>
             <a:endParaRPr lang="en-US"/>
           </a:p>
@@ -9580,7 +9648,7 @@
           <a:p>
             <a:fld id="{34621E95-60A9-FF44-9869-513D9D7A859F}" type="datetime2">
               <a:rPr lang="en-US" smtClean="0"/>
-              <a:t>Tuesday, September 9, 14</a:t>
+              <a:t>Wednesday, September 10, 14</a:t>
             </a:fld>
             <a:endParaRPr lang="en-US"/>
           </a:p>
@@ -9709,7 +9777,7 @@
           <a:p>
             <a:fld id="{BD5AFB16-13FE-DF4A-8CB7-09756A57B2EA}" type="datetime2">
               <a:rPr lang="en-US" smtClean="0"/>
-              <a:t>Tuesday, September 9, 14</a:t>
+              <a:t>Wednesday, September 10, 14</a:t>
             </a:fld>
             <a:endParaRPr lang="en-US" dirty="0"/>
           </a:p>
@@ -9775,8 +9843,8 @@
         </p:nvSpPr>
         <p:spPr>
           <a:xfrm>
-            <a:off x="457200" y="909977"/>
-            <a:ext cx="8229600" cy="2918154"/>
+            <a:off x="261865" y="909977"/>
+            <a:ext cx="8615360" cy="2918154"/>
           </a:xfrm>
         </p:spPr>
         <p:txBody>
@@ -9865,8 +9933,8 @@
         </p:nvSpPr>
         <p:spPr>
           <a:xfrm>
-            <a:off x="457200" y="4128032"/>
-            <a:ext cx="8229600" cy="2188588"/>
+            <a:off x="261865" y="4128032"/>
+            <a:ext cx="8615360" cy="2188588"/>
           </a:xfrm>
           <a:solidFill>
             <a:srgbClr val="CCD1D9"/>

--- a/tutorial-06-migratability.pptx
+++ b/tutorial-06-migratability.pptx
@@ -6951,18 +6951,17 @@
                             </p:stCondLst>
                             <p:childTnLst>
                               <p:par>
-                                <p:cTn id="5" presetID="1" presetClass="entr" presetSubtype="0" fill="hold" nodeType="withEffect">
+                                <p:cTn id="5" presetID="15" presetClass="emph" presetSubtype="0" nodeType="withEffect">
                                   <p:stCondLst>
                                     <p:cond delay="0"/>
                                   </p:stCondLst>
+                                  <p:iterate type="lt">
+                                    <p:tmAbs val="25"/>
+                                  </p:iterate>
                                   <p:childTnLst>
                                     <p:set>
-                                      <p:cBhvr>
-                                        <p:cTn id="6" dur="1" fill="hold">
-                                          <p:stCondLst>
-                                            <p:cond delay="0"/>
-                                          </p:stCondLst>
-                                        </p:cTn>
+                                      <p:cBhvr override="childStyle">
+                                        <p:cTn id="6" dur="indefinite"/>
                                         <p:tgtEl>
                                           <p:spTgt spid="3">
                                             <p:txEl>
@@ -6971,11 +6970,41 @@
                                           </p:spTgt>
                                         </p:tgtEl>
                                         <p:attrNameLst>
-                                          <p:attrName>style.visibility</p:attrName>
+                                          <p:attrName>style.fontWeight</p:attrName>
                                         </p:attrNameLst>
                                       </p:cBhvr>
                                       <p:to>
-                                        <p:strVal val="visible"/>
+                                        <p:strVal val="bold"/>
+                                      </p:to>
+                                    </p:set>
+                                  </p:childTnLst>
+                                </p:cTn>
+                              </p:par>
+                              <p:par>
+                                <p:cTn id="7" presetID="15" presetClass="emph" presetSubtype="0" nodeType="withEffect">
+                                  <p:stCondLst>
+                                    <p:cond delay="0"/>
+                                  </p:stCondLst>
+                                  <p:iterate type="lt">
+                                    <p:tmAbs val="25"/>
+                                  </p:iterate>
+                                  <p:childTnLst>
+                                    <p:set>
+                                      <p:cBhvr override="childStyle">
+                                        <p:cTn id="8" dur="indefinite"/>
+                                        <p:tgtEl>
+                                          <p:spTgt spid="3">
+                                            <p:txEl>
+                                              <p:pRg st="9" end="9"/>
+                                            </p:txEl>
+                                          </p:spTgt>
+                                        </p:tgtEl>
+                                        <p:attrNameLst>
+                                          <p:attrName>style.fontWeight</p:attrName>
+                                        </p:attrNameLst>
+                                      </p:cBhvr>
+                                      <p:to>
+                                        <p:strVal val="bold"/>
                                       </p:to>
                                     </p:set>
                                   </p:childTnLst>
@@ -7747,21 +7776,40 @@
                 <a:latin typeface="Consolas"/>
                 <a:cs typeface="Consolas"/>
               </a:rPr>
-              <a:t>  </a:t>
+              <a:t>    </a:t>
+            </a:r>
+            <a:r>
+              <a:rPr lang="en-US" sz="2000" b="1" dirty="0" smtClean="0">
+                <a:latin typeface="Consolas"/>
+                <a:cs typeface="Consolas"/>
+              </a:rPr>
+              <a:t>int</a:t>
             </a:r>
             <a:r>
               <a:rPr lang="en-US" sz="2000" dirty="0" smtClean="0">
                 <a:latin typeface="Consolas"/>
                 <a:cs typeface="Consolas"/>
               </a:rPr>
-              <a:t>  </a:t>
-            </a:r>
+              <a:t> </a:t>
+            </a:r>
+            <a:r>
+              <a:rPr lang="en-US" sz="2000" dirty="0">
+                <a:latin typeface="Consolas"/>
+                <a:cs typeface="Consolas"/>
+              </a:rPr>
+              <a:t>a;</a:t>
+            </a:r>
+          </a:p>
+          <a:p>
+            <a:pPr marL="0" indent="0">
+              <a:buNone/>
+            </a:pPr>
             <a:r>
               <a:rPr lang="en-US" sz="2000" b="1" dirty="0" smtClean="0">
                 <a:latin typeface="Consolas"/>
                 <a:cs typeface="Consolas"/>
               </a:rPr>
-              <a:t>int</a:t>
+              <a:t>    float</a:t>
             </a:r>
             <a:r>
               <a:rPr lang="en-US" sz="2000" dirty="0" smtClean="0">
@@ -7775,7 +7823,7 @@
                 <a:latin typeface="Consolas"/>
                 <a:cs typeface="Consolas"/>
               </a:rPr>
-              <a:t>a;</a:t>
+              <a:t>b;</a:t>
             </a:r>
           </a:p>
           <a:p>
@@ -7787,94 +7835,33 @@
                 <a:latin typeface="Consolas"/>
                 <a:cs typeface="Consolas"/>
               </a:rPr>
-              <a:t>  </a:t>
-            </a:r>
+              <a:t>    char</a:t>
+            </a:r>
+            <a:r>
+              <a:rPr lang="en-US" sz="2000" dirty="0" smtClean="0">
+                <a:latin typeface="Consolas"/>
+                <a:cs typeface="Consolas"/>
+              </a:rPr>
+              <a:t> </a:t>
+            </a:r>
+            <a:r>
+              <a:rPr lang="en-US" sz="2000" dirty="0">
+                <a:latin typeface="Consolas"/>
+                <a:cs typeface="Consolas"/>
+              </a:rPr>
+              <a:t>c;</a:t>
+            </a:r>
+          </a:p>
+          <a:p>
+            <a:pPr marL="0" indent="0">
+              <a:buNone/>
+            </a:pPr>
             <a:r>
               <a:rPr lang="en-US" sz="2000" b="1" dirty="0" smtClean="0">
                 <a:latin typeface="Consolas"/>
                 <a:cs typeface="Consolas"/>
               </a:rPr>
-              <a:t>  </a:t>
-            </a:r>
-            <a:r>
-              <a:rPr lang="en-US" sz="2000" b="1" dirty="0" smtClean="0">
-                <a:latin typeface="Consolas"/>
-                <a:cs typeface="Consolas"/>
-              </a:rPr>
-              <a:t>float</a:t>
-            </a:r>
-            <a:r>
-              <a:rPr lang="en-US" sz="2000" dirty="0" smtClean="0">
-                <a:latin typeface="Consolas"/>
-                <a:cs typeface="Consolas"/>
-              </a:rPr>
-              <a:t> </a:t>
-            </a:r>
-            <a:r>
-              <a:rPr lang="en-US" sz="2000" dirty="0">
-                <a:latin typeface="Consolas"/>
-                <a:cs typeface="Consolas"/>
-              </a:rPr>
-              <a:t>b;</a:t>
-            </a:r>
-          </a:p>
-          <a:p>
-            <a:pPr marL="0" indent="0">
-              <a:buNone/>
-            </a:pPr>
-            <a:r>
-              <a:rPr lang="en-US" sz="2000" b="1" dirty="0" smtClean="0">
-                <a:latin typeface="Consolas"/>
-                <a:cs typeface="Consolas"/>
-              </a:rPr>
-              <a:t>  </a:t>
-            </a:r>
-            <a:r>
-              <a:rPr lang="en-US" sz="2000" b="1" dirty="0" smtClean="0">
-                <a:latin typeface="Consolas"/>
-                <a:cs typeface="Consolas"/>
-              </a:rPr>
-              <a:t>  </a:t>
-            </a:r>
-            <a:r>
-              <a:rPr lang="en-US" sz="2000" b="1" dirty="0" smtClean="0">
-                <a:latin typeface="Consolas"/>
-                <a:cs typeface="Consolas"/>
-              </a:rPr>
-              <a:t>char</a:t>
-            </a:r>
-            <a:r>
-              <a:rPr lang="en-US" sz="2000" dirty="0" smtClean="0">
-                <a:latin typeface="Consolas"/>
-                <a:cs typeface="Consolas"/>
-              </a:rPr>
-              <a:t> </a:t>
-            </a:r>
-            <a:r>
-              <a:rPr lang="en-US" sz="2000" dirty="0">
-                <a:latin typeface="Consolas"/>
-                <a:cs typeface="Consolas"/>
-              </a:rPr>
-              <a:t>c;</a:t>
-            </a:r>
-          </a:p>
-          <a:p>
-            <a:pPr marL="0" indent="0">
-              <a:buNone/>
-            </a:pPr>
-            <a:r>
-              <a:rPr lang="en-US" sz="2000" b="1" dirty="0" smtClean="0">
-                <a:latin typeface="Consolas"/>
-                <a:cs typeface="Consolas"/>
-              </a:rPr>
-              <a:t>  </a:t>
-            </a:r>
-            <a:r>
-              <a:rPr lang="en-US" sz="2000" b="1" dirty="0" smtClean="0">
-                <a:latin typeface="Consolas"/>
-                <a:cs typeface="Consolas"/>
-              </a:rPr>
-              <a:t>  </a:t>
+              <a:t>    </a:t>
             </a:r>
             <a:r>
               <a:rPr lang="en-US" sz="1600" b="1" dirty="0" smtClean="0">

--- a/tutorial-06-migratability.pptx
+++ b/tutorial-06-migratability.pptx
@@ -2,7 +2,7 @@
 <file path=ppt/presentation.xml><?xml version="1.0" encoding="utf-8"?>
 <p:presentation xmlns:a="http://schemas.openxmlformats.org/drawingml/2006/main" xmlns:r="http://schemas.openxmlformats.org/officeDocument/2006/relationships" xmlns:p="http://schemas.openxmlformats.org/presentationml/2006/main" showSpecialPlsOnTitleSld="0" saveSubsetFonts="1">
   <p:sldMasterIdLst>
-    <p:sldMasterId id="2147483974" r:id="rId1"/>
+    <p:sldMasterId id="2147483988" r:id="rId1"/>
   </p:sldMasterIdLst>
   <p:notesMasterIdLst>
     <p:notesMasterId r:id="rId11"/>
@@ -6031,7 +6031,7 @@
           <a:bodyPr vert="horz" lIns="91440" tIns="45720" rIns="91440" bIns="45720" rtlCol="0" anchor="ctr"/>
           <a:lstStyle>
             <a:lvl1pPr algn="ctr">
-              <a:defRPr sz="1200" b="1">
+              <a:defRPr sz="1200" b="0">
                 <a:solidFill>
                   <a:srgbClr val="FFFFFF"/>
                 </a:solidFill>
@@ -6237,19 +6237,19 @@
   </p:cSld>
   <p:clrMap bg1="lt1" tx1="dk1" bg2="lt2" tx2="dk2" accent1="accent1" accent2="accent2" accent3="accent3" accent4="accent4" accent5="accent5" accent6="accent6" hlink="hlink" folHlink="folHlink"/>
   <p:sldLayoutIdLst>
-    <p:sldLayoutId id="2147483975" r:id="rId1"/>
-    <p:sldLayoutId id="2147483976" r:id="rId2"/>
-    <p:sldLayoutId id="2147483977" r:id="rId3"/>
-    <p:sldLayoutId id="2147483978" r:id="rId4"/>
-    <p:sldLayoutId id="2147483979" r:id="rId5"/>
-    <p:sldLayoutId id="2147483980" r:id="rId6"/>
-    <p:sldLayoutId id="2147483981" r:id="rId7"/>
-    <p:sldLayoutId id="2147483982" r:id="rId8"/>
-    <p:sldLayoutId id="2147483983" r:id="rId9"/>
-    <p:sldLayoutId id="2147483984" r:id="rId10"/>
-    <p:sldLayoutId id="2147483985" r:id="rId11"/>
-    <p:sldLayoutId id="2147483986" r:id="rId12"/>
-    <p:sldLayoutId id="2147483987" r:id="rId13"/>
+    <p:sldLayoutId id="2147483989" r:id="rId1"/>
+    <p:sldLayoutId id="2147483990" r:id="rId2"/>
+    <p:sldLayoutId id="2147483991" r:id="rId3"/>
+    <p:sldLayoutId id="2147483992" r:id="rId4"/>
+    <p:sldLayoutId id="2147483993" r:id="rId5"/>
+    <p:sldLayoutId id="2147483994" r:id="rId6"/>
+    <p:sldLayoutId id="2147483995" r:id="rId7"/>
+    <p:sldLayoutId id="2147483996" r:id="rId8"/>
+    <p:sldLayoutId id="2147483997" r:id="rId9"/>
+    <p:sldLayoutId id="2147483998" r:id="rId10"/>
+    <p:sldLayoutId id="2147483999" r:id="rId11"/>
+    <p:sldLayoutId id="2147484000" r:id="rId12"/>
+    <p:sldLayoutId id="2147484001" r:id="rId13"/>
     <p:sldLayoutId id="2147483961" r:id="rId14"/>
     <p:sldLayoutId id="2147483973" r:id="rId15"/>
     <p:sldLayoutId id="2147483972" r:id="rId16"/>
@@ -7339,6 +7339,13 @@
   <p:clrMapOvr>
     <a:masterClrMapping/>
   </p:clrMapOvr>
+  <p:timing>
+    <p:tnLst>
+      <p:par>
+        <p:cTn xmlns:p14="http://schemas.microsoft.com/office/powerpoint/2010/main" id="1" dur="indefinite" restart="never" nodeType="tmRoot"/>
+      </p:par>
+    </p:tnLst>
+  </p:timing>
 </p:sld>
 </file>
 
@@ -7607,6 +7614,13 @@
   <p:clrMapOvr>
     <a:masterClrMapping/>
   </p:clrMapOvr>
+  <p:timing>
+    <p:tnLst>
+      <p:par>
+        <p:cTn xmlns:p14="http://schemas.microsoft.com/office/powerpoint/2010/main" id="1" dur="indefinite" restart="never" nodeType="tmRoot"/>
+      </p:par>
+    </p:tnLst>
+  </p:timing>
 </p:sld>
 </file>
 
@@ -8211,6 +8225,13 @@
   <p:clrMapOvr>
     <a:masterClrMapping/>
   </p:clrMapOvr>
+  <p:timing>
+    <p:tnLst>
+      <p:par>
+        <p:cTn xmlns:p14="http://schemas.microsoft.com/office/powerpoint/2010/main" id="1" dur="indefinite" restart="never" nodeType="tmRoot"/>
+      </p:par>
+    </p:tnLst>
+  </p:timing>
 </p:sld>
 </file>
 
@@ -8528,10 +8549,6 @@
           </p:nvPr>
         </p:nvSpPr>
         <p:spPr>
-          <a:xfrm>
-            <a:off x="4737099" y="935846"/>
-            <a:ext cx="4140125" cy="5455810"/>
-          </a:xfrm>
           <a:solidFill>
             <a:srgbClr val="CCD1D9"/>
           </a:solidFill>
@@ -9281,6 +9298,13 @@
   <p:clrMapOvr>
     <a:masterClrMapping/>
   </p:clrMapOvr>
+  <p:timing>
+    <p:tnLst>
+      <p:par>
+        <p:cTn xmlns:p14="http://schemas.microsoft.com/office/powerpoint/2010/main" id="1" dur="indefinite" restart="never" nodeType="tmRoot"/>
+      </p:par>
+    </p:tnLst>
+  </p:timing>
 </p:sld>
 </file>
 
@@ -9457,6 +9481,13 @@
   <p:clrMapOvr>
     <a:masterClrMapping/>
   </p:clrMapOvr>
+  <p:timing>
+    <p:tnLst>
+      <p:par>
+        <p:cTn xmlns:p14="http://schemas.microsoft.com/office/powerpoint/2010/main" id="1" dur="indefinite" restart="never" nodeType="tmRoot"/>
+      </p:par>
+    </p:tnLst>
+  </p:timing>
 </p:sld>
 </file>
 
@@ -9699,6 +9730,13 @@
   <p:clrMapOvr>
     <a:masterClrMapping/>
   </p:clrMapOvr>
+  <p:timing>
+    <p:tnLst>
+      <p:par>
+        <p:cTn xmlns:p14="http://schemas.microsoft.com/office/powerpoint/2010/main" id="1" dur="indefinite" restart="never" nodeType="tmRoot"/>
+      </p:par>
+    </p:tnLst>
+  </p:timing>
 </p:sld>
 </file>
 

--- a/tutorial-06-migratability.pptx
+++ b/tutorial-06-migratability.pptx
@@ -7042,7 +7042,7 @@
 </file>
 
 <file path=ppt/slides/slide2.xml><?xml version="1.0" encoding="utf-8"?>
-<p:sld xmlns:a="http://schemas.openxmlformats.org/drawingml/2006/main" xmlns:r="http://schemas.openxmlformats.org/officeDocument/2006/relationships" xmlns:p="http://schemas.openxmlformats.org/presentationml/2006/main">
+<p:sld xmlns:a="http://schemas.openxmlformats.org/drawingml/2006/main" xmlns:r="http://schemas.openxmlformats.org/officeDocument/2006/relationships" xmlns:p="http://schemas.openxmlformats.org/presentationml/2006/main" show="0">
   <p:cSld>
     <p:spTree>
       <p:nvGrpSpPr>
@@ -7153,17 +7153,18 @@
           <a:p>
             <a:pPr algn="ctr"/>
             <a:r>
-              <a:rPr lang="en-US" sz="3600" dirty="0"/>
+              <a:rPr lang="en-US" sz="3600" dirty="0" smtClean="0"/>
               <a:t>Object Serialization Using PUP: The Pack/</a:t>
             </a:r>
             <a:r>
-              <a:rPr lang="en-US" sz="3600" dirty="0" err="1"/>
+              <a:rPr lang="en-US" sz="3600" dirty="0" err="1" smtClean="0"/>
               <a:t>UnPack</a:t>
             </a:r>
             <a:r>
-              <a:rPr lang="en-US" sz="3600" dirty="0"/>
+              <a:rPr lang="en-US" sz="3600" dirty="0" smtClean="0"/>
               <a:t> Framework</a:t>
             </a:r>
+            <a:endParaRPr lang="en-US" sz="3600" dirty="0"/>
           </a:p>
         </p:txBody>
       </p:sp>
@@ -7177,6 +7178,14 @@
   <p:clrMapOvr>
     <a:masterClrMapping/>
   </p:clrMapOvr>
+  <mc:AlternateContent xmlns:mc="http://schemas.openxmlformats.org/markup-compatibility/2006">
+    <mc:Choice xmlns:p14="http://schemas.microsoft.com/office/powerpoint/2010/main" Requires="p14">
+      <p:transition spd="slow" p14:dur="2000"/>
+    </mc:Choice>
+    <mc:Fallback>
+      <p:transition xmlns:p14="http://schemas.microsoft.com/office/powerpoint/2010/main" spd="slow"/>
+    </mc:Fallback>
+  </mc:AlternateContent>
   <p:timing>
     <p:tnLst>
       <p:par>

--- a/tutorial-06-migratability.pptx
+++ b/tutorial-06-migratability.pptx
@@ -7153,18 +7153,17 @@
           <a:p>
             <a:pPr algn="ctr"/>
             <a:r>
-              <a:rPr lang="en-US" sz="3600" dirty="0" smtClean="0"/>
+              <a:rPr lang="en-US" sz="3600" dirty="0"/>
               <a:t>Object Serialization Using PUP: The Pack/</a:t>
             </a:r>
             <a:r>
-              <a:rPr lang="en-US" sz="3600" dirty="0" err="1" smtClean="0"/>
+              <a:rPr lang="en-US" sz="3600" dirty="0" err="1"/>
               <a:t>UnPack</a:t>
             </a:r>
             <a:r>
-              <a:rPr lang="en-US" sz="3600" dirty="0" smtClean="0"/>
+              <a:rPr lang="en-US" sz="3600" dirty="0"/>
               <a:t> Framework</a:t>
             </a:r>
-            <a:endParaRPr lang="en-US" sz="3600" dirty="0"/>
           </a:p>
         </p:txBody>
       </p:sp>
@@ -7416,7 +7415,7 @@
           </a:xfrm>
         </p:spPr>
         <p:txBody>
-          <a:bodyPr/>
+          <a:bodyPr anchor="t" anchorCtr="0"/>
           <a:lstStyle/>
           <a:p>
             <a:r>
@@ -7427,17 +7426,17 @@
           <a:p>
             <a:pPr lvl="1"/>
             <a:r>
-              <a:rPr lang="en-US" dirty="0" err="1" smtClean="0"/>
+              <a:rPr lang="en-US" dirty="0" smtClean="0"/>
               <a:t>ckAboutToMigrate</a:t>
             </a:r>
+          </a:p>
+          <a:p>
+            <a:pPr lvl="1"/>
             <a:r>
               <a:rPr lang="en-US" dirty="0" smtClean="0"/>
-              <a:t> </a:t>
-            </a:r>
-            <a:r>
-              <a:rPr lang="en-US" dirty="0"/>
-              <a:t>I Sizing</a:t>
-            </a:r>
+              <a:t>Sizing</a:t>
+            </a:r>
+            <a:endParaRPr lang="en-US" dirty="0"/>
           </a:p>
           <a:p>
             <a:pPr lvl="1"/>
@@ -7474,7 +7473,7 @@
           </a:xfrm>
         </p:spPr>
         <p:txBody>
-          <a:bodyPr/>
+          <a:bodyPr anchor="t" anchorCtr="0"/>
           <a:lstStyle/>
           <a:p>
             <a:r>
@@ -7497,7 +7496,7 @@
           <a:p>
             <a:pPr lvl="1"/>
             <a:r>
-              <a:rPr lang="en-US" dirty="0" err="1" smtClean="0"/>
+              <a:rPr lang="en-US" dirty="0" smtClean="0"/>
               <a:t>UnPacking</a:t>
             </a:r>
             <a:endParaRPr lang="en-US" dirty="0"/>
@@ -7887,32 +7886,46 @@
               <a:t>    </a:t>
             </a:r>
             <a:r>
-              <a:rPr lang="en-US" sz="1600" b="1" dirty="0" smtClean="0">
+              <a:rPr lang="en-US" sz="2100" b="1" dirty="0" smtClean="0">
                 <a:latin typeface="Consolas"/>
                 <a:cs typeface="Consolas"/>
               </a:rPr>
               <a:t>float</a:t>
             </a:r>
             <a:r>
-              <a:rPr lang="en-US" sz="1600" dirty="0" smtClean="0">
+              <a:rPr lang="en-US" sz="1700" dirty="0" smtClean="0">
                 <a:latin typeface="Consolas"/>
                 <a:cs typeface="Consolas"/>
               </a:rPr>
               <a:t> </a:t>
             </a:r>
             <a:r>
-              <a:rPr lang="en-US" sz="1600" dirty="0" err="1">
+              <a:rPr lang="en-US" sz="1700" dirty="0" err="1">
                 <a:latin typeface="Consolas"/>
                 <a:cs typeface="Consolas"/>
               </a:rPr>
               <a:t>localArray</a:t>
             </a:r>
             <a:r>
-              <a:rPr lang="en-US" sz="1600" dirty="0">
-                <a:latin typeface="Consolas"/>
-                <a:cs typeface="Consolas"/>
-              </a:rPr>
-              <a:t>[LOCAL SIZE];</a:t>
+              <a:rPr lang="en-US" sz="1700" dirty="0">
+                <a:latin typeface="Consolas"/>
+                <a:cs typeface="Consolas"/>
+              </a:rPr>
+              <a:t>[</a:t>
+            </a:r>
+            <a:r>
+              <a:rPr lang="en-US" sz="1700" dirty="0" smtClean="0">
+                <a:latin typeface="Consolas"/>
+                <a:cs typeface="Consolas"/>
+              </a:rPr>
+              <a:t>LOCAL_SIZE</a:t>
+            </a:r>
+            <a:r>
+              <a:rPr lang="en-US" sz="1700" dirty="0">
+                <a:latin typeface="Consolas"/>
+                <a:cs typeface="Consolas"/>
+              </a:rPr>
+              <a:t>];</a:t>
             </a:r>
           </a:p>
           <a:p>
@@ -8111,32 +8124,46 @@
               <a:t>   </a:t>
             </a:r>
             <a:r>
-              <a:rPr lang="en-US" sz="1800" dirty="0" smtClean="0">
+              <a:rPr lang="en-US" sz="2100" dirty="0" smtClean="0">
                 <a:latin typeface="Consolas"/>
                 <a:cs typeface="Consolas"/>
               </a:rPr>
               <a:t>p</a:t>
             </a:r>
             <a:r>
-              <a:rPr lang="en-US" sz="1800" dirty="0">
+              <a:rPr lang="en-US" sz="2100" dirty="0">
                 <a:latin typeface="Consolas"/>
                 <a:cs typeface="Consolas"/>
               </a:rPr>
               <a:t>(</a:t>
             </a:r>
             <a:r>
-              <a:rPr lang="en-US" sz="1800" dirty="0" err="1">
+              <a:rPr lang="en-US" sz="2100" dirty="0" err="1">
                 <a:latin typeface="Consolas"/>
                 <a:cs typeface="Consolas"/>
               </a:rPr>
               <a:t>localArray</a:t>
             </a:r>
             <a:r>
-              <a:rPr lang="en-US" sz="1800" dirty="0">
-                <a:latin typeface="Consolas"/>
-                <a:cs typeface="Consolas"/>
-              </a:rPr>
-              <a:t>, LOCAL SIZE);</a:t>
+              <a:rPr lang="en-US" sz="2100" dirty="0">
+                <a:latin typeface="Consolas"/>
+                <a:cs typeface="Consolas"/>
+              </a:rPr>
+              <a:t>, </a:t>
+            </a:r>
+            <a:r>
+              <a:rPr lang="en-US" sz="2100" dirty="0" smtClean="0">
+                <a:latin typeface="Consolas"/>
+                <a:cs typeface="Consolas"/>
+              </a:rPr>
+              <a:t>LOCAL_SIZE</a:t>
+            </a:r>
+            <a:r>
+              <a:rPr lang="en-US" sz="2100" dirty="0">
+                <a:latin typeface="Consolas"/>
+                <a:cs typeface="Consolas"/>
+              </a:rPr>
+              <a:t>);</a:t>
             </a:r>
           </a:p>
           <a:p>
@@ -8374,7 +8401,7 @@
                 <a:latin typeface="Consolas"/>
                 <a:cs typeface="Consolas"/>
               </a:rPr>
-              <a:t>CBase</a:t>
+              <a:t>CBase_MyChare</a:t>
             </a:r>
             <a:r>
               <a:rPr lang="en-US" dirty="0" smtClean="0">
@@ -8384,18 +8411,11 @@
               <a:t> </a:t>
             </a:r>
             <a:r>
-              <a:rPr lang="en-US" dirty="0" err="1">
-                <a:latin typeface="Consolas"/>
-                <a:cs typeface="Consolas"/>
-              </a:rPr>
-              <a:t>MyChare</a:t>
-            </a:r>
-            <a:r>
               <a:rPr lang="en-US" dirty="0">
                 <a:latin typeface="Consolas"/>
                 <a:cs typeface="Consolas"/>
               </a:rPr>
-              <a:t> {</a:t>
+              <a:t>{</a:t>
             </a:r>
           </a:p>
           <a:p>
@@ -8632,28 +8652,14 @@
                 <a:latin typeface="Consolas"/>
                 <a:cs typeface="Consolas"/>
               </a:rPr>
-              <a:t>  </a:t>
+              <a:t> </a:t>
             </a:r>
             <a:r>
               <a:rPr lang="en-US" dirty="0" err="1" smtClean="0">
                 <a:latin typeface="Consolas"/>
                 <a:cs typeface="Consolas"/>
               </a:rPr>
-              <a:t>CBase</a:t>
-            </a:r>
-            <a:r>
-              <a:rPr lang="en-US" dirty="0" smtClean="0">
-                <a:latin typeface="Consolas"/>
-                <a:cs typeface="Consolas"/>
-              </a:rPr>
-              <a:t> </a:t>
-            </a:r>
-            <a:r>
-              <a:rPr lang="en-US" dirty="0" err="1">
-                <a:latin typeface="Consolas"/>
-                <a:cs typeface="Consolas"/>
-              </a:rPr>
-              <a:t>MyChare</a:t>
+              <a:t>CBase_MyChare</a:t>
             </a:r>
             <a:r>
               <a:rPr lang="en-US" dirty="0">
@@ -8683,7 +8689,7 @@
                 <a:latin typeface="Consolas"/>
                 <a:cs typeface="Consolas"/>
               </a:rPr>
-              <a:t>  p </a:t>
+              <a:t> p </a:t>
             </a:r>
             <a:r>
               <a:rPr lang="en-US" dirty="0">
@@ -8716,7 +8722,7 @@
                 <a:latin typeface="Consolas"/>
                 <a:cs typeface="Consolas"/>
               </a:rPr>
-              <a:t>   </a:t>
+              <a:t>  </a:t>
             </a:r>
             <a:r>
               <a:rPr lang="en-US" b="1" dirty="0" smtClean="0">
@@ -8763,7 +8769,7 @@
                 <a:latin typeface="Consolas"/>
                 <a:cs typeface="Consolas"/>
               </a:rPr>
-              <a:t>      </a:t>
+              <a:t>    </a:t>
             </a:r>
             <a:r>
               <a:rPr lang="en-US" dirty="0" err="1" smtClean="0">
@@ -8787,32 +8793,121 @@
               <a:t>= </a:t>
             </a:r>
             <a:r>
-              <a:rPr lang="en-US" b="1" dirty="0">
+              <a:rPr lang="en-US" b="1" dirty="0" smtClean="0">
                 <a:latin typeface="Consolas"/>
                 <a:cs typeface="Consolas"/>
               </a:rPr>
               <a:t>new</a:t>
             </a:r>
             <a:r>
+              <a:rPr lang="en-US" dirty="0" smtClean="0">
+                <a:latin typeface="Consolas"/>
+                <a:cs typeface="Consolas"/>
+              </a:rPr>
+              <a:t> </a:t>
+            </a:r>
+            <a:r>
+              <a:rPr lang="en-US" b="1" dirty="0" smtClean="0">
+                <a:latin typeface="Consolas"/>
+                <a:cs typeface="Consolas"/>
+              </a:rPr>
+              <a:t>float</a:t>
+            </a:r>
+            <a:r>
+              <a:rPr lang="en-US" dirty="0" smtClean="0">
+                <a:latin typeface="Consolas"/>
+                <a:cs typeface="Consolas"/>
+              </a:rPr>
+              <a:t>[ </a:t>
+            </a:r>
+          </a:p>
+          <a:p>
+            <a:pPr marL="0" indent="0">
+              <a:buNone/>
+            </a:pPr>
+            <a:r>
+              <a:rPr lang="en-US" dirty="0" smtClean="0">
+                <a:latin typeface="Consolas"/>
+                <a:cs typeface="Consolas"/>
+              </a:rPr>
+              <a:t>        </a:t>
+            </a:r>
+            <a:r>
+              <a:rPr lang="en-US" dirty="0" err="1" smtClean="0">
+                <a:latin typeface="Consolas"/>
+                <a:cs typeface="Consolas"/>
+              </a:rPr>
+              <a:t>heapArraySize</a:t>
+            </a:r>
+            <a:r>
+              <a:rPr lang="en-US" dirty="0" smtClean="0">
+                <a:latin typeface="Consolas"/>
+                <a:cs typeface="Consolas"/>
+              </a:rPr>
+              <a:t>];</a:t>
+            </a:r>
+          </a:p>
+          <a:p>
+            <a:pPr marL="0" indent="0">
+              <a:buNone/>
+            </a:pPr>
+            <a:r>
+              <a:rPr lang="en-US" dirty="0" smtClean="0">
+                <a:latin typeface="Consolas"/>
+                <a:cs typeface="Consolas"/>
+              </a:rPr>
+              <a:t>  }</a:t>
+            </a:r>
+            <a:endParaRPr lang="en-US" dirty="0">
+              <a:latin typeface="Consolas"/>
+              <a:cs typeface="Consolas"/>
+            </a:endParaRPr>
+          </a:p>
+          <a:p>
+            <a:pPr marL="0" indent="0">
+              <a:buNone/>
+            </a:pPr>
+            <a:r>
+              <a:rPr lang="en-US" dirty="0" smtClean="0">
+                <a:latin typeface="Consolas"/>
+                <a:cs typeface="Consolas"/>
+              </a:rPr>
+              <a:t>  p</a:t>
+            </a:r>
+            <a:r>
               <a:rPr lang="en-US" dirty="0">
                 <a:latin typeface="Consolas"/>
                 <a:cs typeface="Consolas"/>
               </a:rPr>
-              <a:t> </a:t>
-            </a:r>
-            <a:r>
-              <a:rPr lang="en-US" b="1" dirty="0">
-                <a:latin typeface="Consolas"/>
-                <a:cs typeface="Consolas"/>
-              </a:rPr>
-              <a:t>float</a:t>
+              <a:t>(</a:t>
+            </a:r>
+            <a:r>
+              <a:rPr lang="en-US" dirty="0" err="1">
+                <a:latin typeface="Consolas"/>
+                <a:cs typeface="Consolas"/>
+              </a:rPr>
+              <a:t>heapArray</a:t>
             </a:r>
             <a:r>
               <a:rPr lang="en-US" dirty="0">
                 <a:latin typeface="Consolas"/>
                 <a:cs typeface="Consolas"/>
               </a:rPr>
-              <a:t>[ </a:t>
+              <a:t>, </a:t>
+            </a:r>
+            <a:r>
+              <a:rPr lang="en-US" dirty="0" err="1">
+                <a:latin typeface="Consolas"/>
+                <a:cs typeface="Consolas"/>
+              </a:rPr>
+              <a:t>heapArraySize</a:t>
+            </a:r>
+            <a:r>
+              <a:rPr lang="en-US" dirty="0">
+                <a:latin typeface="Consolas"/>
+                <a:cs typeface="Consolas"/>
+              </a:rPr>
+              <a:t>); </a:t>
             </a:r>
             <a:endParaRPr lang="en-US" dirty="0" smtClean="0">
               <a:latin typeface="Consolas"/>
@@ -8824,32 +8919,227 @@
               <a:buNone/>
             </a:pPr>
             <a:r>
+              <a:rPr lang="en-US" dirty="0" smtClean="0">
+                <a:latin typeface="Consolas"/>
+                <a:cs typeface="Consolas"/>
+              </a:rPr>
+              <a:t>  </a:t>
+            </a:r>
+            <a:r>
+              <a:rPr lang="en-US" b="1" dirty="0" err="1" smtClean="0">
+                <a:latin typeface="Consolas"/>
+                <a:cs typeface="Consolas"/>
+              </a:rPr>
+              <a:t>bool</a:t>
+            </a:r>
+            <a:r>
+              <a:rPr lang="en-US" dirty="0" smtClean="0">
+                <a:latin typeface="Consolas"/>
+                <a:cs typeface="Consolas"/>
+              </a:rPr>
+              <a:t> </a:t>
+            </a:r>
+            <a:r>
+              <a:rPr lang="en-US" dirty="0" err="1">
+                <a:latin typeface="Consolas"/>
+                <a:cs typeface="Consolas"/>
+              </a:rPr>
+              <a:t>isNull</a:t>
+            </a:r>
+            <a:r>
               <a:rPr lang="en-US" dirty="0">
                 <a:latin typeface="Consolas"/>
                 <a:cs typeface="Consolas"/>
               </a:rPr>
+              <a:t> = !pointer;</a:t>
+            </a:r>
+          </a:p>
+          <a:p>
+            <a:pPr marL="0" indent="0">
+              <a:buNone/>
+            </a:pPr>
+            <a:r>
+              <a:rPr lang="en-US" dirty="0" smtClean="0">
+                <a:latin typeface="Consolas"/>
+                <a:cs typeface="Consolas"/>
+              </a:rPr>
+              <a:t>  p </a:t>
+            </a:r>
+            <a:r>
+              <a:rPr lang="en-US" dirty="0">
+                <a:latin typeface="Consolas"/>
+                <a:cs typeface="Consolas"/>
+              </a:rPr>
+              <a:t>| </a:t>
+            </a:r>
+            <a:r>
+              <a:rPr lang="en-US" dirty="0" err="1">
+                <a:latin typeface="Consolas"/>
+                <a:cs typeface="Consolas"/>
+              </a:rPr>
+              <a:t>isNull</a:t>
+            </a:r>
+            <a:r>
+              <a:rPr lang="en-US" dirty="0">
+                <a:latin typeface="Consolas"/>
+                <a:cs typeface="Consolas"/>
+              </a:rPr>
+              <a:t>;</a:t>
+            </a:r>
+          </a:p>
+          <a:p>
+            <a:pPr marL="0" indent="0">
+              <a:buNone/>
+            </a:pPr>
+            <a:r>
+              <a:rPr lang="en-US" dirty="0" smtClean="0">
+                <a:latin typeface="Consolas"/>
+                <a:cs typeface="Consolas"/>
+              </a:rPr>
+              <a:t>  </a:t>
+            </a:r>
+            <a:r>
+              <a:rPr lang="en-US" b="1" dirty="0" smtClean="0">
+                <a:latin typeface="Consolas"/>
+                <a:cs typeface="Consolas"/>
+              </a:rPr>
+              <a:t>if</a:t>
+            </a:r>
+            <a:r>
+              <a:rPr lang="en-US" dirty="0" smtClean="0">
+                <a:latin typeface="Consolas"/>
+                <a:cs typeface="Consolas"/>
+              </a:rPr>
               <a:t> </a:t>
             </a:r>
             <a:r>
+              <a:rPr lang="en-US" dirty="0">
+                <a:latin typeface="Consolas"/>
+                <a:cs typeface="Consolas"/>
+              </a:rPr>
+              <a:t>(!</a:t>
+            </a:r>
+            <a:r>
+              <a:rPr lang="en-US" dirty="0" err="1">
+                <a:latin typeface="Consolas"/>
+                <a:cs typeface="Consolas"/>
+              </a:rPr>
+              <a:t>isNull</a:t>
+            </a:r>
+            <a:r>
+              <a:rPr lang="en-US" dirty="0">
+                <a:latin typeface="Consolas"/>
+                <a:cs typeface="Consolas"/>
+              </a:rPr>
+              <a:t>) </a:t>
+            </a:r>
+            <a:r>
               <a:rPr lang="en-US" dirty="0" smtClean="0">
                 <a:latin typeface="Consolas"/>
                 <a:cs typeface="Consolas"/>
               </a:rPr>
-              <a:t>           </a:t>
-            </a:r>
-            <a:r>
-              <a:rPr lang="en-US" dirty="0" err="1" smtClean="0">
-                <a:latin typeface="Consolas"/>
-                <a:cs typeface="Consolas"/>
-              </a:rPr>
-              <a:t>heapArraySize</a:t>
+              <a:t>{</a:t>
+            </a:r>
+          </a:p>
+          <a:p>
+            <a:pPr marL="0" indent="0">
+              <a:buNone/>
+            </a:pPr>
+            <a:r>
+              <a:rPr lang="en-US" dirty="0" smtClean="0">
+                <a:latin typeface="Consolas"/>
+                <a:cs typeface="Consolas"/>
+              </a:rPr>
+              <a:t>    </a:t>
+            </a:r>
+            <a:r>
+              <a:rPr lang="en-US" sz="2600" b="1" dirty="0" smtClean="0">
+                <a:latin typeface="Consolas"/>
+                <a:cs typeface="Consolas"/>
+              </a:rPr>
+              <a:t>if</a:t>
+            </a:r>
+            <a:r>
+              <a:rPr lang="en-US" sz="2600" dirty="0" smtClean="0">
+                <a:latin typeface="Consolas"/>
+                <a:cs typeface="Consolas"/>
+              </a:rPr>
+              <a:t>(</a:t>
+            </a:r>
+            <a:r>
+              <a:rPr lang="en-US" sz="2600" dirty="0" err="1" smtClean="0">
+                <a:latin typeface="Consolas"/>
+                <a:cs typeface="Consolas"/>
+              </a:rPr>
+              <a:t>p.isUnpacking</a:t>
+            </a:r>
+            <a:r>
+              <a:rPr lang="en-US" sz="2600" dirty="0" smtClean="0">
+                <a:latin typeface="Consolas"/>
+                <a:cs typeface="Consolas"/>
+              </a:rPr>
+              <a:t>()) pointer =</a:t>
+            </a:r>
+          </a:p>
+          <a:p>
+            <a:pPr marL="0" indent="0">
+              <a:buNone/>
+            </a:pPr>
+            <a:r>
+              <a:rPr lang="en-US" dirty="0" smtClean="0">
+                <a:latin typeface="Consolas"/>
+                <a:cs typeface="Consolas"/>
+              </a:rPr>
+              <a:t>    </a:t>
             </a:r>
             <a:r>
               <a:rPr lang="en-US" dirty="0">
                 <a:latin typeface="Consolas"/>
                 <a:cs typeface="Consolas"/>
               </a:rPr>
-              <a:t>];</a:t>
+              <a:t> </a:t>
+            </a:r>
+            <a:r>
+              <a:rPr lang="en-US" dirty="0" smtClean="0">
+                <a:latin typeface="Consolas"/>
+                <a:cs typeface="Consolas"/>
+              </a:rPr>
+              <a:t> </a:t>
+            </a:r>
+            <a:r>
+              <a:rPr lang="en-US" b="1" dirty="0" smtClean="0">
+                <a:latin typeface="Consolas"/>
+                <a:cs typeface="Consolas"/>
+              </a:rPr>
+              <a:t>new</a:t>
+            </a:r>
+            <a:r>
+              <a:rPr lang="en-US" dirty="0" smtClean="0">
+                <a:latin typeface="Consolas"/>
+                <a:cs typeface="Consolas"/>
+              </a:rPr>
+              <a:t> </a:t>
+            </a:r>
+            <a:r>
+              <a:rPr lang="en-US" dirty="0" err="1">
+                <a:latin typeface="Consolas"/>
+                <a:cs typeface="Consolas"/>
+              </a:rPr>
+              <a:t>MyClass</a:t>
+            </a:r>
+            <a:r>
+              <a:rPr lang="en-US" dirty="0">
+                <a:latin typeface="Consolas"/>
+                <a:cs typeface="Consolas"/>
+              </a:rPr>
+              <a:t>()</a:t>
+            </a:r>
+            <a:r>
+              <a:rPr lang="en-US" dirty="0" smtClean="0">
+                <a:latin typeface="Consolas"/>
+                <a:cs typeface="Consolas"/>
+              </a:rPr>
+              <a:t>;</a:t>
             </a:r>
           </a:p>
           <a:p>
@@ -8861,12 +9151,8 @@
                 <a:latin typeface="Consolas"/>
                 <a:cs typeface="Consolas"/>
               </a:rPr>
-              <a:t>   }</a:t>
-            </a:r>
-            <a:endParaRPr lang="en-US" dirty="0">
-              <a:latin typeface="Consolas"/>
-              <a:cs typeface="Consolas"/>
-            </a:endParaRPr>
+              <a:t>    p | ∗pointer; </a:t>
+            </a:r>
           </a:p>
           <a:p>
             <a:pPr marL="0" indent="0">
@@ -8877,335 +9163,19 @@
                 <a:latin typeface="Consolas"/>
                 <a:cs typeface="Consolas"/>
               </a:rPr>
-              <a:t>   p</a:t>
-            </a:r>
-            <a:r>
-              <a:rPr lang="en-US" dirty="0">
-                <a:latin typeface="Consolas"/>
-                <a:cs typeface="Consolas"/>
-              </a:rPr>
-              <a:t>(</a:t>
-            </a:r>
-            <a:r>
-              <a:rPr lang="en-US" dirty="0" err="1">
-                <a:latin typeface="Consolas"/>
-                <a:cs typeface="Consolas"/>
-              </a:rPr>
-              <a:t>heapArray</a:t>
-            </a:r>
-            <a:r>
-              <a:rPr lang="en-US" dirty="0">
-                <a:latin typeface="Consolas"/>
-                <a:cs typeface="Consolas"/>
-              </a:rPr>
-              <a:t>, </a:t>
-            </a:r>
-            <a:r>
-              <a:rPr lang="en-US" dirty="0" err="1">
-                <a:latin typeface="Consolas"/>
-                <a:cs typeface="Consolas"/>
-              </a:rPr>
-              <a:t>heapArraySize</a:t>
-            </a:r>
-            <a:r>
-              <a:rPr lang="en-US" dirty="0">
-                <a:latin typeface="Consolas"/>
-                <a:cs typeface="Consolas"/>
-              </a:rPr>
-              <a:t>); </a:t>
-            </a:r>
-            <a:endParaRPr lang="en-US" dirty="0" smtClean="0">
-              <a:latin typeface="Consolas"/>
-              <a:cs typeface="Consolas"/>
-            </a:endParaRPr>
+              <a:t>    }</a:t>
+            </a:r>
           </a:p>
           <a:p>
             <a:pPr marL="0" indent="0">
               <a:buNone/>
             </a:pPr>
             <a:r>
-              <a:rPr lang="en-US" dirty="0">
-                <a:latin typeface="Consolas"/>
-                <a:cs typeface="Consolas"/>
-              </a:rPr>
-              <a:t> </a:t>
-            </a:r>
-            <a:r>
               <a:rPr lang="en-US" dirty="0" smtClean="0">
                 <a:latin typeface="Consolas"/>
                 <a:cs typeface="Consolas"/>
               </a:rPr>
-              <a:t>  </a:t>
-            </a:r>
-            <a:r>
-              <a:rPr lang="en-US" b="1" dirty="0" err="1" smtClean="0">
-                <a:latin typeface="Consolas"/>
-                <a:cs typeface="Consolas"/>
-              </a:rPr>
-              <a:t>bool</a:t>
-            </a:r>
-            <a:r>
-              <a:rPr lang="en-US" dirty="0" smtClean="0">
-                <a:latin typeface="Consolas"/>
-                <a:cs typeface="Consolas"/>
-              </a:rPr>
-              <a:t> </a:t>
-            </a:r>
-            <a:r>
-              <a:rPr lang="en-US" dirty="0" err="1">
-                <a:latin typeface="Consolas"/>
-                <a:cs typeface="Consolas"/>
-              </a:rPr>
-              <a:t>isNull</a:t>
-            </a:r>
-            <a:r>
-              <a:rPr lang="en-US" dirty="0">
-                <a:latin typeface="Consolas"/>
-                <a:cs typeface="Consolas"/>
-              </a:rPr>
-              <a:t> = !pointer;</a:t>
-            </a:r>
-          </a:p>
-          <a:p>
-            <a:pPr marL="0" indent="0">
-              <a:buNone/>
-            </a:pPr>
-            <a:r>
-              <a:rPr lang="en-US" dirty="0" smtClean="0">
-                <a:latin typeface="Consolas"/>
-                <a:cs typeface="Consolas"/>
-              </a:rPr>
-              <a:t>   p </a:t>
-            </a:r>
-            <a:r>
-              <a:rPr lang="en-US" dirty="0">
-                <a:latin typeface="Consolas"/>
-                <a:cs typeface="Consolas"/>
-              </a:rPr>
-              <a:t>| </a:t>
-            </a:r>
-            <a:r>
-              <a:rPr lang="en-US" dirty="0" err="1">
-                <a:latin typeface="Consolas"/>
-                <a:cs typeface="Consolas"/>
-              </a:rPr>
-              <a:t>isNull</a:t>
-            </a:r>
-            <a:r>
-              <a:rPr lang="en-US" dirty="0">
-                <a:latin typeface="Consolas"/>
-                <a:cs typeface="Consolas"/>
-              </a:rPr>
-              <a:t>;</a:t>
-            </a:r>
-          </a:p>
-          <a:p>
-            <a:pPr marL="0" indent="0">
-              <a:buNone/>
-            </a:pPr>
-            <a:r>
-              <a:rPr lang="en-US" dirty="0" smtClean="0">
-                <a:latin typeface="Consolas"/>
-                <a:cs typeface="Consolas"/>
-              </a:rPr>
-              <a:t>   </a:t>
-            </a:r>
-            <a:r>
-              <a:rPr lang="en-US" b="1" dirty="0" smtClean="0">
-                <a:latin typeface="Consolas"/>
-                <a:cs typeface="Consolas"/>
-              </a:rPr>
-              <a:t>if</a:t>
-            </a:r>
-            <a:r>
-              <a:rPr lang="en-US" dirty="0" smtClean="0">
-                <a:latin typeface="Consolas"/>
-                <a:cs typeface="Consolas"/>
-              </a:rPr>
-              <a:t> </a:t>
-            </a:r>
-            <a:r>
-              <a:rPr lang="en-US" dirty="0">
-                <a:latin typeface="Consolas"/>
-                <a:cs typeface="Consolas"/>
-              </a:rPr>
-              <a:t>(!</a:t>
-            </a:r>
-            <a:r>
-              <a:rPr lang="en-US" dirty="0" err="1">
-                <a:latin typeface="Consolas"/>
-                <a:cs typeface="Consolas"/>
-              </a:rPr>
-              <a:t>isNull</a:t>
-            </a:r>
-            <a:r>
-              <a:rPr lang="en-US" dirty="0">
-                <a:latin typeface="Consolas"/>
-                <a:cs typeface="Consolas"/>
-              </a:rPr>
-              <a:t>) {</a:t>
-            </a:r>
-          </a:p>
-          <a:p>
-            <a:pPr marL="0" indent="0">
-              <a:buNone/>
-            </a:pPr>
-            <a:r>
-              <a:rPr lang="en-US" dirty="0" smtClean="0">
-                <a:latin typeface="Consolas"/>
-                <a:cs typeface="Consolas"/>
-              </a:rPr>
-              <a:t>      </a:t>
-            </a:r>
-            <a:r>
-              <a:rPr lang="en-US" sz="2200" b="1" dirty="0" smtClean="0">
-                <a:latin typeface="Consolas"/>
-                <a:cs typeface="Consolas"/>
-              </a:rPr>
-              <a:t>if</a:t>
-            </a:r>
-            <a:r>
-              <a:rPr lang="en-US" sz="2200" dirty="0" smtClean="0">
-                <a:latin typeface="Consolas"/>
-                <a:cs typeface="Consolas"/>
-              </a:rPr>
-              <a:t> </a:t>
-            </a:r>
-            <a:r>
-              <a:rPr lang="en-US" sz="2200" dirty="0">
-                <a:latin typeface="Consolas"/>
-                <a:cs typeface="Consolas"/>
-              </a:rPr>
-              <a:t>(</a:t>
-            </a:r>
-            <a:r>
-              <a:rPr lang="en-US" sz="2200" dirty="0" err="1">
-                <a:latin typeface="Consolas"/>
-                <a:cs typeface="Consolas"/>
-              </a:rPr>
-              <a:t>p.isUnpacking</a:t>
-            </a:r>
-            <a:r>
-              <a:rPr lang="en-US" sz="2200" dirty="0">
-                <a:latin typeface="Consolas"/>
-                <a:cs typeface="Consolas"/>
-              </a:rPr>
-              <a:t>()) pointer </a:t>
-            </a:r>
-            <a:r>
-              <a:rPr lang="en-US" sz="2200" dirty="0" smtClean="0">
-                <a:latin typeface="Consolas"/>
-                <a:cs typeface="Consolas"/>
-              </a:rPr>
-              <a:t>=</a:t>
-            </a:r>
-          </a:p>
-          <a:p>
-            <a:pPr marL="0" indent="0">
-              <a:buNone/>
-            </a:pPr>
-            <a:r>
-              <a:rPr lang="en-US" dirty="0">
-                <a:latin typeface="Consolas"/>
-                <a:cs typeface="Consolas"/>
-              </a:rPr>
-              <a:t> </a:t>
-            </a:r>
-            <a:r>
-              <a:rPr lang="en-US" dirty="0" smtClean="0">
-                <a:latin typeface="Consolas"/>
-                <a:cs typeface="Consolas"/>
-              </a:rPr>
-              <a:t>           </a:t>
-            </a:r>
-            <a:r>
-              <a:rPr lang="en-US" b="1" dirty="0" smtClean="0">
-                <a:latin typeface="Consolas"/>
-                <a:cs typeface="Consolas"/>
-              </a:rPr>
-              <a:t>new</a:t>
-            </a:r>
-            <a:r>
-              <a:rPr lang="en-US" dirty="0" smtClean="0">
-                <a:latin typeface="Consolas"/>
-                <a:cs typeface="Consolas"/>
-              </a:rPr>
-              <a:t> </a:t>
-            </a:r>
-            <a:r>
-              <a:rPr lang="en-US" dirty="0" err="1">
-                <a:latin typeface="Consolas"/>
-                <a:cs typeface="Consolas"/>
-              </a:rPr>
-              <a:t>MyClass</a:t>
-            </a:r>
-            <a:r>
-              <a:rPr lang="en-US" dirty="0">
-                <a:latin typeface="Consolas"/>
-                <a:cs typeface="Consolas"/>
-              </a:rPr>
-              <a:t>();</a:t>
-            </a:r>
-          </a:p>
-          <a:p>
-            <a:pPr marL="0" indent="0">
-              <a:buNone/>
-            </a:pPr>
-            <a:r>
-              <a:rPr lang="en-US" dirty="0">
-                <a:latin typeface="Consolas"/>
-                <a:cs typeface="Consolas"/>
-              </a:rPr>
-              <a:t> </a:t>
-            </a:r>
-            <a:r>
-              <a:rPr lang="en-US" dirty="0" smtClean="0">
-                <a:latin typeface="Consolas"/>
-                <a:cs typeface="Consolas"/>
-              </a:rPr>
-              <a:t>     p </a:t>
-            </a:r>
-            <a:r>
-              <a:rPr lang="en-US" dirty="0">
-                <a:latin typeface="Consolas"/>
-                <a:cs typeface="Consolas"/>
-              </a:rPr>
-              <a:t>| ∗pointer; </a:t>
-            </a:r>
-            <a:endParaRPr lang="en-US" dirty="0" smtClean="0">
-              <a:latin typeface="Consolas"/>
-              <a:cs typeface="Consolas"/>
-            </a:endParaRPr>
-          </a:p>
-          <a:p>
-            <a:pPr marL="0" indent="0">
-              <a:buNone/>
-            </a:pPr>
-            <a:r>
-              <a:rPr lang="en-US" dirty="0">
-                <a:latin typeface="Consolas"/>
-                <a:cs typeface="Consolas"/>
-              </a:rPr>
-              <a:t> </a:t>
-            </a:r>
-            <a:r>
-              <a:rPr lang="en-US" dirty="0" smtClean="0">
-                <a:latin typeface="Consolas"/>
-                <a:cs typeface="Consolas"/>
-              </a:rPr>
-              <a:t>     }</a:t>
-            </a:r>
-          </a:p>
-          <a:p>
-            <a:pPr marL="0" indent="0">
-              <a:buNone/>
-            </a:pPr>
-            <a:r>
-              <a:rPr lang="en-US" dirty="0" smtClean="0">
-                <a:latin typeface="Consolas"/>
-                <a:cs typeface="Consolas"/>
-              </a:rPr>
-              <a:t>   } </a:t>
+              <a:t>  } </a:t>
             </a:r>
           </a:p>
           <a:p>
@@ -10033,18 +10003,32 @@
               <a:t>(</a:t>
             </a:r>
             <a:r>
+              <a:rPr lang="en-US" dirty="0" err="1" smtClean="0">
+                <a:latin typeface="Consolas"/>
+                <a:cs typeface="Consolas"/>
+              </a:rPr>
+              <a:t>CkIndex</a:t>
+            </a:r>
+            <a:r>
               <a:rPr lang="en-US" dirty="0" err="1">
                 <a:latin typeface="Consolas"/>
                 <a:cs typeface="Consolas"/>
               </a:rPr>
-              <a:t>CkIndex</a:t>
+              <a:t>_</a:t>
+            </a:r>
+            <a:r>
+              <a:rPr lang="en-US" dirty="0" err="1" smtClean="0">
+                <a:latin typeface="Consolas"/>
+                <a:cs typeface="Consolas"/>
+              </a:rPr>
+              <a:t>Hello</a:t>
             </a:r>
             <a:r>
               <a:rPr lang="en-US" dirty="0">
                 <a:latin typeface="Consolas"/>
                 <a:cs typeface="Consolas"/>
               </a:rPr>
-              <a:t> Hello::</a:t>
+              <a:t>::</a:t>
             </a:r>
             <a:r>
               <a:rPr lang="en-US" dirty="0" err="1">
@@ -10089,11 +10073,11 @@
               <a:t>CkStartCheckpoint</a:t>
             </a:r>
             <a:r>
-              <a:rPr lang="en-US" dirty="0">
-                <a:latin typeface="Consolas"/>
-                <a:cs typeface="Consolas"/>
-              </a:rPr>
-              <a:t>(‘‘log’’,</a:t>
+              <a:rPr lang="en-US" dirty="0" smtClean="0">
+                <a:latin typeface="Consolas"/>
+                <a:cs typeface="Consolas"/>
+              </a:rPr>
+              <a:t>(“log”,</a:t>
             </a:r>
             <a:r>
               <a:rPr lang="en-US" dirty="0" err="1">

--- a/tutorial-06-migratability.pptx
+++ b/tutorial-06-migratability.pptx
@@ -6615,7 +6615,7 @@
             </a:r>
           </a:p>
           <a:p>
-            <a:pPr marL="681038" lvl="1" indent="-276225">
+            <a:pPr marL="955358" lvl="2" indent="-276225">
               <a:buClr>
                 <a:srgbClr val="0000FF"/>
               </a:buClr>
@@ -6624,12 +6624,12 @@
               <a:buChar char="•"/>
             </a:pPr>
             <a:r>
-              <a:rPr lang="en-US" dirty="0" smtClean="0"/>
+              <a:rPr lang="en-US" dirty="0"/>
               <a:t>Object Design</a:t>
             </a:r>
           </a:p>
           <a:p>
-            <a:pPr marL="681038" lvl="1" indent="-276225">
+            <a:pPr marL="955358" lvl="2" indent="-276225">
               <a:buClr>
                 <a:srgbClr val="0000FF"/>
               </a:buClr>
@@ -6638,7 +6638,7 @@
               <a:buChar char="•"/>
             </a:pPr>
             <a:r>
-              <a:rPr lang="en-US" dirty="0" smtClean="0"/>
+              <a:rPr lang="en-US" dirty="0"/>
               <a:t>Execution Model</a:t>
             </a:r>
           </a:p>
@@ -6653,7 +6653,11 @@
             </a:pPr>
             <a:r>
               <a:rPr lang="en-US" dirty="0" smtClean="0"/>
-              <a:t>Hello World</a:t>
+              <a:t>Hello </a:t>
+            </a:r>
+            <a:r>
+              <a:rPr lang="en-US" dirty="0" smtClean="0"/>
+              <a:t>World</a:t>
             </a:r>
           </a:p>
           <a:p>
@@ -6685,7 +6689,7 @@
             </a:r>
           </a:p>
           <a:p>
-            <a:pPr marL="681038" lvl="1" indent="-331788">
+            <a:pPr marL="954088" lvl="2" indent="-266700">
               <a:buClr>
                 <a:srgbClr val="0000FF"/>
               </a:buClr>
@@ -6694,7 +6698,7 @@
               <a:buChar char="•"/>
             </a:pPr>
             <a:r>
-              <a:rPr lang="en-US" dirty="0" smtClean="0"/>
+              <a:rPr lang="en-US" dirty="0"/>
               <a:t>Object Collections</a:t>
             </a:r>
           </a:p>
@@ -6729,7 +6733,7 @@
             <a:endParaRPr lang="en-US" dirty="0" smtClean="0"/>
           </a:p>
           <a:p>
-            <a:pPr marL="681038" lvl="1" indent="-385763">
+            <a:pPr marL="954088" lvl="2" indent="-266700">
               <a:buClr>
                 <a:srgbClr val="0000FF"/>
               </a:buClr>
@@ -6738,11 +6742,11 @@
               <a:buChar char="•"/>
             </a:pPr>
             <a:r>
-              <a:rPr lang="en-US" dirty="0" err="1" smtClean="0"/>
+              <a:rPr lang="en-US" dirty="0" err="1"/>
               <a:t>Checkpointing</a:t>
             </a:r>
             <a:r>
-              <a:rPr lang="en-US" dirty="0" smtClean="0"/>
+              <a:rPr lang="en-US" dirty="0"/>
               <a:t> and Resilience</a:t>
             </a:r>
           </a:p>
@@ -6757,7 +6761,11 @@
             </a:pPr>
             <a:r>
               <a:rPr lang="en-US" dirty="0" smtClean="0"/>
-              <a:t>Structured Dagger</a:t>
+              <a:t>Structured </a:t>
+            </a:r>
+            <a:r>
+              <a:rPr lang="en-US" dirty="0" smtClean="0"/>
+              <a:t>Dagger</a:t>
             </a:r>
           </a:p>
           <a:p>
@@ -6966,36 +6974,6 @@
                                           <p:spTgt spid="3">
                                             <p:txEl>
                                               <p:pRg st="8" end="8"/>
-                                            </p:txEl>
-                                          </p:spTgt>
-                                        </p:tgtEl>
-                                        <p:attrNameLst>
-                                          <p:attrName>style.fontWeight</p:attrName>
-                                        </p:attrNameLst>
-                                      </p:cBhvr>
-                                      <p:to>
-                                        <p:strVal val="bold"/>
-                                      </p:to>
-                                    </p:set>
-                                  </p:childTnLst>
-                                </p:cTn>
-                              </p:par>
-                              <p:par>
-                                <p:cTn id="7" presetID="15" presetClass="emph" presetSubtype="0" nodeType="withEffect">
-                                  <p:stCondLst>
-                                    <p:cond delay="0"/>
-                                  </p:stCondLst>
-                                  <p:iterate type="lt">
-                                    <p:tmAbs val="25"/>
-                                  </p:iterate>
-                                  <p:childTnLst>
-                                    <p:set>
-                                      <p:cBhvr override="childStyle">
-                                        <p:cTn id="8" dur="indefinite"/>
-                                        <p:tgtEl>
-                                          <p:spTgt spid="3">
-                                            <p:txEl>
-                                              <p:pRg st="9" end="9"/>
                                             </p:txEl>
                                           </p:spTgt>
                                         </p:tgtEl>
@@ -9712,9 +9690,384 @@
   <p:timing>
     <p:tnLst>
       <p:par>
-        <p:cTn xmlns:p14="http://schemas.microsoft.com/office/powerpoint/2010/main" id="1" dur="indefinite" restart="never" nodeType="tmRoot"/>
+        <p:cTn xmlns:p14="http://schemas.microsoft.com/office/powerpoint/2010/main" id="1" dur="indefinite" restart="never" nodeType="tmRoot">
+          <p:childTnLst>
+            <p:seq concurrent="1" nextAc="seek">
+              <p:cTn id="2" dur="indefinite" nodeType="mainSeq">
+                <p:childTnLst>
+                  <p:par>
+                    <p:cTn id="3" fill="hold">
+                      <p:stCondLst>
+                        <p:cond delay="indefinite"/>
+                        <p:cond evt="onBegin" delay="0">
+                          <p:tn val="2"/>
+                        </p:cond>
+                      </p:stCondLst>
+                      <p:childTnLst>
+                        <p:par>
+                          <p:cTn id="4" fill="hold">
+                            <p:stCondLst>
+                              <p:cond delay="0"/>
+                            </p:stCondLst>
+                            <p:childTnLst>
+                              <p:par>
+                                <p:cTn id="5" presetID="1" presetClass="entr" presetSubtype="0" fill="hold" grpId="0" nodeType="withEffect">
+                                  <p:stCondLst>
+                                    <p:cond delay="0"/>
+                                  </p:stCondLst>
+                                  <p:childTnLst>
+                                    <p:set>
+                                      <p:cBhvr>
+                                        <p:cTn id="6" dur="1" fill="hold">
+                                          <p:stCondLst>
+                                            <p:cond delay="0"/>
+                                          </p:stCondLst>
+                                        </p:cTn>
+                                        <p:tgtEl>
+                                          <p:spTgt spid="3">
+                                            <p:txEl>
+                                              <p:pRg st="0" end="0"/>
+                                            </p:txEl>
+                                          </p:spTgt>
+                                        </p:tgtEl>
+                                        <p:attrNameLst>
+                                          <p:attrName>style.visibility</p:attrName>
+                                        </p:attrNameLst>
+                                      </p:cBhvr>
+                                      <p:to>
+                                        <p:strVal val="visible"/>
+                                      </p:to>
+                                    </p:set>
+                                  </p:childTnLst>
+                                </p:cTn>
+                              </p:par>
+                              <p:par>
+                                <p:cTn id="7" presetID="1" presetClass="entr" presetSubtype="0" fill="hold" grpId="0" nodeType="withEffect">
+                                  <p:stCondLst>
+                                    <p:cond delay="0"/>
+                                  </p:stCondLst>
+                                  <p:childTnLst>
+                                    <p:set>
+                                      <p:cBhvr>
+                                        <p:cTn id="8" dur="1" fill="hold">
+                                          <p:stCondLst>
+                                            <p:cond delay="0"/>
+                                          </p:stCondLst>
+                                        </p:cTn>
+                                        <p:tgtEl>
+                                          <p:spTgt spid="3">
+                                            <p:txEl>
+                                              <p:pRg st="1" end="1"/>
+                                            </p:txEl>
+                                          </p:spTgt>
+                                        </p:tgtEl>
+                                        <p:attrNameLst>
+                                          <p:attrName>style.visibility</p:attrName>
+                                        </p:attrNameLst>
+                                      </p:cBhvr>
+                                      <p:to>
+                                        <p:strVal val="visible"/>
+                                      </p:to>
+                                    </p:set>
+                                  </p:childTnLst>
+                                </p:cTn>
+                              </p:par>
+                              <p:par>
+                                <p:cTn id="9" presetID="1" presetClass="entr" presetSubtype="0" fill="hold" grpId="0" nodeType="withEffect">
+                                  <p:stCondLst>
+                                    <p:cond delay="0"/>
+                                  </p:stCondLst>
+                                  <p:childTnLst>
+                                    <p:set>
+                                      <p:cBhvr>
+                                        <p:cTn id="10" dur="1" fill="hold">
+                                          <p:stCondLst>
+                                            <p:cond delay="0"/>
+                                          </p:stCondLst>
+                                        </p:cTn>
+                                        <p:tgtEl>
+                                          <p:spTgt spid="3">
+                                            <p:txEl>
+                                              <p:pRg st="2" end="2"/>
+                                            </p:txEl>
+                                          </p:spTgt>
+                                        </p:tgtEl>
+                                        <p:attrNameLst>
+                                          <p:attrName>style.visibility</p:attrName>
+                                        </p:attrNameLst>
+                                      </p:cBhvr>
+                                      <p:to>
+                                        <p:strVal val="visible"/>
+                                      </p:to>
+                                    </p:set>
+                                  </p:childTnLst>
+                                </p:cTn>
+                              </p:par>
+                              <p:par>
+                                <p:cTn id="11" presetID="1" presetClass="entr" presetSubtype="0" fill="hold" grpId="0" nodeType="withEffect">
+                                  <p:stCondLst>
+                                    <p:cond delay="0"/>
+                                  </p:stCondLst>
+                                  <p:childTnLst>
+                                    <p:set>
+                                      <p:cBhvr>
+                                        <p:cTn id="12" dur="1" fill="hold">
+                                          <p:stCondLst>
+                                            <p:cond delay="0"/>
+                                          </p:stCondLst>
+                                        </p:cTn>
+                                        <p:tgtEl>
+                                          <p:spTgt spid="3">
+                                            <p:txEl>
+                                              <p:pRg st="3" end="3"/>
+                                            </p:txEl>
+                                          </p:spTgt>
+                                        </p:tgtEl>
+                                        <p:attrNameLst>
+                                          <p:attrName>style.visibility</p:attrName>
+                                        </p:attrNameLst>
+                                      </p:cBhvr>
+                                      <p:to>
+                                        <p:strVal val="visible"/>
+                                      </p:to>
+                                    </p:set>
+                                  </p:childTnLst>
+                                </p:cTn>
+                              </p:par>
+                              <p:par>
+                                <p:cTn id="13" presetID="1" presetClass="entr" presetSubtype="0" fill="hold" grpId="0" nodeType="withEffect">
+                                  <p:stCondLst>
+                                    <p:cond delay="0"/>
+                                  </p:stCondLst>
+                                  <p:childTnLst>
+                                    <p:set>
+                                      <p:cBhvr>
+                                        <p:cTn id="14" dur="1" fill="hold">
+                                          <p:stCondLst>
+                                            <p:cond delay="0"/>
+                                          </p:stCondLst>
+                                        </p:cTn>
+                                        <p:tgtEl>
+                                          <p:spTgt spid="3">
+                                            <p:txEl>
+                                              <p:pRg st="4" end="4"/>
+                                            </p:txEl>
+                                          </p:spTgt>
+                                        </p:tgtEl>
+                                        <p:attrNameLst>
+                                          <p:attrName>style.visibility</p:attrName>
+                                        </p:attrNameLst>
+                                      </p:cBhvr>
+                                      <p:to>
+                                        <p:strVal val="visible"/>
+                                      </p:to>
+                                    </p:set>
+                                  </p:childTnLst>
+                                </p:cTn>
+                              </p:par>
+                            </p:childTnLst>
+                          </p:cTn>
+                        </p:par>
+                      </p:childTnLst>
+                    </p:cTn>
+                  </p:par>
+                  <p:par>
+                    <p:cTn id="15" fill="hold">
+                      <p:stCondLst>
+                        <p:cond delay="indefinite"/>
+                      </p:stCondLst>
+                      <p:childTnLst>
+                        <p:par>
+                          <p:cTn id="16" fill="hold">
+                            <p:stCondLst>
+                              <p:cond delay="0"/>
+                            </p:stCondLst>
+                            <p:childTnLst>
+                              <p:par>
+                                <p:cTn id="17" presetID="1" presetClass="entr" presetSubtype="0" fill="hold" grpId="0" nodeType="clickEffect">
+                                  <p:stCondLst>
+                                    <p:cond delay="0"/>
+                                  </p:stCondLst>
+                                  <p:childTnLst>
+                                    <p:set>
+                                      <p:cBhvr>
+                                        <p:cTn id="18" dur="1" fill="hold">
+                                          <p:stCondLst>
+                                            <p:cond delay="0"/>
+                                          </p:stCondLst>
+                                        </p:cTn>
+                                        <p:tgtEl>
+                                          <p:spTgt spid="3">
+                                            <p:txEl>
+                                              <p:pRg st="5" end="5"/>
+                                            </p:txEl>
+                                          </p:spTgt>
+                                        </p:tgtEl>
+                                        <p:attrNameLst>
+                                          <p:attrName>style.visibility</p:attrName>
+                                        </p:attrNameLst>
+                                      </p:cBhvr>
+                                      <p:to>
+                                        <p:strVal val="visible"/>
+                                      </p:to>
+                                    </p:set>
+                                  </p:childTnLst>
+                                </p:cTn>
+                              </p:par>
+                              <p:par>
+                                <p:cTn id="19" presetID="1" presetClass="entr" presetSubtype="0" fill="hold" grpId="0" nodeType="withEffect">
+                                  <p:stCondLst>
+                                    <p:cond delay="0"/>
+                                  </p:stCondLst>
+                                  <p:childTnLst>
+                                    <p:set>
+                                      <p:cBhvr>
+                                        <p:cTn id="20" dur="1" fill="hold">
+                                          <p:stCondLst>
+                                            <p:cond delay="0"/>
+                                          </p:stCondLst>
+                                        </p:cTn>
+                                        <p:tgtEl>
+                                          <p:spTgt spid="3">
+                                            <p:txEl>
+                                              <p:pRg st="6" end="6"/>
+                                            </p:txEl>
+                                          </p:spTgt>
+                                        </p:tgtEl>
+                                        <p:attrNameLst>
+                                          <p:attrName>style.visibility</p:attrName>
+                                        </p:attrNameLst>
+                                      </p:cBhvr>
+                                      <p:to>
+                                        <p:strVal val="visible"/>
+                                      </p:to>
+                                    </p:set>
+                                  </p:childTnLst>
+                                </p:cTn>
+                              </p:par>
+                              <p:par>
+                                <p:cTn id="21" presetID="1" presetClass="entr" presetSubtype="0" fill="hold" grpId="0" nodeType="withEffect">
+                                  <p:stCondLst>
+                                    <p:cond delay="0"/>
+                                  </p:stCondLst>
+                                  <p:childTnLst>
+                                    <p:set>
+                                      <p:cBhvr>
+                                        <p:cTn id="22" dur="1" fill="hold">
+                                          <p:stCondLst>
+                                            <p:cond delay="0"/>
+                                          </p:stCondLst>
+                                        </p:cTn>
+                                        <p:tgtEl>
+                                          <p:spTgt spid="3">
+                                            <p:txEl>
+                                              <p:pRg st="7" end="7"/>
+                                            </p:txEl>
+                                          </p:spTgt>
+                                        </p:tgtEl>
+                                        <p:attrNameLst>
+                                          <p:attrName>style.visibility</p:attrName>
+                                        </p:attrNameLst>
+                                      </p:cBhvr>
+                                      <p:to>
+                                        <p:strVal val="visible"/>
+                                      </p:to>
+                                    </p:set>
+                                  </p:childTnLst>
+                                </p:cTn>
+                              </p:par>
+                              <p:par>
+                                <p:cTn id="23" presetID="1" presetClass="entr" presetSubtype="0" fill="hold" grpId="0" nodeType="withEffect">
+                                  <p:stCondLst>
+                                    <p:cond delay="0"/>
+                                  </p:stCondLst>
+                                  <p:childTnLst>
+                                    <p:set>
+                                      <p:cBhvr>
+                                        <p:cTn id="24" dur="1" fill="hold">
+                                          <p:stCondLst>
+                                            <p:cond delay="0"/>
+                                          </p:stCondLst>
+                                        </p:cTn>
+                                        <p:tgtEl>
+                                          <p:spTgt spid="3">
+                                            <p:txEl>
+                                              <p:pRg st="8" end="8"/>
+                                            </p:txEl>
+                                          </p:spTgt>
+                                        </p:tgtEl>
+                                        <p:attrNameLst>
+                                          <p:attrName>style.visibility</p:attrName>
+                                        </p:attrNameLst>
+                                      </p:cBhvr>
+                                      <p:to>
+                                        <p:strVal val="visible"/>
+                                      </p:to>
+                                    </p:set>
+                                  </p:childTnLst>
+                                </p:cTn>
+                              </p:par>
+                              <p:par>
+                                <p:cTn id="25" presetID="1" presetClass="entr" presetSubtype="0" fill="hold" grpId="0" nodeType="withEffect">
+                                  <p:stCondLst>
+                                    <p:cond delay="0"/>
+                                  </p:stCondLst>
+                                  <p:childTnLst>
+                                    <p:set>
+                                      <p:cBhvr>
+                                        <p:cTn id="26" dur="1" fill="hold">
+                                          <p:stCondLst>
+                                            <p:cond delay="0"/>
+                                          </p:stCondLst>
+                                        </p:cTn>
+                                        <p:tgtEl>
+                                          <p:spTgt spid="3">
+                                            <p:txEl>
+                                              <p:pRg st="9" end="9"/>
+                                            </p:txEl>
+                                          </p:spTgt>
+                                        </p:tgtEl>
+                                        <p:attrNameLst>
+                                          <p:attrName>style.visibility</p:attrName>
+                                        </p:attrNameLst>
+                                      </p:cBhvr>
+                                      <p:to>
+                                        <p:strVal val="visible"/>
+                                      </p:to>
+                                    </p:set>
+                                  </p:childTnLst>
+                                </p:cTn>
+                              </p:par>
+                            </p:childTnLst>
+                          </p:cTn>
+                        </p:par>
+                      </p:childTnLst>
+                    </p:cTn>
+                  </p:par>
+                </p:childTnLst>
+              </p:cTn>
+              <p:prevCondLst>
+                <p:cond evt="onPrev" delay="0">
+                  <p:tgtEl>
+                    <p:sldTgt/>
+                  </p:tgtEl>
+                </p:cond>
+              </p:prevCondLst>
+              <p:nextCondLst>
+                <p:cond evt="onNext" delay="0">
+                  <p:tgtEl>
+                    <p:sldTgt/>
+                  </p:tgtEl>
+                </p:cond>
+              </p:nextCondLst>
+            </p:seq>
+          </p:childTnLst>
+        </p:cTn>
       </p:par>
     </p:tnLst>
+    <p:bldLst>
+      <p:bldP spid="3" grpId="0" uiExpand="1" build="p"/>
+    </p:bldLst>
   </p:timing>
 </p:sld>
 </file>

--- a/tutorial-06-migratability.pptx
+++ b/tutorial-06-migratability.pptx
@@ -209,7 +209,7 @@
           <a:p>
             <a:fld id="{775CE290-E0F5-444C-B849-A8F17CD4104C}" type="datetimeFigureOut">
               <a:rPr lang="en-US" smtClean="0"/>
-              <a:t>9/10/14</a:t>
+              <a:t>9/12/14</a:t>
             </a:fld>
             <a:endParaRPr lang="en-US"/>
           </a:p>
@@ -375,7 +375,7 @@
           <a:p>
             <a:fld id="{AD53A24C-4135-094C-957B-35852E7EDFA4}" type="datetimeFigureOut">
               <a:rPr lang="en-US" smtClean="0"/>
-              <a:t>9/10/14</a:t>
+              <a:t>9/12/14</a:t>
             </a:fld>
             <a:endParaRPr lang="en-US"/>
           </a:p>
@@ -834,9 +834,9 @@
           <a:bodyPr/>
           <a:lstStyle/>
           <a:p>
-            <a:fld id="{B594EA25-E4F4-3746-A0BA-A11E27330E0F}" type="datetime2">
-              <a:rPr lang="en-US" smtClean="0"/>
-              <a:t>Wednesday, September 10, 14</a:t>
+            <a:fld id="{B8C04E88-EA56-CE4E-8ADD-9D85B8DCF5EA}" type="datetime2">
+              <a:rPr lang="en-US" smtClean="0"/>
+              <a:t>Friday, September 12, 14</a:t>
             </a:fld>
             <a:endParaRPr lang="en-US"/>
           </a:p>
@@ -860,7 +860,7 @@
             <a:pPr algn="r"/>
             <a:r>
               <a:rPr lang="en-US" smtClean="0"/>
-              <a:t>Sanjay Kalé and PPL (UIUC) – Parallel Migratable Objects </a:t>
+              <a:t>Laxmikant Kalé and PPL (UIUC) – Parallel Migratable Objects </a:t>
             </a:r>
             <a:endParaRPr lang="en-US" dirty="0"/>
           </a:p>
@@ -1139,7 +1139,7 @@
                 <a:latin typeface="Times New Roman"/>
                 <a:cs typeface="Times New Roman"/>
               </a:rPr>
-              <a:t>September 10, 2014</a:t>
+              <a:t>September 12, 2014</a:t>
             </a:fld>
             <a:endParaRPr lang="en-US" dirty="0">
               <a:latin typeface="Times New Roman"/>
@@ -1413,7 +1413,7 @@
                 <a:latin typeface="Times New Roman"/>
                 <a:cs typeface="Times New Roman"/>
               </a:rPr>
-              <a:t>September 10, 2014</a:t>
+              <a:t>September 12, 2014</a:t>
             </a:fld>
             <a:endParaRPr lang="en-US" dirty="0">
               <a:latin typeface="Times New Roman"/>
@@ -1646,9 +1646,9 @@
           <a:bodyPr/>
           <a:lstStyle/>
           <a:p>
-            <a:fld id="{EA699BF9-66CB-F244-8E74-7B1BE1C77046}" type="datetime2">
-              <a:rPr lang="en-US" smtClean="0"/>
-              <a:t>Wednesday, September 10, 14</a:t>
+            <a:fld id="{3216A4B2-3EA9-6240-ACA6-EE0147F321CB}" type="datetime2">
+              <a:rPr lang="en-US" smtClean="0"/>
+              <a:t>Friday, September 12, 14</a:t>
             </a:fld>
             <a:endParaRPr lang="en-US"/>
           </a:p>
@@ -1672,7 +1672,7 @@
             <a:pPr algn="r"/>
             <a:r>
               <a:rPr lang="en-US" smtClean="0"/>
-              <a:t>Sanjay Kalé and PPL (UIUC) – Parallel Migratable Objects </a:t>
+              <a:t>Laxmikant Kalé and PPL (UIUC) – Parallel Migratable Objects </a:t>
             </a:r>
             <a:endParaRPr lang="en-US" dirty="0"/>
           </a:p>
@@ -1957,9 +1957,9 @@
           <a:bodyPr/>
           <a:lstStyle/>
           <a:p>
-            <a:fld id="{D300BE84-9843-8B4F-B3C8-647B06AC46C9}" type="datetime2">
-              <a:rPr lang="en-US" smtClean="0"/>
-              <a:t>Wednesday, September 10, 14</a:t>
+            <a:fld id="{34D45C71-88CB-C847-9695-BE4569D327BE}" type="datetime2">
+              <a:rPr lang="en-US" smtClean="0"/>
+              <a:t>Friday, September 12, 14</a:t>
             </a:fld>
             <a:endParaRPr lang="en-US"/>
           </a:p>
@@ -1983,7 +1983,7 @@
             <a:pPr algn="r"/>
             <a:r>
               <a:rPr lang="en-US" smtClean="0"/>
-              <a:t>Sanjay Kalé and PPL (UIUC) – Parallel Migratable Objects </a:t>
+              <a:t>Laxmikant Kalé and PPL (UIUC) – Parallel Migratable Objects </a:t>
             </a:r>
             <a:endParaRPr lang="en-US" dirty="0"/>
           </a:p>
@@ -2128,9 +2128,9 @@
           <a:bodyPr/>
           <a:lstStyle/>
           <a:p>
-            <a:fld id="{C460AE39-2092-A945-8296-F25085B9A0F1}" type="datetime2">
-              <a:rPr lang="en-US" smtClean="0"/>
-              <a:t>Wednesday, September 10, 14</a:t>
+            <a:fld id="{EC27CF03-D406-7C4A-8253-530708B412DE}" type="datetime2">
+              <a:rPr lang="en-US" smtClean="0"/>
+              <a:t>Friday, September 12, 14</a:t>
             </a:fld>
             <a:endParaRPr lang="en-US"/>
           </a:p>
@@ -2154,7 +2154,7 @@
             <a:pPr algn="r"/>
             <a:r>
               <a:rPr lang="en-US" smtClean="0"/>
-              <a:t>Sanjay Kalé and PPL (UIUC) – Parallel Migratable Objects </a:t>
+              <a:t>Laxmikant Kalé and PPL (UIUC) – Parallel Migratable Objects </a:t>
             </a:r>
             <a:endParaRPr lang="en-US" dirty="0"/>
           </a:p>
@@ -2309,9 +2309,9 @@
           <a:bodyPr/>
           <a:lstStyle/>
           <a:p>
-            <a:fld id="{63BC7E9D-3218-5E49-A867-E087AB2F4618}" type="datetime2">
-              <a:rPr lang="en-US" smtClean="0"/>
-              <a:t>Wednesday, September 10, 14</a:t>
+            <a:fld id="{5091C257-6BBB-164A-B8AB-0B4AE4CDD784}" type="datetime2">
+              <a:rPr lang="en-US" smtClean="0"/>
+              <a:t>Friday, September 12, 14</a:t>
             </a:fld>
             <a:endParaRPr lang="en-US"/>
           </a:p>
@@ -2335,7 +2335,7 @@
             <a:pPr algn="r"/>
             <a:r>
               <a:rPr lang="en-US" smtClean="0"/>
-              <a:t>Sanjay Kalé and PPL (UIUC) – Parallel Migratable Objects </a:t>
+              <a:t>Laxmikant Kalé and PPL (UIUC) – Parallel Migratable Objects </a:t>
             </a:r>
             <a:endParaRPr lang="en-US" dirty="0"/>
           </a:p>
@@ -2563,9 +2563,9 @@
           <a:bodyPr/>
           <a:lstStyle/>
           <a:p>
-            <a:fld id="{B594EA25-E4F4-3746-A0BA-A11E27330E0F}" type="datetime2">
-              <a:rPr lang="en-US" smtClean="0"/>
-              <a:t>Wednesday, September 10, 14</a:t>
+            <a:fld id="{7168A974-7330-184A-A617-E0A123C7A829}" type="datetime2">
+              <a:rPr lang="en-US" smtClean="0"/>
+              <a:t>Friday, September 12, 14</a:t>
             </a:fld>
             <a:endParaRPr lang="en-US"/>
           </a:p>
@@ -2589,7 +2589,7 @@
             <a:pPr algn="r"/>
             <a:r>
               <a:rPr lang="en-US" smtClean="0"/>
-              <a:t>Sanjay Kalé and PPL (UIUC) – Parallel Migratable Objects </a:t>
+              <a:t>Laxmikant Kalé and PPL (UIUC) – Parallel Migratable Objects </a:t>
             </a:r>
             <a:endParaRPr lang="en-US" dirty="0"/>
           </a:p>
@@ -2868,7 +2868,7 @@
                 <a:latin typeface="Times New Roman"/>
                 <a:cs typeface="Times New Roman"/>
               </a:rPr>
-              <a:t>September 10, 2014</a:t>
+              <a:t>September 12, 2014</a:t>
             </a:fld>
             <a:endParaRPr lang="en-US" dirty="0">
               <a:latin typeface="Times New Roman"/>
@@ -2992,9 +2992,9 @@
           <a:bodyPr/>
           <a:lstStyle/>
           <a:p>
-            <a:fld id="{BD5AFB16-13FE-DF4A-8CB7-09756A57B2EA}" type="datetime2">
-              <a:rPr lang="en-US" smtClean="0"/>
-              <a:t>Wednesday, September 10, 14</a:t>
+            <a:fld id="{762E6DF2-4995-364A-829F-810231AC86A3}" type="datetime2">
+              <a:rPr lang="en-US" smtClean="0"/>
+              <a:t>Friday, September 12, 14</a:t>
             </a:fld>
             <a:endParaRPr lang="en-US" dirty="0"/>
           </a:p>
@@ -3018,7 +3018,7 @@
             <a:pPr algn="r"/>
             <a:r>
               <a:rPr lang="en-US" smtClean="0"/>
-              <a:t>Sanjay Kalé and PPL (UIUC) – Parallel Migratable Objects </a:t>
+              <a:t>Laxmikant Kalé and PPL (UIUC) – Parallel Migratable Objects </a:t>
             </a:r>
             <a:endParaRPr lang="en-US" dirty="0"/>
           </a:p>
@@ -3521,9 +3521,9 @@
             </a:lvl1pPr>
           </a:lstStyle>
           <a:p>
-            <a:fld id="{30545249-FD76-6844-B252-CAB05FC2DAA8}" type="datetime2">
-              <a:rPr lang="en-US" smtClean="0"/>
-              <a:t>Wednesday, September 10, 14</a:t>
+            <a:fld id="{1AC1EC2A-EB86-5943-B5ED-84F59969D54E}" type="datetime2">
+              <a:rPr lang="en-US" smtClean="0"/>
+              <a:t>Friday, September 12, 14</a:t>
             </a:fld>
             <a:endParaRPr lang="en-US" dirty="0"/>
           </a:p>
@@ -3554,7 +3554,7 @@
             <a:pPr algn="r"/>
             <a:r>
               <a:rPr lang="en-US" smtClean="0"/>
-              <a:t>Sanjay Kalé and PPL (UIUC) – Parallel Migratable Objects </a:t>
+              <a:t>Laxmikant Kalé and PPL (UIUC) – Parallel Migratable Objects </a:t>
             </a:r>
             <a:endParaRPr lang="en-US" dirty="0"/>
           </a:p>
@@ -3817,9 +3817,9 @@
           <a:bodyPr/>
           <a:lstStyle/>
           <a:p>
-            <a:fld id="{34621E95-60A9-FF44-9869-513D9D7A859F}" type="datetime2">
-              <a:rPr lang="en-US" smtClean="0"/>
-              <a:t>Wednesday, September 10, 14</a:t>
+            <a:fld id="{393981F4-FE5E-DE41-9EF7-9921E43F225A}" type="datetime2">
+              <a:rPr lang="en-US" smtClean="0"/>
+              <a:t>Friday, September 12, 14</a:t>
             </a:fld>
             <a:endParaRPr lang="en-US"/>
           </a:p>
@@ -3843,7 +3843,7 @@
             <a:pPr algn="r"/>
             <a:r>
               <a:rPr lang="en-US" smtClean="0"/>
-              <a:t>Sanjay Kalé and PPL (UIUC) – Parallel Migratable Objects </a:t>
+              <a:t>Laxmikant Kalé and PPL (UIUC) – Parallel Migratable Objects </a:t>
             </a:r>
             <a:endParaRPr lang="en-US" dirty="0"/>
           </a:p>
@@ -3936,9 +3936,9 @@
           <a:bodyPr/>
           <a:lstStyle/>
           <a:p>
-            <a:fld id="{BD5AFB16-13FE-DF4A-8CB7-09756A57B2EA}" type="datetime2">
-              <a:rPr lang="en-US" smtClean="0"/>
-              <a:t>Wednesday, September 10, 14</a:t>
+            <a:fld id="{BD872588-D8A9-914B-B004-0F11267394A2}" type="datetime2">
+              <a:rPr lang="en-US" smtClean="0"/>
+              <a:t>Friday, September 12, 14</a:t>
             </a:fld>
             <a:endParaRPr lang="en-US" dirty="0"/>
           </a:p>
@@ -3962,7 +3962,7 @@
             <a:pPr algn="r"/>
             <a:r>
               <a:rPr lang="en-US" smtClean="0"/>
-              <a:t>Sanjay Kalé and PPL (UIUC) – Parallel Migratable Objects </a:t>
+              <a:t>Laxmikant Kalé and PPL (UIUC) – Parallel Migratable Objects </a:t>
             </a:r>
             <a:endParaRPr lang="en-US" dirty="0"/>
           </a:p>
@@ -4423,9 +4423,9 @@
           <a:bodyPr/>
           <a:lstStyle/>
           <a:p>
-            <a:fld id="{1BDEC705-8EA9-6C46-8E3B-2CAC7E2C0F7D}" type="datetime2">
-              <a:rPr lang="en-US" smtClean="0"/>
-              <a:t>Wednesday, September 10, 14</a:t>
+            <a:fld id="{8E568853-6827-1B49-8764-1B4501307C23}" type="datetime2">
+              <a:rPr lang="en-US" smtClean="0"/>
+              <a:t>Friday, September 12, 14</a:t>
             </a:fld>
             <a:endParaRPr lang="en-US"/>
           </a:p>
@@ -4449,7 +4449,7 @@
             <a:pPr algn="r"/>
             <a:r>
               <a:rPr lang="en-US" smtClean="0"/>
-              <a:t>Sanjay Kalé and PPL (UIUC) – Parallel Migratable Objects </a:t>
+              <a:t>Laxmikant Kalé and PPL (UIUC) – Parallel Migratable Objects </a:t>
             </a:r>
             <a:endParaRPr lang="en-US" dirty="0"/>
           </a:p>
@@ -4754,9 +4754,9 @@
             </a:lvl1pPr>
           </a:lstStyle>
           <a:p>
-            <a:fld id="{BF613BD3-C5FD-9543-B738-679BF38D8C83}" type="datetime2">
-              <a:rPr lang="en-US" smtClean="0"/>
-              <a:t>Wednesday, September 10, 14</a:t>
+            <a:fld id="{C4585D57-FF62-D544-B57C-7399C22ADF8B}" type="datetime2">
+              <a:rPr lang="en-US" smtClean="0"/>
+              <a:t>Friday, September 12, 14</a:t>
             </a:fld>
             <a:endParaRPr lang="en-US" dirty="0"/>
           </a:p>
@@ -4787,7 +4787,7 @@
             <a:pPr algn="r"/>
             <a:r>
               <a:rPr lang="en-US" smtClean="0"/>
-              <a:t>Sanjay Kalé and PPL (UIUC) – Parallel Migratable Objects </a:t>
+              <a:t>Laxmikant Kalé and PPL (UIUC) – Parallel Migratable Objects </a:t>
             </a:r>
             <a:endParaRPr lang="en-US" dirty="0"/>
           </a:p>
@@ -5233,9 +5233,9 @@
           <a:bodyPr/>
           <a:lstStyle/>
           <a:p>
-            <a:fld id="{4B5E4F0C-9A9C-5448-99FD-D30288B385C9}" type="datetime2">
-              <a:rPr lang="en-US" smtClean="0"/>
-              <a:t>Wednesday, September 10, 14</a:t>
+            <a:fld id="{5C272444-0C3E-C149-A7C2-870DB4C382BE}" type="datetime2">
+              <a:rPr lang="en-US" smtClean="0"/>
+              <a:t>Friday, September 12, 14</a:t>
             </a:fld>
             <a:endParaRPr lang="en-US"/>
           </a:p>
@@ -5259,7 +5259,7 @@
             <a:pPr algn="r"/>
             <a:r>
               <a:rPr lang="en-US" smtClean="0"/>
-              <a:t>Sanjay Kalé and PPL (UIUC) – Parallel Migratable Objects </a:t>
+              <a:t>Laxmikant Kalé and PPL (UIUC) – Parallel Migratable Objects </a:t>
             </a:r>
             <a:endParaRPr lang="en-US" dirty="0"/>
           </a:p>
@@ -5529,9 +5529,9 @@
             </a:lvl1pPr>
           </a:lstStyle>
           <a:p>
-            <a:fld id="{30545249-FD76-6844-B252-CAB05FC2DAA8}" type="datetime2">
-              <a:rPr lang="en-US" smtClean="0"/>
-              <a:t>Wednesday, September 10, 14</a:t>
+            <a:fld id="{8EAE9E6F-DB8B-E847-B760-03EF679F32E4}" type="datetime2">
+              <a:rPr lang="en-US" smtClean="0"/>
+              <a:t>Friday, September 12, 14</a:t>
             </a:fld>
             <a:endParaRPr lang="en-US" dirty="0"/>
           </a:p>
@@ -5562,7 +5562,7 @@
             <a:pPr algn="r"/>
             <a:r>
               <a:rPr lang="en-US" smtClean="0"/>
-              <a:t>Sanjay Kalé and PPL (UIUC) – Parallel Migratable Objects </a:t>
+              <a:t>Laxmikant Kalé and PPL (UIUC) – Parallel Migratable Objects </a:t>
             </a:r>
             <a:endParaRPr lang="en-US" dirty="0"/>
           </a:p>
@@ -5772,9 +5772,9 @@
           <a:bodyPr/>
           <a:lstStyle/>
           <a:p>
-            <a:fld id="{CC859171-EEDD-0B48-A5C0-E7218AE20EA7}" type="datetime2">
-              <a:rPr lang="en-US" smtClean="0"/>
-              <a:t>Wednesday, September 10, 14</a:t>
+            <a:fld id="{D1EAB2C3-A5AF-CC4C-A9C6-D8940861922F}" type="datetime2">
+              <a:rPr lang="en-US" smtClean="0"/>
+              <a:t>Friday, September 12, 14</a:t>
             </a:fld>
             <a:endParaRPr lang="en-US"/>
           </a:p>
@@ -5798,7 +5798,7 @@
             <a:pPr algn="r"/>
             <a:r>
               <a:rPr lang="en-US" smtClean="0"/>
-              <a:t>Sanjay Kalé and PPL (UIUC) – Parallel Migratable Objects </a:t>
+              <a:t>Laxmikant Kalé and PPL (UIUC) – Parallel Migratable Objects </a:t>
             </a:r>
             <a:endParaRPr lang="en-US" dirty="0"/>
           </a:p>
@@ -5868,9 +5868,9 @@
           <a:bodyPr/>
           <a:lstStyle/>
           <a:p>
-            <a:fld id="{C32F9216-0342-7440-9504-BD6C1382BF27}" type="datetime2">
-              <a:rPr lang="en-US" smtClean="0"/>
-              <a:t>Wednesday, September 10, 14</a:t>
+            <a:fld id="{A7E99556-4F16-FA4E-BA65-63B6CB8AAF74}" type="datetime2">
+              <a:rPr lang="en-US" smtClean="0"/>
+              <a:t>Friday, September 12, 14</a:t>
             </a:fld>
             <a:endParaRPr lang="en-US"/>
           </a:p>
@@ -5894,7 +5894,7 @@
             <a:pPr algn="r"/>
             <a:r>
               <a:rPr lang="en-US" smtClean="0"/>
-              <a:t>Sanjay Kalé and PPL (UIUC) – Parallel Migratable Objects </a:t>
+              <a:t>Laxmikant Kalé and PPL (UIUC) – Parallel Migratable Objects </a:t>
             </a:r>
             <a:endParaRPr lang="en-US" dirty="0"/>
           </a:p>
@@ -6043,7 +6043,7 @@
           <a:p>
             <a:r>
               <a:rPr lang="en-US" smtClean="0"/>
-              <a:t>Sanjay Kalé and PPL (UIUC) – Parallel Migratable Objects </a:t>
+              <a:t>Laxmikant Kalé and PPL (UIUC) – Parallel Migratable Objects </a:t>
             </a:r>
             <a:endParaRPr lang="en-US" dirty="0"/>
           </a:p>
@@ -6183,9 +6183,9 @@
             </a:lvl1pPr>
           </a:lstStyle>
           <a:p>
-            <a:fld id="{D36DC8F2-AD63-E841-8C23-5DC3A41041BE}" type="datetime2">
-              <a:rPr lang="en-US" smtClean="0"/>
-              <a:t>Wednesday, September 10, 14</a:t>
+            <a:fld id="{7A4C4CB0-4638-294F-BEE2-6B6158A6DB75}" type="datetime2">
+              <a:rPr lang="en-US" smtClean="0"/>
+              <a:t>Friday, September 12, 14</a:t>
             </a:fld>
             <a:endParaRPr lang="en-US" dirty="0"/>
           </a:p>
@@ -6254,7 +6254,7 @@
     <p:sldLayoutId id="2147483973" r:id="rId15"/>
     <p:sldLayoutId id="2147483972" r:id="rId16"/>
   </p:sldLayoutIdLst>
-  <p:hf hdr="0"/>
+  <p:hf hdr="0" dt="0"/>
   <p:txStyles>
     <p:titleStyle>
       <a:lvl1pPr algn="l" defTabSz="914400" rtl="0" eaLnBrk="1" latinLnBrk="0" hangingPunct="1">
@@ -6653,11 +6653,7 @@
             </a:pPr>
             <a:r>
               <a:rPr lang="en-US" dirty="0" smtClean="0"/>
-              <a:t>Hello </a:t>
-            </a:r>
-            <a:r>
-              <a:rPr lang="en-US" dirty="0" smtClean="0"/>
-              <a:t>World</a:t>
+              <a:t>Hello World</a:t>
             </a:r>
           </a:p>
           <a:p>
@@ -6761,11 +6757,7 @@
             </a:pPr>
             <a:r>
               <a:rPr lang="en-US" dirty="0" smtClean="0"/>
-              <a:t>Structured </a:t>
-            </a:r>
-            <a:r>
-              <a:rPr lang="en-US" dirty="0" smtClean="0"/>
-              <a:t>Dagger</a:t>
+              <a:t>Structured Dagger</a:t>
             </a:r>
           </a:p>
           <a:p>
@@ -6856,12 +6848,12 @@
       </p:sp>
       <p:sp>
         <p:nvSpPr>
-          <p:cNvPr id="4" name="Date Placeholder 3"/>
-          <p:cNvSpPr>
-            <a:spLocks noGrp="1"/>
-          </p:cNvSpPr>
-          <p:nvPr>
-            <p:ph type="dt" sz="half" idx="10"/>
+          <p:cNvPr id="5" name="Footer Placeholder 4"/>
+          <p:cNvSpPr>
+            <a:spLocks noGrp="1"/>
+          </p:cNvSpPr>
+          <p:nvPr>
+            <p:ph type="ftr" sz="quarter" idx="11"/>
           </p:nvPr>
         </p:nvSpPr>
         <p:spPr/>
@@ -6869,33 +6861,10 @@
           <a:bodyPr/>
           <a:lstStyle/>
           <a:p>
-            <a:fld id="{8ADAB7C0-00B4-3F4D-A690-E12D330195D4}" type="datetime2">
-              <a:rPr lang="en-US" smtClean="0"/>
-              <a:t>Wednesday, September 10, 14</a:t>
-            </a:fld>
-            <a:endParaRPr lang="en-US"/>
-          </a:p>
-        </p:txBody>
-      </p:sp>
-      <p:sp>
-        <p:nvSpPr>
-          <p:cNvPr id="5" name="Footer Placeholder 4"/>
-          <p:cNvSpPr>
-            <a:spLocks noGrp="1"/>
-          </p:cNvSpPr>
-          <p:nvPr>
-            <p:ph type="ftr" sz="quarter" idx="11"/>
-          </p:nvPr>
-        </p:nvSpPr>
-        <p:spPr/>
-        <p:txBody>
-          <a:bodyPr/>
-          <a:lstStyle/>
-          <a:p>
             <a:pPr algn="r"/>
             <a:r>
               <a:rPr lang="en-US" smtClean="0"/>
-              <a:t>Sanjay Kalé and PPL (UIUC) – Parallel Migratable Objects </a:t>
+              <a:t>Laxmikant Kalé and PPL (UIUC) – Parallel Migratable Objects </a:t>
             </a:r>
             <a:endParaRPr lang="en-US" dirty="0"/>
           </a:p>
@@ -7038,12 +7007,12 @@
       </p:grpSpPr>
       <p:sp>
         <p:nvSpPr>
-          <p:cNvPr id="2" name="Date Placeholder 1"/>
-          <p:cNvSpPr>
-            <a:spLocks noGrp="1"/>
-          </p:cNvSpPr>
-          <p:nvPr>
-            <p:ph type="dt" sz="half" idx="10"/>
+          <p:cNvPr id="3" name="Footer Placeholder 2"/>
+          <p:cNvSpPr>
+            <a:spLocks noGrp="1"/>
+          </p:cNvSpPr>
+          <p:nvPr>
+            <p:ph type="ftr" sz="quarter" idx="11"/>
           </p:nvPr>
         </p:nvSpPr>
         <p:spPr/>
@@ -7051,33 +7020,10 @@
           <a:bodyPr/>
           <a:lstStyle/>
           <a:p>
-            <a:fld id="{3EBDCA59-9BA4-BE48-9CC1-D9E1762CA01A}" type="datetime2">
-              <a:rPr lang="en-US" smtClean="0"/>
-              <a:t>Wednesday, September 10, 14</a:t>
-            </a:fld>
-            <a:endParaRPr lang="en-US"/>
-          </a:p>
-        </p:txBody>
-      </p:sp>
-      <p:sp>
-        <p:nvSpPr>
-          <p:cNvPr id="3" name="Footer Placeholder 2"/>
-          <p:cNvSpPr>
-            <a:spLocks noGrp="1"/>
-          </p:cNvSpPr>
-          <p:nvPr>
-            <p:ph type="ftr" sz="quarter" idx="11"/>
-          </p:nvPr>
-        </p:nvSpPr>
-        <p:spPr/>
-        <p:txBody>
-          <a:bodyPr/>
-          <a:lstStyle/>
-          <a:p>
             <a:pPr algn="r"/>
             <a:r>
               <a:rPr lang="en-US" smtClean="0"/>
-              <a:t>Sanjay Kalé and PPL (UIUC) – Parallel Migratable Objects </a:t>
+              <a:t>Laxmikant Kalé and PPL (UIUC) – Parallel Migratable Objects </a:t>
             </a:r>
             <a:endParaRPr lang="en-US" dirty="0"/>
           </a:p>
@@ -7246,12 +7192,12 @@
       </p:pic>
       <p:sp>
         <p:nvSpPr>
-          <p:cNvPr id="4" name="Date Placeholder 3"/>
-          <p:cNvSpPr>
-            <a:spLocks noGrp="1"/>
-          </p:cNvSpPr>
-          <p:nvPr>
-            <p:ph type="dt" sz="half" idx="10"/>
+          <p:cNvPr id="5" name="Footer Placeholder 4"/>
+          <p:cNvSpPr>
+            <a:spLocks noGrp="1"/>
+          </p:cNvSpPr>
+          <p:nvPr>
+            <p:ph type="ftr" sz="quarter" idx="11"/>
           </p:nvPr>
         </p:nvSpPr>
         <p:spPr/>
@@ -7259,33 +7205,10 @@
           <a:bodyPr/>
           <a:lstStyle/>
           <a:p>
-            <a:fld id="{34621E95-60A9-FF44-9869-513D9D7A859F}" type="datetime2">
-              <a:rPr lang="en-US" smtClean="0"/>
-              <a:t>Wednesday, September 10, 14</a:t>
-            </a:fld>
-            <a:endParaRPr lang="en-US"/>
-          </a:p>
-        </p:txBody>
-      </p:sp>
-      <p:sp>
-        <p:nvSpPr>
-          <p:cNvPr id="5" name="Footer Placeholder 4"/>
-          <p:cNvSpPr>
-            <a:spLocks noGrp="1"/>
-          </p:cNvSpPr>
-          <p:nvPr>
-            <p:ph type="ftr" sz="quarter" idx="11"/>
-          </p:nvPr>
-        </p:nvSpPr>
-        <p:spPr/>
-        <p:txBody>
-          <a:bodyPr/>
-          <a:lstStyle/>
-          <a:p>
             <a:pPr algn="r"/>
             <a:r>
               <a:rPr lang="en-US" smtClean="0"/>
-              <a:t>Sanjay Kalé and PPL (UIUC) – Parallel Migratable Objects </a:t>
+              <a:t>Laxmikant Kalé and PPL (UIUC) – Parallel Migratable Objects </a:t>
             </a:r>
             <a:endParaRPr lang="en-US" dirty="0"/>
           </a:p>
@@ -7491,12 +7414,12 @@
       </p:sp>
       <p:sp>
         <p:nvSpPr>
-          <p:cNvPr id="5" name="Date Placeholder 4"/>
-          <p:cNvSpPr>
-            <a:spLocks noGrp="1"/>
-          </p:cNvSpPr>
-          <p:nvPr>
-            <p:ph type="dt" sz="half" idx="10"/>
+          <p:cNvPr id="6" name="Footer Placeholder 5"/>
+          <p:cNvSpPr>
+            <a:spLocks noGrp="1"/>
+          </p:cNvSpPr>
+          <p:nvPr>
+            <p:ph type="ftr" sz="quarter" idx="11"/>
           </p:nvPr>
         </p:nvSpPr>
         <p:spPr/>
@@ -7504,33 +7427,10 @@
           <a:bodyPr/>
           <a:lstStyle/>
           <a:p>
-            <a:fld id="{BF613BD3-C5FD-9543-B738-679BF38D8C83}" type="datetime2">
-              <a:rPr lang="en-US" smtClean="0"/>
-              <a:t>Wednesday, September 10, 14</a:t>
-            </a:fld>
-            <a:endParaRPr lang="en-US" dirty="0"/>
-          </a:p>
-        </p:txBody>
-      </p:sp>
-      <p:sp>
-        <p:nvSpPr>
-          <p:cNvPr id="6" name="Footer Placeholder 5"/>
-          <p:cNvSpPr>
-            <a:spLocks noGrp="1"/>
-          </p:cNvSpPr>
-          <p:nvPr>
-            <p:ph type="ftr" sz="quarter" idx="11"/>
-          </p:nvPr>
-        </p:nvSpPr>
-        <p:spPr/>
-        <p:txBody>
-          <a:bodyPr/>
-          <a:lstStyle/>
-          <a:p>
             <a:pPr algn="r"/>
             <a:r>
               <a:rPr lang="en-US" smtClean="0"/>
-              <a:t>Sanjay Kalé and PPL (UIUC) – Parallel Migratable Objects </a:t>
+              <a:t>Laxmikant Kalé and PPL (UIUC) – Parallel Migratable Objects </a:t>
             </a:r>
             <a:endParaRPr lang="en-US" dirty="0"/>
           </a:p>
@@ -8160,12 +8060,12 @@
       </p:sp>
       <p:sp>
         <p:nvSpPr>
-          <p:cNvPr id="5" name="Date Placeholder 4"/>
-          <p:cNvSpPr>
-            <a:spLocks noGrp="1"/>
-          </p:cNvSpPr>
-          <p:nvPr>
-            <p:ph type="dt" sz="half" idx="10"/>
+          <p:cNvPr id="6" name="Footer Placeholder 5"/>
+          <p:cNvSpPr>
+            <a:spLocks noGrp="1"/>
+          </p:cNvSpPr>
+          <p:nvPr>
+            <p:ph type="ftr" sz="quarter" idx="11"/>
           </p:nvPr>
         </p:nvSpPr>
         <p:spPr/>
@@ -8173,33 +8073,10 @@
           <a:bodyPr/>
           <a:lstStyle/>
           <a:p>
-            <a:fld id="{BF613BD3-C5FD-9543-B738-679BF38D8C83}" type="datetime2">
-              <a:rPr lang="en-US" smtClean="0"/>
-              <a:t>Wednesday, September 10, 14</a:t>
-            </a:fld>
-            <a:endParaRPr lang="en-US" dirty="0"/>
-          </a:p>
-        </p:txBody>
-      </p:sp>
-      <p:sp>
-        <p:nvSpPr>
-          <p:cNvPr id="6" name="Footer Placeholder 5"/>
-          <p:cNvSpPr>
-            <a:spLocks noGrp="1"/>
-          </p:cNvSpPr>
-          <p:nvPr>
-            <p:ph type="ftr" sz="quarter" idx="11"/>
-          </p:nvPr>
-        </p:nvSpPr>
-        <p:spPr/>
-        <p:txBody>
-          <a:bodyPr/>
-          <a:lstStyle/>
-          <a:p>
             <a:pPr algn="r"/>
             <a:r>
               <a:rPr lang="en-US" smtClean="0"/>
-              <a:t>Sanjay Kalé and PPL (UIUC) – Parallel Migratable Objects </a:t>
+              <a:t>Laxmikant Kalé and PPL (UIUC) – Parallel Migratable Objects </a:t>
             </a:r>
             <a:endParaRPr lang="en-US" dirty="0"/>
           </a:p>
@@ -9176,12 +9053,12 @@
       </p:sp>
       <p:sp>
         <p:nvSpPr>
-          <p:cNvPr id="5" name="Date Placeholder 4"/>
-          <p:cNvSpPr>
-            <a:spLocks noGrp="1"/>
-          </p:cNvSpPr>
-          <p:nvPr>
-            <p:ph type="dt" sz="half" idx="10"/>
+          <p:cNvPr id="6" name="Footer Placeholder 5"/>
+          <p:cNvSpPr>
+            <a:spLocks noGrp="1"/>
+          </p:cNvSpPr>
+          <p:nvPr>
+            <p:ph type="ftr" sz="quarter" idx="11"/>
           </p:nvPr>
         </p:nvSpPr>
         <p:spPr/>
@@ -9189,33 +9066,10 @@
           <a:bodyPr/>
           <a:lstStyle/>
           <a:p>
-            <a:fld id="{BF613BD3-C5FD-9543-B738-679BF38D8C83}" type="datetime2">
-              <a:rPr lang="en-US" smtClean="0"/>
-              <a:t>Wednesday, September 10, 14</a:t>
-            </a:fld>
-            <a:endParaRPr lang="en-US" dirty="0"/>
-          </a:p>
-        </p:txBody>
-      </p:sp>
-      <p:sp>
-        <p:nvSpPr>
-          <p:cNvPr id="6" name="Footer Placeholder 5"/>
-          <p:cNvSpPr>
-            <a:spLocks noGrp="1"/>
-          </p:cNvSpPr>
-          <p:nvPr>
-            <p:ph type="ftr" sz="quarter" idx="11"/>
-          </p:nvPr>
-        </p:nvSpPr>
-        <p:spPr/>
-        <p:txBody>
-          <a:bodyPr/>
-          <a:lstStyle/>
-          <a:p>
             <a:pPr algn="r"/>
             <a:r>
               <a:rPr lang="en-US" smtClean="0"/>
-              <a:t>Sanjay Kalé and PPL (UIUC) – Parallel Migratable Objects </a:t>
+              <a:t>Laxmikant Kalé and PPL (UIUC) – Parallel Migratable Objects </a:t>
             </a:r>
             <a:endParaRPr lang="en-US" dirty="0"/>
           </a:p>
@@ -9359,12 +9213,12 @@
       </p:sp>
       <p:sp>
         <p:nvSpPr>
-          <p:cNvPr id="4" name="Date Placeholder 3"/>
-          <p:cNvSpPr>
-            <a:spLocks noGrp="1"/>
-          </p:cNvSpPr>
-          <p:nvPr>
-            <p:ph type="dt" sz="half" idx="10"/>
+          <p:cNvPr id="5" name="Footer Placeholder 4"/>
+          <p:cNvSpPr>
+            <a:spLocks noGrp="1"/>
+          </p:cNvSpPr>
+          <p:nvPr>
+            <p:ph type="ftr" sz="quarter" idx="11"/>
           </p:nvPr>
         </p:nvSpPr>
         <p:spPr/>
@@ -9372,33 +9226,10 @@
           <a:bodyPr/>
           <a:lstStyle/>
           <a:p>
-            <a:fld id="{34621E95-60A9-FF44-9869-513D9D7A859F}" type="datetime2">
-              <a:rPr lang="en-US" smtClean="0"/>
-              <a:t>Wednesday, September 10, 14</a:t>
-            </a:fld>
-            <a:endParaRPr lang="en-US"/>
-          </a:p>
-        </p:txBody>
-      </p:sp>
-      <p:sp>
-        <p:nvSpPr>
-          <p:cNvPr id="5" name="Footer Placeholder 4"/>
-          <p:cNvSpPr>
-            <a:spLocks noGrp="1"/>
-          </p:cNvSpPr>
-          <p:nvPr>
-            <p:ph type="ftr" sz="quarter" idx="11"/>
-          </p:nvPr>
-        </p:nvSpPr>
-        <p:spPr/>
-        <p:txBody>
-          <a:bodyPr/>
-          <a:lstStyle/>
-          <a:p>
             <a:pPr algn="r"/>
             <a:r>
               <a:rPr lang="en-US" smtClean="0"/>
-              <a:t>Sanjay Kalé and PPL (UIUC) – Parallel Migratable Objects </a:t>
+              <a:t>Laxmikant Kalé and PPL (UIUC) – Parallel Migratable Objects </a:t>
             </a:r>
             <a:endParaRPr lang="en-US" dirty="0"/>
           </a:p>
@@ -9608,12 +9439,12 @@
       </p:sp>
       <p:sp>
         <p:nvSpPr>
-          <p:cNvPr id="4" name="Date Placeholder 3"/>
-          <p:cNvSpPr>
-            <a:spLocks noGrp="1"/>
-          </p:cNvSpPr>
-          <p:nvPr>
-            <p:ph type="dt" sz="half" idx="10"/>
+          <p:cNvPr id="5" name="Footer Placeholder 4"/>
+          <p:cNvSpPr>
+            <a:spLocks noGrp="1"/>
+          </p:cNvSpPr>
+          <p:nvPr>
+            <p:ph type="ftr" sz="quarter" idx="11"/>
           </p:nvPr>
         </p:nvSpPr>
         <p:spPr/>
@@ -9621,33 +9452,10 @@
           <a:bodyPr/>
           <a:lstStyle/>
           <a:p>
-            <a:fld id="{34621E95-60A9-FF44-9869-513D9D7A859F}" type="datetime2">
-              <a:rPr lang="en-US" smtClean="0"/>
-              <a:t>Wednesday, September 10, 14</a:t>
-            </a:fld>
-            <a:endParaRPr lang="en-US"/>
-          </a:p>
-        </p:txBody>
-      </p:sp>
-      <p:sp>
-        <p:nvSpPr>
-          <p:cNvPr id="5" name="Footer Placeholder 4"/>
-          <p:cNvSpPr>
-            <a:spLocks noGrp="1"/>
-          </p:cNvSpPr>
-          <p:nvPr>
-            <p:ph type="ftr" sz="quarter" idx="11"/>
-          </p:nvPr>
-        </p:nvSpPr>
-        <p:spPr/>
-        <p:txBody>
-          <a:bodyPr/>
-          <a:lstStyle/>
-          <a:p>
             <a:pPr algn="r"/>
             <a:r>
               <a:rPr lang="en-US" smtClean="0"/>
-              <a:t>Sanjay Kalé and PPL (UIUC) – Parallel Migratable Objects </a:t>
+              <a:t>Laxmikant Kalé and PPL (UIUC) – Parallel Migratable Objects </a:t>
             </a:r>
             <a:endParaRPr lang="en-US" dirty="0"/>
           </a:p>
@@ -10119,12 +9927,12 @@
       </p:sp>
       <p:sp>
         <p:nvSpPr>
-          <p:cNvPr id="3" name="Date Placeholder 2"/>
-          <p:cNvSpPr>
-            <a:spLocks noGrp="1"/>
-          </p:cNvSpPr>
-          <p:nvPr>
-            <p:ph type="dt" sz="half" idx="10"/>
+          <p:cNvPr id="4" name="Footer Placeholder 3"/>
+          <p:cNvSpPr>
+            <a:spLocks noGrp="1"/>
+          </p:cNvSpPr>
+          <p:nvPr>
+            <p:ph type="ftr" sz="quarter" idx="11"/>
           </p:nvPr>
         </p:nvSpPr>
         <p:spPr/>
@@ -10132,33 +9940,10 @@
           <a:bodyPr/>
           <a:lstStyle/>
           <a:p>
-            <a:fld id="{BD5AFB16-13FE-DF4A-8CB7-09756A57B2EA}" type="datetime2">
-              <a:rPr lang="en-US" smtClean="0"/>
-              <a:t>Wednesday, September 10, 14</a:t>
-            </a:fld>
-            <a:endParaRPr lang="en-US" dirty="0"/>
-          </a:p>
-        </p:txBody>
-      </p:sp>
-      <p:sp>
-        <p:nvSpPr>
-          <p:cNvPr id="4" name="Footer Placeholder 3"/>
-          <p:cNvSpPr>
-            <a:spLocks noGrp="1"/>
-          </p:cNvSpPr>
-          <p:nvPr>
-            <p:ph type="ftr" sz="quarter" idx="11"/>
-          </p:nvPr>
-        </p:nvSpPr>
-        <p:spPr/>
-        <p:txBody>
-          <a:bodyPr/>
-          <a:lstStyle/>
-          <a:p>
             <a:pPr algn="r"/>
             <a:r>
               <a:rPr lang="en-US" smtClean="0"/>
-              <a:t>Sanjay Kalé and PPL (UIUC) – Parallel Migratable Objects </a:t>
+              <a:t>Laxmikant Kalé and PPL (UIUC) – Parallel Migratable Objects </a:t>
             </a:r>
             <a:endParaRPr lang="en-US" dirty="0"/>
           </a:p>

--- a/tutorial-06-migratability.pptx
+++ b/tutorial-06-migratability.pptx
@@ -8901,39 +8901,46 @@
               <a:buNone/>
             </a:pPr>
             <a:r>
-              <a:rPr lang="en-US" dirty="0" smtClean="0">
+              <a:rPr lang="en-US" sz="2900" dirty="0" smtClean="0">
                 <a:latin typeface="Consolas"/>
                 <a:cs typeface="Consolas"/>
               </a:rPr>
               <a:t>    </a:t>
             </a:r>
             <a:r>
-              <a:rPr lang="en-US" sz="2600" b="1" dirty="0" smtClean="0">
+              <a:rPr lang="en-US" sz="2900" b="1" dirty="0" smtClean="0">
                 <a:latin typeface="Consolas"/>
                 <a:cs typeface="Consolas"/>
               </a:rPr>
               <a:t>if</a:t>
             </a:r>
             <a:r>
-              <a:rPr lang="en-US" sz="2600" dirty="0" smtClean="0">
+              <a:rPr lang="en-US" sz="2900" dirty="0" smtClean="0">
                 <a:latin typeface="Consolas"/>
                 <a:cs typeface="Consolas"/>
               </a:rPr>
               <a:t>(</a:t>
             </a:r>
             <a:r>
-              <a:rPr lang="en-US" sz="2600" dirty="0" err="1" smtClean="0">
+              <a:rPr lang="en-US" sz="2900" dirty="0" err="1" smtClean="0">
                 <a:latin typeface="Consolas"/>
                 <a:cs typeface="Consolas"/>
               </a:rPr>
               <a:t>p.isUnpacking</a:t>
             </a:r>
             <a:r>
-              <a:rPr lang="en-US" sz="2600" dirty="0" smtClean="0">
-                <a:latin typeface="Consolas"/>
-                <a:cs typeface="Consolas"/>
-              </a:rPr>
-              <a:t>()) pointer =</a:t>
+              <a:rPr lang="en-US" sz="2900" dirty="0" smtClean="0">
+                <a:latin typeface="Consolas"/>
+                <a:cs typeface="Consolas"/>
+              </a:rPr>
+              <a:t>()</a:t>
+            </a:r>
+            <a:r>
+              <a:rPr lang="en-US" sz="2900" dirty="0" smtClean="0">
+                <a:latin typeface="Consolas"/>
+                <a:cs typeface="Consolas"/>
+              </a:rPr>
+              <a:t>)</a:t>
             </a:r>
           </a:p>
           <a:p>
@@ -8941,25 +8948,25 @@
               <a:buNone/>
             </a:pPr>
             <a:r>
-              <a:rPr lang="en-US" dirty="0" smtClean="0">
-                <a:latin typeface="Consolas"/>
-                <a:cs typeface="Consolas"/>
-              </a:rPr>
-              <a:t>    </a:t>
-            </a:r>
-            <a:r>
-              <a:rPr lang="en-US" dirty="0">
-                <a:latin typeface="Consolas"/>
-                <a:cs typeface="Consolas"/>
-              </a:rPr>
-              <a:t> </a:t>
-            </a:r>
-            <a:r>
-              <a:rPr lang="en-US" dirty="0" smtClean="0">
-                <a:latin typeface="Consolas"/>
-                <a:cs typeface="Consolas"/>
-              </a:rPr>
-              <a:t> </a:t>
+              <a:rPr lang="en-US" sz="2900" dirty="0" smtClean="0">
+                <a:latin typeface="Consolas"/>
+                <a:cs typeface="Consolas"/>
+              </a:rPr>
+              <a:t>   </a:t>
+            </a:r>
+            <a:r>
+              <a:rPr lang="en-US" sz="2900" smtClean="0">
+                <a:latin typeface="Consolas"/>
+                <a:cs typeface="Consolas"/>
+              </a:rPr>
+              <a:t>   pointer </a:t>
+            </a:r>
+            <a:r>
+              <a:rPr lang="en-US" sz="2900" dirty="0" smtClean="0">
+                <a:latin typeface="Consolas"/>
+                <a:cs typeface="Consolas"/>
+              </a:rPr>
+              <a:t>= </a:t>
             </a:r>
             <a:r>
               <a:rPr lang="en-US" b="1" dirty="0" smtClean="0">

--- a/tutorial-06-migratability.pptx
+++ b/tutorial-06-migratability.pptx
@@ -209,7 +209,7 @@
           <a:p>
             <a:fld id="{775CE290-E0F5-444C-B849-A8F17CD4104C}" type="datetimeFigureOut">
               <a:rPr lang="en-US" smtClean="0"/>
-              <a:t>9/12/14</a:t>
+              <a:t>11/16/14</a:t>
             </a:fld>
             <a:endParaRPr lang="en-US"/>
           </a:p>
@@ -375,7 +375,7 @@
           <a:p>
             <a:fld id="{AD53A24C-4135-094C-957B-35852E7EDFA4}" type="datetimeFigureOut">
               <a:rPr lang="en-US" smtClean="0"/>
-              <a:t>9/12/14</a:t>
+              <a:t>11/16/14</a:t>
             </a:fld>
             <a:endParaRPr lang="en-US"/>
           </a:p>
@@ -836,7 +836,7 @@
           <a:p>
             <a:fld id="{B8C04E88-EA56-CE4E-8ADD-9D85B8DCF5EA}" type="datetime2">
               <a:rPr lang="en-US" smtClean="0"/>
-              <a:t>Friday, September 12, 14</a:t>
+              <a:t>Sunday, November 16, 14</a:t>
             </a:fld>
             <a:endParaRPr lang="en-US"/>
           </a:p>
@@ -1139,7 +1139,7 @@
                 <a:latin typeface="Times New Roman"/>
                 <a:cs typeface="Times New Roman"/>
               </a:rPr>
-              <a:t>September 12, 2014</a:t>
+              <a:t>November 16, 2014</a:t>
             </a:fld>
             <a:endParaRPr lang="en-US" dirty="0">
               <a:latin typeface="Times New Roman"/>
@@ -1413,7 +1413,7 @@
                 <a:latin typeface="Times New Roman"/>
                 <a:cs typeface="Times New Roman"/>
               </a:rPr>
-              <a:t>September 12, 2014</a:t>
+              <a:t>November 16, 2014</a:t>
             </a:fld>
             <a:endParaRPr lang="en-US" dirty="0">
               <a:latin typeface="Times New Roman"/>
@@ -1648,7 +1648,7 @@
           <a:p>
             <a:fld id="{3216A4B2-3EA9-6240-ACA6-EE0147F321CB}" type="datetime2">
               <a:rPr lang="en-US" smtClean="0"/>
-              <a:t>Friday, September 12, 14</a:t>
+              <a:t>Sunday, November 16, 14</a:t>
             </a:fld>
             <a:endParaRPr lang="en-US"/>
           </a:p>
@@ -1959,7 +1959,7 @@
           <a:p>
             <a:fld id="{34D45C71-88CB-C847-9695-BE4569D327BE}" type="datetime2">
               <a:rPr lang="en-US" smtClean="0"/>
-              <a:t>Friday, September 12, 14</a:t>
+              <a:t>Sunday, November 16, 14</a:t>
             </a:fld>
             <a:endParaRPr lang="en-US"/>
           </a:p>
@@ -2130,7 +2130,7 @@
           <a:p>
             <a:fld id="{EC27CF03-D406-7C4A-8253-530708B412DE}" type="datetime2">
               <a:rPr lang="en-US" smtClean="0"/>
-              <a:t>Friday, September 12, 14</a:t>
+              <a:t>Sunday, November 16, 14</a:t>
             </a:fld>
             <a:endParaRPr lang="en-US"/>
           </a:p>
@@ -2311,7 +2311,7 @@
           <a:p>
             <a:fld id="{5091C257-6BBB-164A-B8AB-0B4AE4CDD784}" type="datetime2">
               <a:rPr lang="en-US" smtClean="0"/>
-              <a:t>Friday, September 12, 14</a:t>
+              <a:t>Sunday, November 16, 14</a:t>
             </a:fld>
             <a:endParaRPr lang="en-US"/>
           </a:p>
@@ -2565,7 +2565,7 @@
           <a:p>
             <a:fld id="{7168A974-7330-184A-A617-E0A123C7A829}" type="datetime2">
               <a:rPr lang="en-US" smtClean="0"/>
-              <a:t>Friday, September 12, 14</a:t>
+              <a:t>Sunday, November 16, 14</a:t>
             </a:fld>
             <a:endParaRPr lang="en-US"/>
           </a:p>
@@ -2868,7 +2868,7 @@
                 <a:latin typeface="Times New Roman"/>
                 <a:cs typeface="Times New Roman"/>
               </a:rPr>
-              <a:t>September 12, 2014</a:t>
+              <a:t>November 16, 2014</a:t>
             </a:fld>
             <a:endParaRPr lang="en-US" dirty="0">
               <a:latin typeface="Times New Roman"/>
@@ -2994,7 +2994,7 @@
           <a:p>
             <a:fld id="{762E6DF2-4995-364A-829F-810231AC86A3}" type="datetime2">
               <a:rPr lang="en-US" smtClean="0"/>
-              <a:t>Friday, September 12, 14</a:t>
+              <a:t>Sunday, November 16, 14</a:t>
             </a:fld>
             <a:endParaRPr lang="en-US" dirty="0"/>
           </a:p>
@@ -3523,7 +3523,7 @@
           <a:p>
             <a:fld id="{1AC1EC2A-EB86-5943-B5ED-84F59969D54E}" type="datetime2">
               <a:rPr lang="en-US" smtClean="0"/>
-              <a:t>Friday, September 12, 14</a:t>
+              <a:t>Sunday, November 16, 14</a:t>
             </a:fld>
             <a:endParaRPr lang="en-US" dirty="0"/>
           </a:p>
@@ -3819,7 +3819,7 @@
           <a:p>
             <a:fld id="{393981F4-FE5E-DE41-9EF7-9921E43F225A}" type="datetime2">
               <a:rPr lang="en-US" smtClean="0"/>
-              <a:t>Friday, September 12, 14</a:t>
+              <a:t>Sunday, November 16, 14</a:t>
             </a:fld>
             <a:endParaRPr lang="en-US"/>
           </a:p>
@@ -3938,7 +3938,7 @@
           <a:p>
             <a:fld id="{BD872588-D8A9-914B-B004-0F11267394A2}" type="datetime2">
               <a:rPr lang="en-US" smtClean="0"/>
-              <a:t>Friday, September 12, 14</a:t>
+              <a:t>Sunday, November 16, 14</a:t>
             </a:fld>
             <a:endParaRPr lang="en-US" dirty="0"/>
           </a:p>
@@ -4425,7 +4425,7 @@
           <a:p>
             <a:fld id="{8E568853-6827-1B49-8764-1B4501307C23}" type="datetime2">
               <a:rPr lang="en-US" smtClean="0"/>
-              <a:t>Friday, September 12, 14</a:t>
+              <a:t>Sunday, November 16, 14</a:t>
             </a:fld>
             <a:endParaRPr lang="en-US"/>
           </a:p>
@@ -4756,7 +4756,7 @@
           <a:p>
             <a:fld id="{C4585D57-FF62-D544-B57C-7399C22ADF8B}" type="datetime2">
               <a:rPr lang="en-US" smtClean="0"/>
-              <a:t>Friday, September 12, 14</a:t>
+              <a:t>Sunday, November 16, 14</a:t>
             </a:fld>
             <a:endParaRPr lang="en-US" dirty="0"/>
           </a:p>
@@ -5235,7 +5235,7 @@
           <a:p>
             <a:fld id="{5C272444-0C3E-C149-A7C2-870DB4C382BE}" type="datetime2">
               <a:rPr lang="en-US" smtClean="0"/>
-              <a:t>Friday, September 12, 14</a:t>
+              <a:t>Sunday, November 16, 14</a:t>
             </a:fld>
             <a:endParaRPr lang="en-US"/>
           </a:p>
@@ -5531,7 +5531,7 @@
           <a:p>
             <a:fld id="{8EAE9E6F-DB8B-E847-B760-03EF679F32E4}" type="datetime2">
               <a:rPr lang="en-US" smtClean="0"/>
-              <a:t>Friday, September 12, 14</a:t>
+              <a:t>Sunday, November 16, 14</a:t>
             </a:fld>
             <a:endParaRPr lang="en-US" dirty="0"/>
           </a:p>
@@ -5774,7 +5774,7 @@
           <a:p>
             <a:fld id="{D1EAB2C3-A5AF-CC4C-A9C6-D8940861922F}" type="datetime2">
               <a:rPr lang="en-US" smtClean="0"/>
-              <a:t>Friday, September 12, 14</a:t>
+              <a:t>Sunday, November 16, 14</a:t>
             </a:fld>
             <a:endParaRPr lang="en-US"/>
           </a:p>
@@ -5870,7 +5870,7 @@
           <a:p>
             <a:fld id="{A7E99556-4F16-FA4E-BA65-63B6CB8AAF74}" type="datetime2">
               <a:rPr lang="en-US" smtClean="0"/>
-              <a:t>Friday, September 12, 14</a:t>
+              <a:t>Sunday, November 16, 14</a:t>
             </a:fld>
             <a:endParaRPr lang="en-US"/>
           </a:p>
@@ -6185,7 +6185,7 @@
           <a:p>
             <a:fld id="{7A4C4CB0-4638-294F-BEE2-6B6158A6DB75}" type="datetime2">
               <a:rPr lang="en-US" smtClean="0"/>
-              <a:t>Friday, September 12, 14</a:t>
+              <a:t>Sunday, November 16, 14</a:t>
             </a:fld>
             <a:endParaRPr lang="en-US" dirty="0"/>
           </a:p>
@@ -7101,11 +7101,11 @@
   <p:clrMapOvr>
     <a:masterClrMapping/>
   </p:clrMapOvr>
-  <mc:AlternateContent xmlns:mc="http://schemas.openxmlformats.org/markup-compatibility/2006">
-    <mc:Choice xmlns:p14="http://schemas.microsoft.com/office/powerpoint/2010/main" Requires="p14">
+  <mc:AlternateContent xmlns:mc="http://schemas.openxmlformats.org/markup-compatibility/2006" xmlns:p14="http://schemas.microsoft.com/office/powerpoint/2010/main">
+    <mc:Choice Requires="p14">
       <p:transition spd="slow" p14:dur="2000"/>
     </mc:Choice>
-    <mc:Fallback>
+    <mc:Fallback xmlns="">
       <p:transition xmlns:p14="http://schemas.microsoft.com/office/powerpoint/2010/main" spd="slow"/>
     </mc:Fallback>
   </mc:AlternateContent>
@@ -7482,7 +7482,7 @@
         </p:blipFill>
         <p:spPr>
           <a:xfrm>
-            <a:off x="0" y="927021"/>
+            <a:off x="0" y="939979"/>
             <a:ext cx="9144000" cy="2426634"/>
           </a:xfrm>
           <a:prstGeom prst="rect">
@@ -8933,14 +8933,7 @@
                 <a:latin typeface="Consolas"/>
                 <a:cs typeface="Consolas"/>
               </a:rPr>
-              <a:t>()</a:t>
-            </a:r>
-            <a:r>
-              <a:rPr lang="en-US" sz="2900" dirty="0" smtClean="0">
-                <a:latin typeface="Consolas"/>
-                <a:cs typeface="Consolas"/>
-              </a:rPr>
-              <a:t>)</a:t>
+              <a:t>())</a:t>
             </a:r>
           </a:p>
           <a:p>
@@ -9162,8 +9155,17 @@
           <a:p>
             <a:r>
               <a:rPr lang="en-US" dirty="0"/>
-              <a:t>PUP: Concerns</a:t>
-            </a:r>
+              <a:t>PUP</a:t>
+            </a:r>
+            <a:r>
+              <a:rPr lang="en-US"/>
+              <a:t>: </a:t>
+            </a:r>
+            <a:r>
+              <a:rPr lang="en-US" smtClean="0"/>
+              <a:t>Pitfalls</a:t>
+            </a:r>
+            <a:endParaRPr lang="en-US" dirty="0"/>
           </a:p>
         </p:txBody>
       </p:sp>
